--- a/T-SQL good practices.pptx
+++ b/T-SQL good practices.pptx
@@ -1,27 +1,30 @@
 
 <file path=ppt/presentation.xml><?xml version="1.0" encoding="utf-8"?>
-<p:presentation xmlns:a="http://schemas.openxmlformats.org/drawingml/2006/main" xmlns:r="http://schemas.openxmlformats.org/officeDocument/2006/relationships" xmlns:p="http://schemas.openxmlformats.org/presentationml/2006/main" saveSubsetFonts="1">
+<p:presentation xmlns:a="http://schemas.openxmlformats.org/drawingml/2006/main" xmlns:r="http://schemas.openxmlformats.org/officeDocument/2006/relationships" xmlns:p="http://schemas.openxmlformats.org/presentationml/2006/main" autoCompressPictures="0">
   <p:sldMasterIdLst>
-    <p:sldMasterId id="2147483648" r:id="rId1"/>
+    <p:sldMasterId id="2147483683" r:id="rId1"/>
   </p:sldMasterIdLst>
+  <p:notesMasterIdLst>
+    <p:notesMasterId r:id="rId11"/>
+  </p:notesMasterIdLst>
   <p:sldIdLst>
-    <p:sldId id="256" r:id="rId2"/>
-    <p:sldId id="257" r:id="rId3"/>
-    <p:sldId id="258" r:id="rId4"/>
-    <p:sldId id="259" r:id="rId5"/>
-    <p:sldId id="260" r:id="rId6"/>
-    <p:sldId id="261" r:id="rId7"/>
-    <p:sldId id="262" r:id="rId8"/>
-    <p:sldId id="263" r:id="rId9"/>
-    <p:sldId id="264" r:id="rId10"/>
+    <p:sldId id="258" r:id="rId2"/>
+    <p:sldId id="259" r:id="rId3"/>
+    <p:sldId id="260" r:id="rId4"/>
+    <p:sldId id="261" r:id="rId5"/>
+    <p:sldId id="262" r:id="rId6"/>
+    <p:sldId id="263" r:id="rId7"/>
+    <p:sldId id="264" r:id="rId8"/>
+    <p:sldId id="265" r:id="rId9"/>
+    <p:sldId id="266" r:id="rId10"/>
   </p:sldIdLst>
-  <p:sldSz cx="12192000" cy="6858000"/>
+  <p:sldSz cx="9144000" cy="6858000" type="screen4x3"/>
   <p:notesSz cx="6858000" cy="9144000"/>
   <p:defaultTextStyle>
     <a:defPPr>
       <a:defRPr lang="en-US"/>
     </a:defPPr>
-    <a:lvl1pPr marL="0" algn="l" defTabSz="914400" rtl="0" eaLnBrk="1" latinLnBrk="0" hangingPunct="1">
+    <a:lvl1pPr marL="0" algn="l" defTabSz="457200" rtl="0" eaLnBrk="1" latinLnBrk="0" hangingPunct="1">
       <a:defRPr sz="1800" kern="1200">
         <a:solidFill>
           <a:schemeClr val="tx1"/>
@@ -31,7 +34,7 @@
         <a:cs typeface="+mn-cs"/>
       </a:defRPr>
     </a:lvl1pPr>
-    <a:lvl2pPr marL="457200" algn="l" defTabSz="914400" rtl="0" eaLnBrk="1" latinLnBrk="0" hangingPunct="1">
+    <a:lvl2pPr marL="457200" algn="l" defTabSz="457200" rtl="0" eaLnBrk="1" latinLnBrk="0" hangingPunct="1">
       <a:defRPr sz="1800" kern="1200">
         <a:solidFill>
           <a:schemeClr val="tx1"/>
@@ -41,7 +44,7 @@
         <a:cs typeface="+mn-cs"/>
       </a:defRPr>
     </a:lvl2pPr>
-    <a:lvl3pPr marL="914400" algn="l" defTabSz="914400" rtl="0" eaLnBrk="1" latinLnBrk="0" hangingPunct="1">
+    <a:lvl3pPr marL="914400" algn="l" defTabSz="457200" rtl="0" eaLnBrk="1" latinLnBrk="0" hangingPunct="1">
       <a:defRPr sz="1800" kern="1200">
         <a:solidFill>
           <a:schemeClr val="tx1"/>
@@ -51,7 +54,7 @@
         <a:cs typeface="+mn-cs"/>
       </a:defRPr>
     </a:lvl3pPr>
-    <a:lvl4pPr marL="1371600" algn="l" defTabSz="914400" rtl="0" eaLnBrk="1" latinLnBrk="0" hangingPunct="1">
+    <a:lvl4pPr marL="1371600" algn="l" defTabSz="457200" rtl="0" eaLnBrk="1" latinLnBrk="0" hangingPunct="1">
       <a:defRPr sz="1800" kern="1200">
         <a:solidFill>
           <a:schemeClr val="tx1"/>
@@ -61,7 +64,7 @@
         <a:cs typeface="+mn-cs"/>
       </a:defRPr>
     </a:lvl4pPr>
-    <a:lvl5pPr marL="1828800" algn="l" defTabSz="914400" rtl="0" eaLnBrk="1" latinLnBrk="0" hangingPunct="1">
+    <a:lvl5pPr marL="1828800" algn="l" defTabSz="457200" rtl="0" eaLnBrk="1" latinLnBrk="0" hangingPunct="1">
       <a:defRPr sz="1800" kern="1200">
         <a:solidFill>
           <a:schemeClr val="tx1"/>
@@ -71,7 +74,7 @@
         <a:cs typeface="+mn-cs"/>
       </a:defRPr>
     </a:lvl5pPr>
-    <a:lvl6pPr marL="2286000" algn="l" defTabSz="914400" rtl="0" eaLnBrk="1" latinLnBrk="0" hangingPunct="1">
+    <a:lvl6pPr marL="2286000" algn="l" defTabSz="457200" rtl="0" eaLnBrk="1" latinLnBrk="0" hangingPunct="1">
       <a:defRPr sz="1800" kern="1200">
         <a:solidFill>
           <a:schemeClr val="tx1"/>
@@ -81,7 +84,7 @@
         <a:cs typeface="+mn-cs"/>
       </a:defRPr>
     </a:lvl6pPr>
-    <a:lvl7pPr marL="2743200" algn="l" defTabSz="914400" rtl="0" eaLnBrk="1" latinLnBrk="0" hangingPunct="1">
+    <a:lvl7pPr marL="2743200" algn="l" defTabSz="457200" rtl="0" eaLnBrk="1" latinLnBrk="0" hangingPunct="1">
       <a:defRPr sz="1800" kern="1200">
         <a:solidFill>
           <a:schemeClr val="tx1"/>
@@ -91,7 +94,7 @@
         <a:cs typeface="+mn-cs"/>
       </a:defRPr>
     </a:lvl7pPr>
-    <a:lvl8pPr marL="3200400" algn="l" defTabSz="914400" rtl="0" eaLnBrk="1" latinLnBrk="0" hangingPunct="1">
+    <a:lvl8pPr marL="3200400" algn="l" defTabSz="457200" rtl="0" eaLnBrk="1" latinLnBrk="0" hangingPunct="1">
       <a:defRPr sz="1800" kern="1200">
         <a:solidFill>
           <a:schemeClr val="tx1"/>
@@ -101,7 +104,7 @@
         <a:cs typeface="+mn-cs"/>
       </a:defRPr>
     </a:lvl8pPr>
-    <a:lvl9pPr marL="3657600" algn="l" defTabSz="914400" rtl="0" eaLnBrk="1" latinLnBrk="0" hangingPunct="1">
+    <a:lvl9pPr marL="3657600" algn="l" defTabSz="457200" rtl="0" eaLnBrk="1" latinLnBrk="0" hangingPunct="1">
       <a:defRPr sz="1800" kern="1200">
         <a:solidFill>
           <a:schemeClr val="tx1"/>
@@ -112,12 +115,22 @@
       </a:defRPr>
     </a:lvl9pPr>
   </p:defaultTextStyle>
+  <p:extLst>
+    <p:ext uri="{EFAFB233-063F-42B5-8137-9DF3F51BA10A}">
+      <p15:sldGuideLst xmlns:p15="http://schemas.microsoft.com/office/powerpoint/2012/main"/>
+    </p:ext>
+  </p:extLst>
 </p:presentation>
 </file>
 
-<file path=ppt/slideLayouts/slideLayout1.xml><?xml version="1.0" encoding="utf-8"?>
-<p:sldLayout xmlns:a="http://schemas.openxmlformats.org/drawingml/2006/main" xmlns:r="http://schemas.openxmlformats.org/officeDocument/2006/relationships" xmlns:p="http://schemas.openxmlformats.org/presentationml/2006/main" type="title" preserve="1">
-  <p:cSld name="Title Slide">
+<file path=ppt/notesMasters/notesMaster1.xml><?xml version="1.0" encoding="utf-8"?>
+<p:notesMaster xmlns:a="http://schemas.openxmlformats.org/drawingml/2006/main" xmlns:r="http://schemas.openxmlformats.org/officeDocument/2006/relationships" xmlns:p="http://schemas.openxmlformats.org/presentationml/2006/main">
+  <p:cSld>
+    <p:bg>
+      <p:bgRef idx="1001">
+        <a:schemeClr val="bg1"/>
+      </p:bgRef>
+    </p:bg>
     <p:spTree>
       <p:nvGrpSpPr>
         <p:cNvPr id="1" name=""/>
@@ -134,70 +147,393 @@
       </p:grpSpPr>
       <p:sp>
         <p:nvSpPr>
-          <p:cNvPr id="2" name="Title 1">
-            <a:extLst>
-              <a:ext uri="{FF2B5EF4-FFF2-40B4-BE49-F238E27FC236}">
-                <a16:creationId xmlns:a16="http://schemas.microsoft.com/office/drawing/2014/main" id="{0CFA1470-BE80-42F8-9DB0-12055E3A38F2}"/>
-              </a:ext>
-            </a:extLst>
-          </p:cNvPr>
-          <p:cNvSpPr>
-            <a:spLocks noGrp="1"/>
-          </p:cNvSpPr>
-          <p:nvPr>
-            <p:ph type="ctrTitle"/>
+          <p:cNvPr id="2" name="Header Placeholder 1"/>
+          <p:cNvSpPr>
+            <a:spLocks noGrp="1"/>
+          </p:cNvSpPr>
+          <p:nvPr>
+            <p:ph type="hdr" sz="quarter"/>
           </p:nvPr>
         </p:nvSpPr>
         <p:spPr>
           <a:xfrm>
-            <a:off x="1524000" y="1122363"/>
-            <a:ext cx="9144000" cy="2387600"/>
+            <a:off x="0" y="0"/>
+            <a:ext cx="2971800" cy="458788"/>
+          </a:xfrm>
+          <a:prstGeom prst="rect">
+            <a:avLst/>
+          </a:prstGeom>
+        </p:spPr>
+        <p:txBody>
+          <a:bodyPr vert="horz" lIns="91440" tIns="45720" rIns="91440" bIns="45720" rtlCol="0"/>
+          <a:lstStyle>
+            <a:lvl1pPr algn="l">
+              <a:defRPr sz="1200"/>
+            </a:lvl1pPr>
+          </a:lstStyle>
+          <a:p>
+            <a:endParaRPr lang="en-US"/>
+          </a:p>
+        </p:txBody>
+      </p:sp>
+      <p:sp>
+        <p:nvSpPr>
+          <p:cNvPr id="3" name="Date Placeholder 2"/>
+          <p:cNvSpPr>
+            <a:spLocks noGrp="1"/>
+          </p:cNvSpPr>
+          <p:nvPr>
+            <p:ph type="dt" idx="1"/>
+          </p:nvPr>
+        </p:nvSpPr>
+        <p:spPr>
+          <a:xfrm>
+            <a:off x="3884613" y="0"/>
+            <a:ext cx="2971800" cy="458788"/>
+          </a:xfrm>
+          <a:prstGeom prst="rect">
+            <a:avLst/>
+          </a:prstGeom>
+        </p:spPr>
+        <p:txBody>
+          <a:bodyPr vert="horz" lIns="91440" tIns="45720" rIns="91440" bIns="45720" rtlCol="0"/>
+          <a:lstStyle>
+            <a:lvl1pPr algn="r">
+              <a:defRPr sz="1200"/>
+            </a:lvl1pPr>
+          </a:lstStyle>
+          <a:p>
+            <a:fld id="{A004B0D9-9024-40B9-BE52-3303776FD3A8}" type="datetimeFigureOut">
+              <a:rPr lang="en-US" smtClean="0"/>
+              <a:t>2/22/2018</a:t>
+            </a:fld>
+            <a:endParaRPr lang="en-US"/>
+          </a:p>
+        </p:txBody>
+      </p:sp>
+      <p:sp>
+        <p:nvSpPr>
+          <p:cNvPr id="4" name="Slide Image Placeholder 3"/>
+          <p:cNvSpPr>
+            <a:spLocks noGrp="1" noRot="1" noChangeAspect="1"/>
+          </p:cNvSpPr>
+          <p:nvPr>
+            <p:ph type="sldImg" idx="2"/>
+          </p:nvPr>
+        </p:nvSpPr>
+        <p:spPr>
+          <a:xfrm>
+            <a:off x="1371600" y="1143000"/>
+            <a:ext cx="4114800" cy="3086100"/>
+          </a:xfrm>
+          <a:prstGeom prst="rect">
+            <a:avLst/>
+          </a:prstGeom>
+          <a:noFill/>
+          <a:ln w="12700">
+            <a:solidFill>
+              <a:prstClr val="black"/>
+            </a:solidFill>
+          </a:ln>
+        </p:spPr>
+        <p:txBody>
+          <a:bodyPr vert="horz" lIns="91440" tIns="45720" rIns="91440" bIns="45720" rtlCol="0" anchor="ctr"/>
+          <a:lstStyle/>
+          <a:p>
+            <a:endParaRPr lang="en-US"/>
+          </a:p>
+        </p:txBody>
+      </p:sp>
+      <p:sp>
+        <p:nvSpPr>
+          <p:cNvPr id="5" name="Notes Placeholder 4"/>
+          <p:cNvSpPr>
+            <a:spLocks noGrp="1"/>
+          </p:cNvSpPr>
+          <p:nvPr>
+            <p:ph type="body" sz="quarter" idx="3"/>
+          </p:nvPr>
+        </p:nvSpPr>
+        <p:spPr>
+          <a:xfrm>
+            <a:off x="685800" y="4400550"/>
+            <a:ext cx="5486400" cy="3600450"/>
+          </a:xfrm>
+          <a:prstGeom prst="rect">
+            <a:avLst/>
+          </a:prstGeom>
+        </p:spPr>
+        <p:txBody>
+          <a:bodyPr vert="horz" lIns="91440" tIns="45720" rIns="91440" bIns="45720" rtlCol="0"/>
+          <a:lstStyle/>
+          <a:p>
+            <a:pPr lvl="0"/>
+            <a:r>
+              <a:rPr lang="en-US" smtClean="0"/>
+              <a:t>Click to edit Master text styles</a:t>
+            </a:r>
+          </a:p>
+          <a:p>
+            <a:pPr lvl="1"/>
+            <a:r>
+              <a:rPr lang="en-US" smtClean="0"/>
+              <a:t>Second level</a:t>
+            </a:r>
+          </a:p>
+          <a:p>
+            <a:pPr lvl="2"/>
+            <a:r>
+              <a:rPr lang="en-US" smtClean="0"/>
+              <a:t>Third level</a:t>
+            </a:r>
+          </a:p>
+          <a:p>
+            <a:pPr lvl="3"/>
+            <a:r>
+              <a:rPr lang="en-US" smtClean="0"/>
+              <a:t>Fourth level</a:t>
+            </a:r>
+          </a:p>
+          <a:p>
+            <a:pPr lvl="4"/>
+            <a:r>
+              <a:rPr lang="en-US" smtClean="0"/>
+              <a:t>Fifth level</a:t>
+            </a:r>
+            <a:endParaRPr lang="en-US"/>
+          </a:p>
+        </p:txBody>
+      </p:sp>
+      <p:sp>
+        <p:nvSpPr>
+          <p:cNvPr id="6" name="Footer Placeholder 5"/>
+          <p:cNvSpPr>
+            <a:spLocks noGrp="1"/>
+          </p:cNvSpPr>
+          <p:nvPr>
+            <p:ph type="ftr" sz="quarter" idx="4"/>
+          </p:nvPr>
+        </p:nvSpPr>
+        <p:spPr>
+          <a:xfrm>
+            <a:off x="0" y="8685213"/>
+            <a:ext cx="2971800" cy="458787"/>
+          </a:xfrm>
+          <a:prstGeom prst="rect">
+            <a:avLst/>
+          </a:prstGeom>
+        </p:spPr>
+        <p:txBody>
+          <a:bodyPr vert="horz" lIns="91440" tIns="45720" rIns="91440" bIns="45720" rtlCol="0" anchor="b"/>
+          <a:lstStyle>
+            <a:lvl1pPr algn="l">
+              <a:defRPr sz="1200"/>
+            </a:lvl1pPr>
+          </a:lstStyle>
+          <a:p>
+            <a:endParaRPr lang="en-US"/>
+          </a:p>
+        </p:txBody>
+      </p:sp>
+      <p:sp>
+        <p:nvSpPr>
+          <p:cNvPr id="7" name="Slide Number Placeholder 6"/>
+          <p:cNvSpPr>
+            <a:spLocks noGrp="1"/>
+          </p:cNvSpPr>
+          <p:nvPr>
+            <p:ph type="sldNum" sz="quarter" idx="5"/>
+          </p:nvPr>
+        </p:nvSpPr>
+        <p:spPr>
+          <a:xfrm>
+            <a:off x="3884613" y="8685213"/>
+            <a:ext cx="2971800" cy="458787"/>
+          </a:xfrm>
+          <a:prstGeom prst="rect">
+            <a:avLst/>
+          </a:prstGeom>
+        </p:spPr>
+        <p:txBody>
+          <a:bodyPr vert="horz" lIns="91440" tIns="45720" rIns="91440" bIns="45720" rtlCol="0" anchor="b"/>
+          <a:lstStyle>
+            <a:lvl1pPr algn="r">
+              <a:defRPr sz="1200"/>
+            </a:lvl1pPr>
+          </a:lstStyle>
+          <a:p>
+            <a:fld id="{EB20628E-358E-4F6B-BE13-6D3AC0ACEF0B}" type="slidenum">
+              <a:rPr lang="en-US" smtClean="0"/>
+              <a:t>‹#›</a:t>
+            </a:fld>
+            <a:endParaRPr lang="en-US"/>
+          </a:p>
+        </p:txBody>
+      </p:sp>
+    </p:spTree>
+    <p:extLst>
+      <p:ext uri="{BB962C8B-B14F-4D97-AF65-F5344CB8AC3E}">
+        <p14:creationId xmlns:p14="http://schemas.microsoft.com/office/powerpoint/2010/main" val="3613197768"/>
+      </p:ext>
+    </p:extLst>
+  </p:cSld>
+  <p:clrMap bg1="lt1" tx1="dk1" bg2="lt2" tx2="dk2" accent1="accent1" accent2="accent2" accent3="accent3" accent4="accent4" accent5="accent5" accent6="accent6" hlink="hlink" folHlink="folHlink"/>
+  <p:notesStyle>
+    <a:lvl1pPr marL="0" algn="l" defTabSz="914400" rtl="0" eaLnBrk="1" latinLnBrk="0" hangingPunct="1">
+      <a:defRPr sz="1200" kern="1200">
+        <a:solidFill>
+          <a:schemeClr val="tx1"/>
+        </a:solidFill>
+        <a:latin typeface="+mn-lt"/>
+        <a:ea typeface="+mn-ea"/>
+        <a:cs typeface="+mn-cs"/>
+      </a:defRPr>
+    </a:lvl1pPr>
+    <a:lvl2pPr marL="457200" algn="l" defTabSz="914400" rtl="0" eaLnBrk="1" latinLnBrk="0" hangingPunct="1">
+      <a:defRPr sz="1200" kern="1200">
+        <a:solidFill>
+          <a:schemeClr val="tx1"/>
+        </a:solidFill>
+        <a:latin typeface="+mn-lt"/>
+        <a:ea typeface="+mn-ea"/>
+        <a:cs typeface="+mn-cs"/>
+      </a:defRPr>
+    </a:lvl2pPr>
+    <a:lvl3pPr marL="914400" algn="l" defTabSz="914400" rtl="0" eaLnBrk="1" latinLnBrk="0" hangingPunct="1">
+      <a:defRPr sz="1200" kern="1200">
+        <a:solidFill>
+          <a:schemeClr val="tx1"/>
+        </a:solidFill>
+        <a:latin typeface="+mn-lt"/>
+        <a:ea typeface="+mn-ea"/>
+        <a:cs typeface="+mn-cs"/>
+      </a:defRPr>
+    </a:lvl3pPr>
+    <a:lvl4pPr marL="1371600" algn="l" defTabSz="914400" rtl="0" eaLnBrk="1" latinLnBrk="0" hangingPunct="1">
+      <a:defRPr sz="1200" kern="1200">
+        <a:solidFill>
+          <a:schemeClr val="tx1"/>
+        </a:solidFill>
+        <a:latin typeface="+mn-lt"/>
+        <a:ea typeface="+mn-ea"/>
+        <a:cs typeface="+mn-cs"/>
+      </a:defRPr>
+    </a:lvl4pPr>
+    <a:lvl5pPr marL="1828800" algn="l" defTabSz="914400" rtl="0" eaLnBrk="1" latinLnBrk="0" hangingPunct="1">
+      <a:defRPr sz="1200" kern="1200">
+        <a:solidFill>
+          <a:schemeClr val="tx1"/>
+        </a:solidFill>
+        <a:latin typeface="+mn-lt"/>
+        <a:ea typeface="+mn-ea"/>
+        <a:cs typeface="+mn-cs"/>
+      </a:defRPr>
+    </a:lvl5pPr>
+    <a:lvl6pPr marL="2286000" algn="l" defTabSz="914400" rtl="0" eaLnBrk="1" latinLnBrk="0" hangingPunct="1">
+      <a:defRPr sz="1200" kern="1200">
+        <a:solidFill>
+          <a:schemeClr val="tx1"/>
+        </a:solidFill>
+        <a:latin typeface="+mn-lt"/>
+        <a:ea typeface="+mn-ea"/>
+        <a:cs typeface="+mn-cs"/>
+      </a:defRPr>
+    </a:lvl6pPr>
+    <a:lvl7pPr marL="2743200" algn="l" defTabSz="914400" rtl="0" eaLnBrk="1" latinLnBrk="0" hangingPunct="1">
+      <a:defRPr sz="1200" kern="1200">
+        <a:solidFill>
+          <a:schemeClr val="tx1"/>
+        </a:solidFill>
+        <a:latin typeface="+mn-lt"/>
+        <a:ea typeface="+mn-ea"/>
+        <a:cs typeface="+mn-cs"/>
+      </a:defRPr>
+    </a:lvl7pPr>
+    <a:lvl8pPr marL="3200400" algn="l" defTabSz="914400" rtl="0" eaLnBrk="1" latinLnBrk="0" hangingPunct="1">
+      <a:defRPr sz="1200" kern="1200">
+        <a:solidFill>
+          <a:schemeClr val="tx1"/>
+        </a:solidFill>
+        <a:latin typeface="+mn-lt"/>
+        <a:ea typeface="+mn-ea"/>
+        <a:cs typeface="+mn-cs"/>
+      </a:defRPr>
+    </a:lvl8pPr>
+    <a:lvl9pPr marL="3657600" algn="l" defTabSz="914400" rtl="0" eaLnBrk="1" latinLnBrk="0" hangingPunct="1">
+      <a:defRPr sz="1200" kern="1200">
+        <a:solidFill>
+          <a:schemeClr val="tx1"/>
+        </a:solidFill>
+        <a:latin typeface="+mn-lt"/>
+        <a:ea typeface="+mn-ea"/>
+        <a:cs typeface="+mn-cs"/>
+      </a:defRPr>
+    </a:lvl9pPr>
+  </p:notesStyle>
+</p:notesMaster>
+</file>
+
+<file path=ppt/slideLayouts/slideLayout1.xml><?xml version="1.0" encoding="utf-8"?>
+<p:sldLayout xmlns:a="http://schemas.openxmlformats.org/drawingml/2006/main" xmlns:r="http://schemas.openxmlformats.org/officeDocument/2006/relationships" xmlns:p="http://schemas.openxmlformats.org/presentationml/2006/main" preserve="1" userDrawn="1">
+  <p:cSld name="Title Slide">
+    <p:bg>
+      <p:bgPr>
+        <a:gradFill>
+          <a:gsLst>
+            <a:gs pos="100000">
+              <a:srgbClr val="002936"/>
+            </a:gs>
+            <a:gs pos="0">
+              <a:srgbClr val="315E70"/>
+            </a:gs>
+          </a:gsLst>
+          <a:lin ang="5400000" scaled="1"/>
+        </a:gradFill>
+        <a:effectLst/>
+      </p:bgPr>
+    </p:bg>
+    <p:spTree>
+      <p:nvGrpSpPr>
+        <p:cNvPr id="1" name=""/>
+        <p:cNvGrpSpPr/>
+        <p:nvPr/>
+      </p:nvGrpSpPr>
+      <p:grpSpPr>
+        <a:xfrm>
+          <a:off x="0" y="0"/>
+          <a:ext cx="0" cy="0"/>
+          <a:chOff x="0" y="0"/>
+          <a:chExt cx="0" cy="0"/>
+        </a:xfrm>
+      </p:grpSpPr>
+      <p:sp>
+        <p:nvSpPr>
+          <p:cNvPr id="3" name="Subtitle 2"/>
+          <p:cNvSpPr>
+            <a:spLocks noGrp="1"/>
+          </p:cNvSpPr>
+          <p:nvPr>
+            <p:ph type="subTitle" idx="1"/>
+          </p:nvPr>
+        </p:nvSpPr>
+        <p:spPr>
+          <a:xfrm>
+            <a:off x="802717" y="3602038"/>
+            <a:ext cx="7664207" cy="1655762"/>
           </a:xfrm>
         </p:spPr>
         <p:txBody>
-          <a:bodyPr anchor="b"/>
+          <a:bodyPr>
+            <a:normAutofit/>
+          </a:bodyPr>
           <a:lstStyle>
-            <a:lvl1pPr algn="ctr">
-              <a:defRPr sz="6000"/>
-            </a:lvl1pPr>
-          </a:lstStyle>
-          <a:p>
-            <a:r>
-              <a:rPr lang="en-US"/>
-              <a:t>Click to edit Master title style</a:t>
-            </a:r>
-            <a:endParaRPr lang="LID4096"/>
-          </a:p>
-        </p:txBody>
-      </p:sp>
-      <p:sp>
-        <p:nvSpPr>
-          <p:cNvPr id="3" name="Subtitle 2">
-            <a:extLst>
-              <a:ext uri="{FF2B5EF4-FFF2-40B4-BE49-F238E27FC236}">
-                <a16:creationId xmlns:a16="http://schemas.microsoft.com/office/drawing/2014/main" id="{CA049BBA-4D99-46B4-A650-2933E01FFFC9}"/>
-              </a:ext>
-            </a:extLst>
-          </p:cNvPr>
-          <p:cNvSpPr>
-            <a:spLocks noGrp="1"/>
-          </p:cNvSpPr>
-          <p:nvPr>
-            <p:ph type="subTitle" idx="1"/>
-          </p:nvPr>
-        </p:nvSpPr>
-        <p:spPr>
-          <a:xfrm>
-            <a:off x="1524000" y="3602038"/>
-            <a:ext cx="9144000" cy="1655762"/>
-          </a:xfrm>
-        </p:spPr>
-        <p:txBody>
-          <a:bodyPr/>
-          <a:lstStyle>
-            <a:lvl1pPr marL="0" indent="0" algn="ctr">
-              <a:buNone/>
-              <a:defRPr sz="2400"/>
+            <a:lvl1pPr marL="0" indent="0" algn="l">
+              <a:buNone/>
+              <a:defRPr sz="2000">
+                <a:solidFill>
+                  <a:schemeClr val="bg1"/>
+                </a:solidFill>
+              </a:defRPr>
             </a:lvl1pPr>
             <a:lvl2pPr marL="457200" indent="0" algn="ctr">
               <a:buNone/>
@@ -234,100 +570,120 @@
           </a:lstStyle>
           <a:p>
             <a:r>
-              <a:rPr lang="en-US"/>
+              <a:rPr lang="en-US" smtClean="0"/>
               <a:t>Click to edit Master subtitle style</a:t>
             </a:r>
-            <a:endParaRPr lang="LID4096"/>
-          </a:p>
-        </p:txBody>
-      </p:sp>
-      <p:sp>
-        <p:nvSpPr>
-          <p:cNvPr id="4" name="Date Placeholder 3">
+            <a:endParaRPr lang="en-US" dirty="0"/>
+          </a:p>
+        </p:txBody>
+      </p:sp>
+      <p:sp>
+        <p:nvSpPr>
+          <p:cNvPr id="7" name="Date Placeholder 6"/>
+          <p:cNvSpPr>
+            <a:spLocks noGrp="1"/>
+          </p:cNvSpPr>
+          <p:nvPr>
+            <p:ph type="dt" sz="half" idx="10"/>
+          </p:nvPr>
+        </p:nvSpPr>
+        <p:spPr>
+          <a:xfrm>
+            <a:off x="6409524" y="6279571"/>
+            <a:ext cx="2057400" cy="365125"/>
+          </a:xfrm>
+          <a:prstGeom prst="rect">
+            <a:avLst/>
+          </a:prstGeom>
+        </p:spPr>
+        <p:txBody>
+          <a:bodyPr/>
+          <a:lstStyle>
+            <a:lvl1pPr algn="r">
+              <a:defRPr sz="1200">
+                <a:solidFill>
+                  <a:schemeClr val="bg1"/>
+                </a:solidFill>
+              </a:defRPr>
+            </a:lvl1pPr>
+          </a:lstStyle>
+          <a:p>
+            <a:endParaRPr lang="en-US" dirty="0"/>
+          </a:p>
+        </p:txBody>
+      </p:sp>
+      <p:sp>
+        <p:nvSpPr>
+          <p:cNvPr id="10" name="Title 9"/>
+          <p:cNvSpPr>
+            <a:spLocks noGrp="1"/>
+          </p:cNvSpPr>
+          <p:nvPr>
+            <p:ph type="title"/>
+          </p:nvPr>
+        </p:nvSpPr>
+        <p:spPr>
+          <a:xfrm>
+            <a:off x="802716" y="1137764"/>
+            <a:ext cx="7664208" cy="1961423"/>
+          </a:xfrm>
+        </p:spPr>
+        <p:txBody>
+          <a:bodyPr anchor="t" anchorCtr="0">
+            <a:normAutofit/>
+          </a:bodyPr>
+          <a:lstStyle>
+            <a:lvl1pPr>
+              <a:defRPr sz="3600" b="1">
+                <a:solidFill>
+                  <a:schemeClr val="bg1"/>
+                </a:solidFill>
+              </a:defRPr>
+            </a:lvl1pPr>
+          </a:lstStyle>
+          <a:p>
+            <a:r>
+              <a:rPr lang="en-US" smtClean="0"/>
+              <a:t>Click to edit Master title style</a:t>
+            </a:r>
+            <a:endParaRPr lang="en-US" dirty="0"/>
+          </a:p>
+        </p:txBody>
+      </p:sp>
+      <p:pic>
+        <p:nvPicPr>
+          <p:cNvPr id="11" name="Picture 10"/>
+          <p:cNvPicPr>
+            <a:picLocks noChangeAspect="1"/>
+          </p:cNvPicPr>
+          <p:nvPr userDrawn="1"/>
+        </p:nvPicPr>
+        <p:blipFill>
+          <a:blip r:embed="rId2">
             <a:extLst>
-              <a:ext uri="{FF2B5EF4-FFF2-40B4-BE49-F238E27FC236}">
-                <a16:creationId xmlns:a16="http://schemas.microsoft.com/office/drawing/2014/main" id="{81794CF8-06F3-460E-AFB2-B0CF522B371E}"/>
+              <a:ext uri="{28A0092B-C50C-407E-A947-70E740481C1C}">
+                <a14:useLocalDpi xmlns:a14="http://schemas.microsoft.com/office/drawing/2010/main" val="0"/>
               </a:ext>
             </a:extLst>
-          </p:cNvPr>
-          <p:cNvSpPr>
-            <a:spLocks noGrp="1"/>
-          </p:cNvSpPr>
-          <p:nvPr>
-            <p:ph type="dt" sz="half" idx="10"/>
-          </p:nvPr>
-        </p:nvSpPr>
-        <p:spPr/>
-        <p:txBody>
-          <a:bodyPr/>
-          <a:lstStyle/>
-          <a:p>
-            <a:fld id="{924820B4-05FC-4AC0-A29B-D4DEC54FF1ED}" type="datetimeFigureOut">
-              <a:rPr lang="LID4096" smtClean="0"/>
-              <a:t>02/21/2018</a:t>
-            </a:fld>
-            <a:endParaRPr lang="LID4096"/>
-          </a:p>
-        </p:txBody>
-      </p:sp>
-      <p:sp>
-        <p:nvSpPr>
-          <p:cNvPr id="5" name="Footer Placeholder 4">
-            <a:extLst>
-              <a:ext uri="{FF2B5EF4-FFF2-40B4-BE49-F238E27FC236}">
-                <a16:creationId xmlns:a16="http://schemas.microsoft.com/office/drawing/2014/main" id="{9DF21388-958B-41EE-892A-5B5B2F52E30B}"/>
-              </a:ext>
-            </a:extLst>
-          </p:cNvPr>
-          <p:cNvSpPr>
-            <a:spLocks noGrp="1"/>
-          </p:cNvSpPr>
-          <p:nvPr>
-            <p:ph type="ftr" sz="quarter" idx="11"/>
-          </p:nvPr>
-        </p:nvSpPr>
-        <p:spPr/>
-        <p:txBody>
-          <a:bodyPr/>
-          <a:lstStyle/>
-          <a:p>
-            <a:endParaRPr lang="LID4096"/>
-          </a:p>
-        </p:txBody>
-      </p:sp>
-      <p:sp>
-        <p:nvSpPr>
-          <p:cNvPr id="6" name="Slide Number Placeholder 5">
-            <a:extLst>
-              <a:ext uri="{FF2B5EF4-FFF2-40B4-BE49-F238E27FC236}">
-                <a16:creationId xmlns:a16="http://schemas.microsoft.com/office/drawing/2014/main" id="{8667DABF-3ACD-4267-BCF1-22C19103D6B5}"/>
-              </a:ext>
-            </a:extLst>
-          </p:cNvPr>
-          <p:cNvSpPr>
-            <a:spLocks noGrp="1"/>
-          </p:cNvSpPr>
-          <p:nvPr>
-            <p:ph type="sldNum" sz="quarter" idx="12"/>
-          </p:nvPr>
-        </p:nvSpPr>
-        <p:spPr/>
-        <p:txBody>
-          <a:bodyPr/>
-          <a:lstStyle/>
-          <a:p>
-            <a:fld id="{6A2EC358-29CC-4CD5-8D01-DEA7E6B69FAF}" type="slidenum">
-              <a:rPr lang="LID4096" smtClean="0"/>
-              <a:t>‹#›</a:t>
-            </a:fld>
-            <a:endParaRPr lang="LID4096"/>
-          </a:p>
-        </p:txBody>
-      </p:sp>
+          </a:blip>
+          <a:stretch>
+            <a:fillRect/>
+          </a:stretch>
+        </p:blipFill>
+        <p:spPr>
+          <a:xfrm>
+            <a:off x="802716" y="6244646"/>
+            <a:ext cx="752475" cy="400050"/>
+          </a:xfrm>
+          <a:prstGeom prst="rect">
+            <a:avLst/>
+          </a:prstGeom>
+        </p:spPr>
+      </p:pic>
     </p:spTree>
     <p:extLst>
       <p:ext uri="{BB962C8B-B14F-4D97-AF65-F5344CB8AC3E}">
-        <p14:creationId xmlns:p14="http://schemas.microsoft.com/office/powerpoint/2010/main" val="3041027764"/>
+        <p14:creationId xmlns:p14="http://schemas.microsoft.com/office/powerpoint/2010/main" val="4253143540"/>
       </p:ext>
     </p:extLst>
   </p:cSld>
@@ -356,178 +712,136 @@
       </p:grpSpPr>
       <p:sp>
         <p:nvSpPr>
-          <p:cNvPr id="2" name="Title 1">
+          <p:cNvPr id="2" name="Title 1"/>
+          <p:cNvSpPr>
+            <a:spLocks noGrp="1"/>
+          </p:cNvSpPr>
+          <p:nvPr>
+            <p:ph type="title"/>
+          </p:nvPr>
+        </p:nvSpPr>
+        <p:spPr/>
+        <p:txBody>
+          <a:bodyPr/>
+          <a:lstStyle/>
+          <a:p>
+            <a:r>
+              <a:rPr lang="en-US" smtClean="0"/>
+              <a:t>Click to edit Master title style</a:t>
+            </a:r>
+            <a:endParaRPr lang="en-US" dirty="0"/>
+          </a:p>
+        </p:txBody>
+      </p:sp>
+      <p:sp>
+        <p:nvSpPr>
+          <p:cNvPr id="3" name="Vertical Text Placeholder 2"/>
+          <p:cNvSpPr>
+            <a:spLocks noGrp="1"/>
+          </p:cNvSpPr>
+          <p:nvPr>
+            <p:ph type="body" orient="vert" idx="1"/>
+          </p:nvPr>
+        </p:nvSpPr>
+        <p:spPr/>
+        <p:txBody>
+          <a:bodyPr vert="eaVert"/>
+          <a:lstStyle/>
+          <a:p>
+            <a:pPr lvl="0"/>
+            <a:r>
+              <a:rPr lang="en-US" smtClean="0"/>
+              <a:t>Edit Master text styles</a:t>
+            </a:r>
+          </a:p>
+          <a:p>
+            <a:pPr lvl="1"/>
+            <a:r>
+              <a:rPr lang="en-US" smtClean="0"/>
+              <a:t>Second level</a:t>
+            </a:r>
+          </a:p>
+          <a:p>
+            <a:pPr lvl="2"/>
+            <a:r>
+              <a:rPr lang="en-US" smtClean="0"/>
+              <a:t>Third level</a:t>
+            </a:r>
+          </a:p>
+          <a:p>
+            <a:pPr lvl="3"/>
+            <a:r>
+              <a:rPr lang="en-US" smtClean="0"/>
+              <a:t>Fourth level</a:t>
+            </a:r>
+          </a:p>
+          <a:p>
+            <a:pPr lvl="4"/>
+            <a:r>
+              <a:rPr lang="en-US" smtClean="0"/>
+              <a:t>Fifth level</a:t>
+            </a:r>
+            <a:endParaRPr lang="en-US" dirty="0"/>
+          </a:p>
+        </p:txBody>
+      </p:sp>
+      <p:sp>
+        <p:nvSpPr>
+          <p:cNvPr id="6" name="Slide Number Placeholder 5"/>
+          <p:cNvSpPr>
+            <a:spLocks noGrp="1"/>
+          </p:cNvSpPr>
+          <p:nvPr>
+            <p:ph type="sldNum" sz="quarter" idx="12"/>
+          </p:nvPr>
+        </p:nvSpPr>
+        <p:spPr/>
+        <p:txBody>
+          <a:bodyPr/>
+          <a:lstStyle/>
+          <a:p>
+            <a:fld id="{D57F1E4F-1CFF-5643-939E-02111984F565}" type="slidenum">
+              <a:rPr lang="en-US" smtClean="0"/>
+              <a:t>‹#›</a:t>
+            </a:fld>
+            <a:endParaRPr lang="en-US" dirty="0"/>
+          </a:p>
+        </p:txBody>
+      </p:sp>
+      <p:pic>
+        <p:nvPicPr>
+          <p:cNvPr id="7" name="Picture 6"/>
+          <p:cNvPicPr>
+            <a:picLocks noChangeAspect="1"/>
+          </p:cNvPicPr>
+          <p:nvPr userDrawn="1"/>
+        </p:nvPicPr>
+        <p:blipFill>
+          <a:blip r:embed="rId2">
             <a:extLst>
-              <a:ext uri="{FF2B5EF4-FFF2-40B4-BE49-F238E27FC236}">
-                <a16:creationId xmlns:a16="http://schemas.microsoft.com/office/drawing/2014/main" id="{069942C0-CE4E-4676-8FF9-00C60506A81E}"/>
+              <a:ext uri="{28A0092B-C50C-407E-A947-70E740481C1C}">
+                <a14:useLocalDpi xmlns:a14="http://schemas.microsoft.com/office/drawing/2010/main" val="0"/>
               </a:ext>
             </a:extLst>
-          </p:cNvPr>
-          <p:cNvSpPr>
-            <a:spLocks noGrp="1"/>
-          </p:cNvSpPr>
-          <p:nvPr>
-            <p:ph type="title"/>
-          </p:nvPr>
-        </p:nvSpPr>
-        <p:spPr/>
-        <p:txBody>
-          <a:bodyPr/>
-          <a:lstStyle/>
-          <a:p>
-            <a:r>
-              <a:rPr lang="en-US"/>
-              <a:t>Click to edit Master title style</a:t>
-            </a:r>
-            <a:endParaRPr lang="LID4096"/>
-          </a:p>
-        </p:txBody>
-      </p:sp>
-      <p:sp>
-        <p:nvSpPr>
-          <p:cNvPr id="3" name="Vertical Text Placeholder 2">
-            <a:extLst>
-              <a:ext uri="{FF2B5EF4-FFF2-40B4-BE49-F238E27FC236}">
-                <a16:creationId xmlns:a16="http://schemas.microsoft.com/office/drawing/2014/main" id="{FD19C7BE-DF0D-4A2D-8870-AD8EBEB89A9F}"/>
-              </a:ext>
-            </a:extLst>
-          </p:cNvPr>
-          <p:cNvSpPr>
-            <a:spLocks noGrp="1"/>
-          </p:cNvSpPr>
-          <p:nvPr>
-            <p:ph type="body" orient="vert" idx="1"/>
-          </p:nvPr>
-        </p:nvSpPr>
-        <p:spPr/>
-        <p:txBody>
-          <a:bodyPr vert="eaVert"/>
-          <a:lstStyle/>
-          <a:p>
-            <a:pPr lvl="0"/>
-            <a:r>
-              <a:rPr lang="en-US"/>
-              <a:t>Edit Master text styles</a:t>
-            </a:r>
-          </a:p>
-          <a:p>
-            <a:pPr lvl="1"/>
-            <a:r>
-              <a:rPr lang="en-US"/>
-              <a:t>Second level</a:t>
-            </a:r>
-          </a:p>
-          <a:p>
-            <a:pPr lvl="2"/>
-            <a:r>
-              <a:rPr lang="en-US"/>
-              <a:t>Third level</a:t>
-            </a:r>
-          </a:p>
-          <a:p>
-            <a:pPr lvl="3"/>
-            <a:r>
-              <a:rPr lang="en-US"/>
-              <a:t>Fourth level</a:t>
-            </a:r>
-          </a:p>
-          <a:p>
-            <a:pPr lvl="4"/>
-            <a:r>
-              <a:rPr lang="en-US"/>
-              <a:t>Fifth level</a:t>
-            </a:r>
-            <a:endParaRPr lang="LID4096"/>
-          </a:p>
-        </p:txBody>
-      </p:sp>
-      <p:sp>
-        <p:nvSpPr>
-          <p:cNvPr id="4" name="Date Placeholder 3">
-            <a:extLst>
-              <a:ext uri="{FF2B5EF4-FFF2-40B4-BE49-F238E27FC236}">
-                <a16:creationId xmlns:a16="http://schemas.microsoft.com/office/drawing/2014/main" id="{27CC502C-F573-4AD4-8202-A2ABD3DC6D93}"/>
-              </a:ext>
-            </a:extLst>
-          </p:cNvPr>
-          <p:cNvSpPr>
-            <a:spLocks noGrp="1"/>
-          </p:cNvSpPr>
-          <p:nvPr>
-            <p:ph type="dt" sz="half" idx="10"/>
-          </p:nvPr>
-        </p:nvSpPr>
-        <p:spPr/>
-        <p:txBody>
-          <a:bodyPr/>
-          <a:lstStyle/>
-          <a:p>
-            <a:fld id="{924820B4-05FC-4AC0-A29B-D4DEC54FF1ED}" type="datetimeFigureOut">
-              <a:rPr lang="LID4096" smtClean="0"/>
-              <a:t>02/21/2018</a:t>
-            </a:fld>
-            <a:endParaRPr lang="LID4096"/>
-          </a:p>
-        </p:txBody>
-      </p:sp>
-      <p:sp>
-        <p:nvSpPr>
-          <p:cNvPr id="5" name="Footer Placeholder 4">
-            <a:extLst>
-              <a:ext uri="{FF2B5EF4-FFF2-40B4-BE49-F238E27FC236}">
-                <a16:creationId xmlns:a16="http://schemas.microsoft.com/office/drawing/2014/main" id="{112CB958-3ECE-4EF3-B79E-28A2AAD5912B}"/>
-              </a:ext>
-            </a:extLst>
-          </p:cNvPr>
-          <p:cNvSpPr>
-            <a:spLocks noGrp="1"/>
-          </p:cNvSpPr>
-          <p:nvPr>
-            <p:ph type="ftr" sz="quarter" idx="11"/>
-          </p:nvPr>
-        </p:nvSpPr>
-        <p:spPr/>
-        <p:txBody>
-          <a:bodyPr/>
-          <a:lstStyle/>
-          <a:p>
-            <a:endParaRPr lang="LID4096"/>
-          </a:p>
-        </p:txBody>
-      </p:sp>
-      <p:sp>
-        <p:nvSpPr>
-          <p:cNvPr id="6" name="Slide Number Placeholder 5">
-            <a:extLst>
-              <a:ext uri="{FF2B5EF4-FFF2-40B4-BE49-F238E27FC236}">
-                <a16:creationId xmlns:a16="http://schemas.microsoft.com/office/drawing/2014/main" id="{954655F7-C6BC-4445-905A-55FBF9FDDF3F}"/>
-              </a:ext>
-            </a:extLst>
-          </p:cNvPr>
-          <p:cNvSpPr>
-            <a:spLocks noGrp="1"/>
-          </p:cNvSpPr>
-          <p:nvPr>
-            <p:ph type="sldNum" sz="quarter" idx="12"/>
-          </p:nvPr>
-        </p:nvSpPr>
-        <p:spPr/>
-        <p:txBody>
-          <a:bodyPr/>
-          <a:lstStyle/>
-          <a:p>
-            <a:fld id="{6A2EC358-29CC-4CD5-8D01-DEA7E6B69FAF}" type="slidenum">
-              <a:rPr lang="LID4096" smtClean="0"/>
-              <a:t>‹#›</a:t>
-            </a:fld>
-            <a:endParaRPr lang="LID4096"/>
-          </a:p>
-        </p:txBody>
-      </p:sp>
+          </a:blip>
+          <a:stretch>
+            <a:fillRect/>
+          </a:stretch>
+        </p:blipFill>
+        <p:spPr>
+          <a:xfrm>
+            <a:off x="7701294" y="6223093"/>
+            <a:ext cx="871656" cy="487640"/>
+          </a:xfrm>
+          <a:prstGeom prst="rect">
+            <a:avLst/>
+          </a:prstGeom>
+        </p:spPr>
+      </p:pic>
     </p:spTree>
     <p:extLst>
       <p:ext uri="{BB962C8B-B14F-4D97-AF65-F5344CB8AC3E}">
-        <p14:creationId xmlns:p14="http://schemas.microsoft.com/office/powerpoint/2010/main" val="2371323117"/>
+        <p14:creationId xmlns:p14="http://schemas.microsoft.com/office/powerpoint/2010/main" val="2339333537"/>
       </p:ext>
     </p:extLst>
   </p:cSld>
@@ -556,188 +870,146 @@
       </p:grpSpPr>
       <p:sp>
         <p:nvSpPr>
-          <p:cNvPr id="2" name="Vertical Title 1">
+          <p:cNvPr id="2" name="Vertical Title 1"/>
+          <p:cNvSpPr>
+            <a:spLocks noGrp="1"/>
+          </p:cNvSpPr>
+          <p:nvPr>
+            <p:ph type="title" orient="vert"/>
+          </p:nvPr>
+        </p:nvSpPr>
+        <p:spPr>
+          <a:xfrm>
+            <a:off x="6543675" y="365125"/>
+            <a:ext cx="1971675" cy="5811838"/>
+          </a:xfrm>
+        </p:spPr>
+        <p:txBody>
+          <a:bodyPr vert="eaVert"/>
+          <a:lstStyle/>
+          <a:p>
+            <a:r>
+              <a:rPr lang="en-US" smtClean="0"/>
+              <a:t>Click to edit Master title style</a:t>
+            </a:r>
+            <a:endParaRPr lang="en-US" dirty="0"/>
+          </a:p>
+        </p:txBody>
+      </p:sp>
+      <p:sp>
+        <p:nvSpPr>
+          <p:cNvPr id="3" name="Vertical Text Placeholder 2"/>
+          <p:cNvSpPr>
+            <a:spLocks noGrp="1"/>
+          </p:cNvSpPr>
+          <p:nvPr>
+            <p:ph type="body" orient="vert" idx="1"/>
+          </p:nvPr>
+        </p:nvSpPr>
+        <p:spPr>
+          <a:xfrm>
+            <a:off x="628650" y="365125"/>
+            <a:ext cx="5800725" cy="5811838"/>
+          </a:xfrm>
+        </p:spPr>
+        <p:txBody>
+          <a:bodyPr vert="eaVert"/>
+          <a:lstStyle/>
+          <a:p>
+            <a:pPr lvl="0"/>
+            <a:r>
+              <a:rPr lang="en-US" smtClean="0"/>
+              <a:t>Edit Master text styles</a:t>
+            </a:r>
+          </a:p>
+          <a:p>
+            <a:pPr lvl="1"/>
+            <a:r>
+              <a:rPr lang="en-US" smtClean="0"/>
+              <a:t>Second level</a:t>
+            </a:r>
+          </a:p>
+          <a:p>
+            <a:pPr lvl="2"/>
+            <a:r>
+              <a:rPr lang="en-US" smtClean="0"/>
+              <a:t>Third level</a:t>
+            </a:r>
+          </a:p>
+          <a:p>
+            <a:pPr lvl="3"/>
+            <a:r>
+              <a:rPr lang="en-US" smtClean="0"/>
+              <a:t>Fourth level</a:t>
+            </a:r>
+          </a:p>
+          <a:p>
+            <a:pPr lvl="4"/>
+            <a:r>
+              <a:rPr lang="en-US" smtClean="0"/>
+              <a:t>Fifth level</a:t>
+            </a:r>
+            <a:endParaRPr lang="en-US" dirty="0"/>
+          </a:p>
+        </p:txBody>
+      </p:sp>
+      <p:sp>
+        <p:nvSpPr>
+          <p:cNvPr id="6" name="Slide Number Placeholder 5"/>
+          <p:cNvSpPr>
+            <a:spLocks noGrp="1"/>
+          </p:cNvSpPr>
+          <p:nvPr>
+            <p:ph type="sldNum" sz="quarter" idx="12"/>
+          </p:nvPr>
+        </p:nvSpPr>
+        <p:spPr/>
+        <p:txBody>
+          <a:bodyPr/>
+          <a:lstStyle/>
+          <a:p>
+            <a:fld id="{D57F1E4F-1CFF-5643-939E-02111984F565}" type="slidenum">
+              <a:rPr lang="en-US" smtClean="0"/>
+              <a:t>‹#›</a:t>
+            </a:fld>
+            <a:endParaRPr lang="en-US" dirty="0"/>
+          </a:p>
+        </p:txBody>
+      </p:sp>
+      <p:pic>
+        <p:nvPicPr>
+          <p:cNvPr id="7" name="Picture 6"/>
+          <p:cNvPicPr>
+            <a:picLocks noChangeAspect="1"/>
+          </p:cNvPicPr>
+          <p:nvPr userDrawn="1"/>
+        </p:nvPicPr>
+        <p:blipFill>
+          <a:blip r:embed="rId2">
             <a:extLst>
-              <a:ext uri="{FF2B5EF4-FFF2-40B4-BE49-F238E27FC236}">
-                <a16:creationId xmlns:a16="http://schemas.microsoft.com/office/drawing/2014/main" id="{68E545E0-9A9E-4074-8628-380A43F4E637}"/>
+              <a:ext uri="{28A0092B-C50C-407E-A947-70E740481C1C}">
+                <a14:useLocalDpi xmlns:a14="http://schemas.microsoft.com/office/drawing/2010/main" val="0"/>
               </a:ext>
             </a:extLst>
-          </p:cNvPr>
-          <p:cNvSpPr>
-            <a:spLocks noGrp="1"/>
-          </p:cNvSpPr>
-          <p:nvPr>
-            <p:ph type="title" orient="vert"/>
-          </p:nvPr>
-        </p:nvSpPr>
+          </a:blip>
+          <a:stretch>
+            <a:fillRect/>
+          </a:stretch>
+        </p:blipFill>
         <p:spPr>
           <a:xfrm>
-            <a:off x="8724900" y="365125"/>
-            <a:ext cx="2628900" cy="5811838"/>
+            <a:off x="7701294" y="6223093"/>
+            <a:ext cx="871656" cy="487640"/>
           </a:xfrm>
+          <a:prstGeom prst="rect">
+            <a:avLst/>
+          </a:prstGeom>
         </p:spPr>
-        <p:txBody>
-          <a:bodyPr vert="eaVert"/>
-          <a:lstStyle/>
-          <a:p>
-            <a:r>
-              <a:rPr lang="en-US"/>
-              <a:t>Click to edit Master title style</a:t>
-            </a:r>
-            <a:endParaRPr lang="LID4096"/>
-          </a:p>
-        </p:txBody>
-      </p:sp>
-      <p:sp>
-        <p:nvSpPr>
-          <p:cNvPr id="3" name="Vertical Text Placeholder 2">
-            <a:extLst>
-              <a:ext uri="{FF2B5EF4-FFF2-40B4-BE49-F238E27FC236}">
-                <a16:creationId xmlns:a16="http://schemas.microsoft.com/office/drawing/2014/main" id="{06532E99-B424-4A34-832E-283CF7A7ED41}"/>
-              </a:ext>
-            </a:extLst>
-          </p:cNvPr>
-          <p:cNvSpPr>
-            <a:spLocks noGrp="1"/>
-          </p:cNvSpPr>
-          <p:nvPr>
-            <p:ph type="body" orient="vert" idx="1"/>
-          </p:nvPr>
-        </p:nvSpPr>
-        <p:spPr>
-          <a:xfrm>
-            <a:off x="838200" y="365125"/>
-            <a:ext cx="7734300" cy="5811838"/>
-          </a:xfrm>
-        </p:spPr>
-        <p:txBody>
-          <a:bodyPr vert="eaVert"/>
-          <a:lstStyle/>
-          <a:p>
-            <a:pPr lvl="0"/>
-            <a:r>
-              <a:rPr lang="en-US"/>
-              <a:t>Edit Master text styles</a:t>
-            </a:r>
-          </a:p>
-          <a:p>
-            <a:pPr lvl="1"/>
-            <a:r>
-              <a:rPr lang="en-US"/>
-              <a:t>Second level</a:t>
-            </a:r>
-          </a:p>
-          <a:p>
-            <a:pPr lvl="2"/>
-            <a:r>
-              <a:rPr lang="en-US"/>
-              <a:t>Third level</a:t>
-            </a:r>
-          </a:p>
-          <a:p>
-            <a:pPr lvl="3"/>
-            <a:r>
-              <a:rPr lang="en-US"/>
-              <a:t>Fourth level</a:t>
-            </a:r>
-          </a:p>
-          <a:p>
-            <a:pPr lvl="4"/>
-            <a:r>
-              <a:rPr lang="en-US"/>
-              <a:t>Fifth level</a:t>
-            </a:r>
-            <a:endParaRPr lang="LID4096"/>
-          </a:p>
-        </p:txBody>
-      </p:sp>
-      <p:sp>
-        <p:nvSpPr>
-          <p:cNvPr id="4" name="Date Placeholder 3">
-            <a:extLst>
-              <a:ext uri="{FF2B5EF4-FFF2-40B4-BE49-F238E27FC236}">
-                <a16:creationId xmlns:a16="http://schemas.microsoft.com/office/drawing/2014/main" id="{B6B75344-2CF8-4C89-B8FE-7C0804840374}"/>
-              </a:ext>
-            </a:extLst>
-          </p:cNvPr>
-          <p:cNvSpPr>
-            <a:spLocks noGrp="1"/>
-          </p:cNvSpPr>
-          <p:nvPr>
-            <p:ph type="dt" sz="half" idx="10"/>
-          </p:nvPr>
-        </p:nvSpPr>
-        <p:spPr/>
-        <p:txBody>
-          <a:bodyPr/>
-          <a:lstStyle/>
-          <a:p>
-            <a:fld id="{924820B4-05FC-4AC0-A29B-D4DEC54FF1ED}" type="datetimeFigureOut">
-              <a:rPr lang="LID4096" smtClean="0"/>
-              <a:t>02/21/2018</a:t>
-            </a:fld>
-            <a:endParaRPr lang="LID4096"/>
-          </a:p>
-        </p:txBody>
-      </p:sp>
-      <p:sp>
-        <p:nvSpPr>
-          <p:cNvPr id="5" name="Footer Placeholder 4">
-            <a:extLst>
-              <a:ext uri="{FF2B5EF4-FFF2-40B4-BE49-F238E27FC236}">
-                <a16:creationId xmlns:a16="http://schemas.microsoft.com/office/drawing/2014/main" id="{6F8C5412-0960-4956-93DF-A2D4CF1373C8}"/>
-              </a:ext>
-            </a:extLst>
-          </p:cNvPr>
-          <p:cNvSpPr>
-            <a:spLocks noGrp="1"/>
-          </p:cNvSpPr>
-          <p:nvPr>
-            <p:ph type="ftr" sz="quarter" idx="11"/>
-          </p:nvPr>
-        </p:nvSpPr>
-        <p:spPr/>
-        <p:txBody>
-          <a:bodyPr/>
-          <a:lstStyle/>
-          <a:p>
-            <a:endParaRPr lang="LID4096"/>
-          </a:p>
-        </p:txBody>
-      </p:sp>
-      <p:sp>
-        <p:nvSpPr>
-          <p:cNvPr id="6" name="Slide Number Placeholder 5">
-            <a:extLst>
-              <a:ext uri="{FF2B5EF4-FFF2-40B4-BE49-F238E27FC236}">
-                <a16:creationId xmlns:a16="http://schemas.microsoft.com/office/drawing/2014/main" id="{B1843970-B65A-46EF-8BB9-4173CDAEDD45}"/>
-              </a:ext>
-            </a:extLst>
-          </p:cNvPr>
-          <p:cNvSpPr>
-            <a:spLocks noGrp="1"/>
-          </p:cNvSpPr>
-          <p:nvPr>
-            <p:ph type="sldNum" sz="quarter" idx="12"/>
-          </p:nvPr>
-        </p:nvSpPr>
-        <p:spPr/>
-        <p:txBody>
-          <a:bodyPr/>
-          <a:lstStyle/>
-          <a:p>
-            <a:fld id="{6A2EC358-29CC-4CD5-8D01-DEA7E6B69FAF}" type="slidenum">
-              <a:rPr lang="LID4096" smtClean="0"/>
-              <a:t>‹#›</a:t>
-            </a:fld>
-            <a:endParaRPr lang="LID4096"/>
-          </a:p>
-        </p:txBody>
-      </p:sp>
+      </p:pic>
     </p:spTree>
     <p:extLst>
       <p:ext uri="{BB962C8B-B14F-4D97-AF65-F5344CB8AC3E}">
-        <p14:creationId xmlns:p14="http://schemas.microsoft.com/office/powerpoint/2010/main" val="3728577151"/>
+        <p14:creationId xmlns:p14="http://schemas.microsoft.com/office/powerpoint/2010/main" val="3082218991"/>
       </p:ext>
     </p:extLst>
   </p:cSld>
@@ -766,178 +1038,136 @@
       </p:grpSpPr>
       <p:sp>
         <p:nvSpPr>
-          <p:cNvPr id="2" name="Title 1">
+          <p:cNvPr id="2" name="Title 1"/>
+          <p:cNvSpPr>
+            <a:spLocks noGrp="1"/>
+          </p:cNvSpPr>
+          <p:nvPr>
+            <p:ph type="title"/>
+          </p:nvPr>
+        </p:nvSpPr>
+        <p:spPr/>
+        <p:txBody>
+          <a:bodyPr/>
+          <a:lstStyle/>
+          <a:p>
+            <a:r>
+              <a:rPr lang="en-US" smtClean="0"/>
+              <a:t>Click to edit Master title style</a:t>
+            </a:r>
+            <a:endParaRPr lang="en-US" dirty="0"/>
+          </a:p>
+        </p:txBody>
+      </p:sp>
+      <p:sp>
+        <p:nvSpPr>
+          <p:cNvPr id="3" name="Content Placeholder 2"/>
+          <p:cNvSpPr>
+            <a:spLocks noGrp="1"/>
+          </p:cNvSpPr>
+          <p:nvPr>
+            <p:ph idx="1"/>
+          </p:nvPr>
+        </p:nvSpPr>
+        <p:spPr/>
+        <p:txBody>
+          <a:bodyPr/>
+          <a:lstStyle/>
+          <a:p>
+            <a:pPr lvl="0"/>
+            <a:r>
+              <a:rPr lang="en-US" smtClean="0"/>
+              <a:t>Edit Master text styles</a:t>
+            </a:r>
+          </a:p>
+          <a:p>
+            <a:pPr lvl="1"/>
+            <a:r>
+              <a:rPr lang="en-US" smtClean="0"/>
+              <a:t>Second level</a:t>
+            </a:r>
+          </a:p>
+          <a:p>
+            <a:pPr lvl="2"/>
+            <a:r>
+              <a:rPr lang="en-US" smtClean="0"/>
+              <a:t>Third level</a:t>
+            </a:r>
+          </a:p>
+          <a:p>
+            <a:pPr lvl="3"/>
+            <a:r>
+              <a:rPr lang="en-US" smtClean="0"/>
+              <a:t>Fourth level</a:t>
+            </a:r>
+          </a:p>
+          <a:p>
+            <a:pPr lvl="4"/>
+            <a:r>
+              <a:rPr lang="en-US" smtClean="0"/>
+              <a:t>Fifth level</a:t>
+            </a:r>
+            <a:endParaRPr lang="en-US" dirty="0"/>
+          </a:p>
+        </p:txBody>
+      </p:sp>
+      <p:sp>
+        <p:nvSpPr>
+          <p:cNvPr id="6" name="Slide Number Placeholder 5"/>
+          <p:cNvSpPr>
+            <a:spLocks noGrp="1"/>
+          </p:cNvSpPr>
+          <p:nvPr>
+            <p:ph type="sldNum" sz="quarter" idx="12"/>
+          </p:nvPr>
+        </p:nvSpPr>
+        <p:spPr/>
+        <p:txBody>
+          <a:bodyPr/>
+          <a:lstStyle/>
+          <a:p>
+            <a:fld id="{D57F1E4F-1CFF-5643-939E-02111984F565}" type="slidenum">
+              <a:rPr lang="en-US" smtClean="0"/>
+              <a:t>‹#›</a:t>
+            </a:fld>
+            <a:endParaRPr lang="en-US" dirty="0"/>
+          </a:p>
+        </p:txBody>
+      </p:sp>
+      <p:pic>
+        <p:nvPicPr>
+          <p:cNvPr id="7" name="Picture 6"/>
+          <p:cNvPicPr>
+            <a:picLocks noChangeAspect="1"/>
+          </p:cNvPicPr>
+          <p:nvPr userDrawn="1"/>
+        </p:nvPicPr>
+        <p:blipFill>
+          <a:blip r:embed="rId2">
             <a:extLst>
-              <a:ext uri="{FF2B5EF4-FFF2-40B4-BE49-F238E27FC236}">
-                <a16:creationId xmlns:a16="http://schemas.microsoft.com/office/drawing/2014/main" id="{C1B9E8E0-1EC0-4DC1-98DC-7078F99F6F78}"/>
+              <a:ext uri="{28A0092B-C50C-407E-A947-70E740481C1C}">
+                <a14:useLocalDpi xmlns:a14="http://schemas.microsoft.com/office/drawing/2010/main" val="0"/>
               </a:ext>
             </a:extLst>
-          </p:cNvPr>
-          <p:cNvSpPr>
-            <a:spLocks noGrp="1"/>
-          </p:cNvSpPr>
-          <p:nvPr>
-            <p:ph type="title"/>
-          </p:nvPr>
-        </p:nvSpPr>
-        <p:spPr/>
-        <p:txBody>
-          <a:bodyPr/>
-          <a:lstStyle/>
-          <a:p>
-            <a:r>
-              <a:rPr lang="en-US"/>
-              <a:t>Click to edit Master title style</a:t>
-            </a:r>
-            <a:endParaRPr lang="LID4096"/>
-          </a:p>
-        </p:txBody>
-      </p:sp>
-      <p:sp>
-        <p:nvSpPr>
-          <p:cNvPr id="3" name="Content Placeholder 2">
-            <a:extLst>
-              <a:ext uri="{FF2B5EF4-FFF2-40B4-BE49-F238E27FC236}">
-                <a16:creationId xmlns:a16="http://schemas.microsoft.com/office/drawing/2014/main" id="{6461D3D6-664F-4DD4-A9E2-A17A4EB5E822}"/>
-              </a:ext>
-            </a:extLst>
-          </p:cNvPr>
-          <p:cNvSpPr>
-            <a:spLocks noGrp="1"/>
-          </p:cNvSpPr>
-          <p:nvPr>
-            <p:ph idx="1"/>
-          </p:nvPr>
-        </p:nvSpPr>
-        <p:spPr/>
-        <p:txBody>
-          <a:bodyPr/>
-          <a:lstStyle/>
-          <a:p>
-            <a:pPr lvl="0"/>
-            <a:r>
-              <a:rPr lang="en-US"/>
-              <a:t>Edit Master text styles</a:t>
-            </a:r>
-          </a:p>
-          <a:p>
-            <a:pPr lvl="1"/>
-            <a:r>
-              <a:rPr lang="en-US"/>
-              <a:t>Second level</a:t>
-            </a:r>
-          </a:p>
-          <a:p>
-            <a:pPr lvl="2"/>
-            <a:r>
-              <a:rPr lang="en-US"/>
-              <a:t>Third level</a:t>
-            </a:r>
-          </a:p>
-          <a:p>
-            <a:pPr lvl="3"/>
-            <a:r>
-              <a:rPr lang="en-US"/>
-              <a:t>Fourth level</a:t>
-            </a:r>
-          </a:p>
-          <a:p>
-            <a:pPr lvl="4"/>
-            <a:r>
-              <a:rPr lang="en-US"/>
-              <a:t>Fifth level</a:t>
-            </a:r>
-            <a:endParaRPr lang="LID4096"/>
-          </a:p>
-        </p:txBody>
-      </p:sp>
-      <p:sp>
-        <p:nvSpPr>
-          <p:cNvPr id="4" name="Date Placeholder 3">
-            <a:extLst>
-              <a:ext uri="{FF2B5EF4-FFF2-40B4-BE49-F238E27FC236}">
-                <a16:creationId xmlns:a16="http://schemas.microsoft.com/office/drawing/2014/main" id="{C2E53201-E93C-46E5-8C65-4301E3FF1FFC}"/>
-              </a:ext>
-            </a:extLst>
-          </p:cNvPr>
-          <p:cNvSpPr>
-            <a:spLocks noGrp="1"/>
-          </p:cNvSpPr>
-          <p:nvPr>
-            <p:ph type="dt" sz="half" idx="10"/>
-          </p:nvPr>
-        </p:nvSpPr>
-        <p:spPr/>
-        <p:txBody>
-          <a:bodyPr/>
-          <a:lstStyle/>
-          <a:p>
-            <a:fld id="{924820B4-05FC-4AC0-A29B-D4DEC54FF1ED}" type="datetimeFigureOut">
-              <a:rPr lang="LID4096" smtClean="0"/>
-              <a:t>02/21/2018</a:t>
-            </a:fld>
-            <a:endParaRPr lang="LID4096"/>
-          </a:p>
-        </p:txBody>
-      </p:sp>
-      <p:sp>
-        <p:nvSpPr>
-          <p:cNvPr id="5" name="Footer Placeholder 4">
-            <a:extLst>
-              <a:ext uri="{FF2B5EF4-FFF2-40B4-BE49-F238E27FC236}">
-                <a16:creationId xmlns:a16="http://schemas.microsoft.com/office/drawing/2014/main" id="{FFDB585D-A424-4380-A031-DFDD9D4A3F69}"/>
-              </a:ext>
-            </a:extLst>
-          </p:cNvPr>
-          <p:cNvSpPr>
-            <a:spLocks noGrp="1"/>
-          </p:cNvSpPr>
-          <p:nvPr>
-            <p:ph type="ftr" sz="quarter" idx="11"/>
-          </p:nvPr>
-        </p:nvSpPr>
-        <p:spPr/>
-        <p:txBody>
-          <a:bodyPr/>
-          <a:lstStyle/>
-          <a:p>
-            <a:endParaRPr lang="LID4096"/>
-          </a:p>
-        </p:txBody>
-      </p:sp>
-      <p:sp>
-        <p:nvSpPr>
-          <p:cNvPr id="6" name="Slide Number Placeholder 5">
-            <a:extLst>
-              <a:ext uri="{FF2B5EF4-FFF2-40B4-BE49-F238E27FC236}">
-                <a16:creationId xmlns:a16="http://schemas.microsoft.com/office/drawing/2014/main" id="{0570879F-1D54-473D-B15D-EB3F7175A538}"/>
-              </a:ext>
-            </a:extLst>
-          </p:cNvPr>
-          <p:cNvSpPr>
-            <a:spLocks noGrp="1"/>
-          </p:cNvSpPr>
-          <p:nvPr>
-            <p:ph type="sldNum" sz="quarter" idx="12"/>
-          </p:nvPr>
-        </p:nvSpPr>
-        <p:spPr/>
-        <p:txBody>
-          <a:bodyPr/>
-          <a:lstStyle/>
-          <a:p>
-            <a:fld id="{6A2EC358-29CC-4CD5-8D01-DEA7E6B69FAF}" type="slidenum">
-              <a:rPr lang="LID4096" smtClean="0"/>
-              <a:t>‹#›</a:t>
-            </a:fld>
-            <a:endParaRPr lang="LID4096"/>
-          </a:p>
-        </p:txBody>
-      </p:sp>
+          </a:blip>
+          <a:stretch>
+            <a:fillRect/>
+          </a:stretch>
+        </p:blipFill>
+        <p:spPr>
+          <a:xfrm>
+            <a:off x="7701294" y="6223093"/>
+            <a:ext cx="871656" cy="487640"/>
+          </a:xfrm>
+          <a:prstGeom prst="rect">
+            <a:avLst/>
+          </a:prstGeom>
+        </p:spPr>
+      </p:pic>
     </p:spTree>
     <p:extLst>
       <p:ext uri="{BB962C8B-B14F-4D97-AF65-F5344CB8AC3E}">
-        <p14:creationId xmlns:p14="http://schemas.microsoft.com/office/powerpoint/2010/main" val="3256234358"/>
+        <p14:creationId xmlns:p14="http://schemas.microsoft.com/office/powerpoint/2010/main" val="739175786"/>
       </p:ext>
     </p:extLst>
   </p:cSld>
@@ -966,13 +1196,7 @@
       </p:grpSpPr>
       <p:sp>
         <p:nvSpPr>
-          <p:cNvPr id="2" name="Title 1">
-            <a:extLst>
-              <a:ext uri="{FF2B5EF4-FFF2-40B4-BE49-F238E27FC236}">
-                <a16:creationId xmlns:a16="http://schemas.microsoft.com/office/drawing/2014/main" id="{A5E47B58-7341-4387-8E47-D12FA7E46559}"/>
-              </a:ext>
-            </a:extLst>
-          </p:cNvPr>
+          <p:cNvPr id="2" name="Title 1"/>
           <p:cNvSpPr>
             <a:spLocks noGrp="1"/>
           </p:cNvSpPr>
@@ -982,8 +1206,8 @@
         </p:nvSpPr>
         <p:spPr>
           <a:xfrm>
-            <a:off x="831850" y="1709738"/>
-            <a:ext cx="10515600" cy="2852737"/>
+            <a:off x="623888" y="1709739"/>
+            <a:ext cx="7886700" cy="2852737"/>
           </a:xfrm>
         </p:spPr>
         <p:txBody>
@@ -995,22 +1219,16 @@
           </a:lstStyle>
           <a:p>
             <a:r>
-              <a:rPr lang="en-US"/>
+              <a:rPr lang="en-US" smtClean="0"/>
               <a:t>Click to edit Master title style</a:t>
             </a:r>
-            <a:endParaRPr lang="LID4096"/>
-          </a:p>
-        </p:txBody>
-      </p:sp>
-      <p:sp>
-        <p:nvSpPr>
-          <p:cNvPr id="3" name="Text Placeholder 2">
-            <a:extLst>
-              <a:ext uri="{FF2B5EF4-FFF2-40B4-BE49-F238E27FC236}">
-                <a16:creationId xmlns:a16="http://schemas.microsoft.com/office/drawing/2014/main" id="{8B273C73-1141-41C8-8514-66BA0821CB97}"/>
-              </a:ext>
-            </a:extLst>
-          </p:cNvPr>
+            <a:endParaRPr lang="en-US" dirty="0"/>
+          </a:p>
+        </p:txBody>
+      </p:sp>
+      <p:sp>
+        <p:nvSpPr>
+          <p:cNvPr id="3" name="Text Placeholder 2"/>
           <p:cNvSpPr>
             <a:spLocks noGrp="1"/>
           </p:cNvSpPr>
@@ -1020,8 +1238,8 @@
         </p:nvSpPr>
         <p:spPr>
           <a:xfrm>
-            <a:off x="831850" y="4589463"/>
-            <a:ext cx="10515600" cy="1500187"/>
+            <a:off x="623888" y="4589464"/>
+            <a:ext cx="7886700" cy="1500187"/>
           </a:xfrm>
         </p:spPr>
         <p:txBody>
@@ -1031,9 +1249,7 @@
               <a:buNone/>
               <a:defRPr sz="2400">
                 <a:solidFill>
-                  <a:schemeClr val="tx1">
-                    <a:tint val="75000"/>
-                  </a:schemeClr>
+                  <a:schemeClr val="tx1"/>
                 </a:solidFill>
               </a:defRPr>
             </a:lvl1pPr>
@@ -1121,7 +1337,7 @@
           <a:p>
             <a:pPr lvl="0"/>
             <a:r>
-              <a:rPr lang="en-US"/>
+              <a:rPr lang="en-US" smtClean="0"/>
               <a:t>Edit Master text styles</a:t>
             </a:r>
           </a:p>
@@ -1129,91 +1345,61 @@
       </p:sp>
       <p:sp>
         <p:nvSpPr>
-          <p:cNvPr id="4" name="Date Placeholder 3">
+          <p:cNvPr id="6" name="Slide Number Placeholder 5"/>
+          <p:cNvSpPr>
+            <a:spLocks noGrp="1"/>
+          </p:cNvSpPr>
+          <p:nvPr>
+            <p:ph type="sldNum" sz="quarter" idx="12"/>
+          </p:nvPr>
+        </p:nvSpPr>
+        <p:spPr/>
+        <p:txBody>
+          <a:bodyPr/>
+          <a:lstStyle/>
+          <a:p>
+            <a:fld id="{D57F1E4F-1CFF-5643-939E-02111984F565}" type="slidenum">
+              <a:rPr lang="en-US" smtClean="0"/>
+              <a:t>‹#›</a:t>
+            </a:fld>
+            <a:endParaRPr lang="en-US" dirty="0"/>
+          </a:p>
+        </p:txBody>
+      </p:sp>
+      <p:pic>
+        <p:nvPicPr>
+          <p:cNvPr id="7" name="Picture 6"/>
+          <p:cNvPicPr>
+            <a:picLocks noChangeAspect="1"/>
+          </p:cNvPicPr>
+          <p:nvPr userDrawn="1"/>
+        </p:nvPicPr>
+        <p:blipFill>
+          <a:blip r:embed="rId2">
             <a:extLst>
-              <a:ext uri="{FF2B5EF4-FFF2-40B4-BE49-F238E27FC236}">
-                <a16:creationId xmlns:a16="http://schemas.microsoft.com/office/drawing/2014/main" id="{8B73F622-2DAD-4E67-A14E-BFBD278EDF8E}"/>
+              <a:ext uri="{28A0092B-C50C-407E-A947-70E740481C1C}">
+                <a14:useLocalDpi xmlns:a14="http://schemas.microsoft.com/office/drawing/2010/main" val="0"/>
               </a:ext>
             </a:extLst>
-          </p:cNvPr>
-          <p:cNvSpPr>
-            <a:spLocks noGrp="1"/>
-          </p:cNvSpPr>
-          <p:nvPr>
-            <p:ph type="dt" sz="half" idx="10"/>
-          </p:nvPr>
-        </p:nvSpPr>
-        <p:spPr/>
-        <p:txBody>
-          <a:bodyPr/>
-          <a:lstStyle/>
-          <a:p>
-            <a:fld id="{924820B4-05FC-4AC0-A29B-D4DEC54FF1ED}" type="datetimeFigureOut">
-              <a:rPr lang="LID4096" smtClean="0"/>
-              <a:t>02/21/2018</a:t>
-            </a:fld>
-            <a:endParaRPr lang="LID4096"/>
-          </a:p>
-        </p:txBody>
-      </p:sp>
-      <p:sp>
-        <p:nvSpPr>
-          <p:cNvPr id="5" name="Footer Placeholder 4">
-            <a:extLst>
-              <a:ext uri="{FF2B5EF4-FFF2-40B4-BE49-F238E27FC236}">
-                <a16:creationId xmlns:a16="http://schemas.microsoft.com/office/drawing/2014/main" id="{5ABAAA99-ECD1-4DBC-8547-3F7CFE1F2B2F}"/>
-              </a:ext>
-            </a:extLst>
-          </p:cNvPr>
-          <p:cNvSpPr>
-            <a:spLocks noGrp="1"/>
-          </p:cNvSpPr>
-          <p:nvPr>
-            <p:ph type="ftr" sz="quarter" idx="11"/>
-          </p:nvPr>
-        </p:nvSpPr>
-        <p:spPr/>
-        <p:txBody>
-          <a:bodyPr/>
-          <a:lstStyle/>
-          <a:p>
-            <a:endParaRPr lang="LID4096"/>
-          </a:p>
-        </p:txBody>
-      </p:sp>
-      <p:sp>
-        <p:nvSpPr>
-          <p:cNvPr id="6" name="Slide Number Placeholder 5">
-            <a:extLst>
-              <a:ext uri="{FF2B5EF4-FFF2-40B4-BE49-F238E27FC236}">
-                <a16:creationId xmlns:a16="http://schemas.microsoft.com/office/drawing/2014/main" id="{8BAE7867-4F74-455D-89D4-D89A62EE8962}"/>
-              </a:ext>
-            </a:extLst>
-          </p:cNvPr>
-          <p:cNvSpPr>
-            <a:spLocks noGrp="1"/>
-          </p:cNvSpPr>
-          <p:nvPr>
-            <p:ph type="sldNum" sz="quarter" idx="12"/>
-          </p:nvPr>
-        </p:nvSpPr>
-        <p:spPr/>
-        <p:txBody>
-          <a:bodyPr/>
-          <a:lstStyle/>
-          <a:p>
-            <a:fld id="{6A2EC358-29CC-4CD5-8D01-DEA7E6B69FAF}" type="slidenum">
-              <a:rPr lang="LID4096" smtClean="0"/>
-              <a:t>‹#›</a:t>
-            </a:fld>
-            <a:endParaRPr lang="LID4096"/>
-          </a:p>
-        </p:txBody>
-      </p:sp>
+          </a:blip>
+          <a:stretch>
+            <a:fillRect/>
+          </a:stretch>
+        </p:blipFill>
+        <p:spPr>
+          <a:xfrm>
+            <a:off x="7701294" y="6223093"/>
+            <a:ext cx="871656" cy="487640"/>
+          </a:xfrm>
+          <a:prstGeom prst="rect">
+            <a:avLst/>
+          </a:prstGeom>
+        </p:spPr>
+      </p:pic>
     </p:spTree>
     <p:extLst>
       <p:ext uri="{BB962C8B-B14F-4D97-AF65-F5344CB8AC3E}">
-        <p14:creationId xmlns:p14="http://schemas.microsoft.com/office/powerpoint/2010/main" val="1394677262"/>
+        <p14:creationId xmlns:p14="http://schemas.microsoft.com/office/powerpoint/2010/main" val="2924165072"/>
       </p:ext>
     </p:extLst>
   </p:cSld>
@@ -1242,246 +1428,198 @@
       </p:grpSpPr>
       <p:sp>
         <p:nvSpPr>
-          <p:cNvPr id="2" name="Title 1">
+          <p:cNvPr id="2" name="Title 1"/>
+          <p:cNvSpPr>
+            <a:spLocks noGrp="1"/>
+          </p:cNvSpPr>
+          <p:nvPr>
+            <p:ph type="title"/>
+          </p:nvPr>
+        </p:nvSpPr>
+        <p:spPr/>
+        <p:txBody>
+          <a:bodyPr/>
+          <a:lstStyle/>
+          <a:p>
+            <a:r>
+              <a:rPr lang="en-US" smtClean="0"/>
+              <a:t>Click to edit Master title style</a:t>
+            </a:r>
+            <a:endParaRPr lang="en-US" dirty="0"/>
+          </a:p>
+        </p:txBody>
+      </p:sp>
+      <p:sp>
+        <p:nvSpPr>
+          <p:cNvPr id="3" name="Content Placeholder 2"/>
+          <p:cNvSpPr>
+            <a:spLocks noGrp="1"/>
+          </p:cNvSpPr>
+          <p:nvPr>
+            <p:ph sz="half" idx="1"/>
+          </p:nvPr>
+        </p:nvSpPr>
+        <p:spPr>
+          <a:xfrm>
+            <a:off x="628650" y="1825625"/>
+            <a:ext cx="3886200" cy="4351338"/>
+          </a:xfrm>
+        </p:spPr>
+        <p:txBody>
+          <a:bodyPr/>
+          <a:lstStyle/>
+          <a:p>
+            <a:pPr lvl="0"/>
+            <a:r>
+              <a:rPr lang="en-US" smtClean="0"/>
+              <a:t>Edit Master text styles</a:t>
+            </a:r>
+          </a:p>
+          <a:p>
+            <a:pPr lvl="1"/>
+            <a:r>
+              <a:rPr lang="en-US" smtClean="0"/>
+              <a:t>Second level</a:t>
+            </a:r>
+          </a:p>
+          <a:p>
+            <a:pPr lvl="2"/>
+            <a:r>
+              <a:rPr lang="en-US" smtClean="0"/>
+              <a:t>Third level</a:t>
+            </a:r>
+          </a:p>
+          <a:p>
+            <a:pPr lvl="3"/>
+            <a:r>
+              <a:rPr lang="en-US" smtClean="0"/>
+              <a:t>Fourth level</a:t>
+            </a:r>
+          </a:p>
+          <a:p>
+            <a:pPr lvl="4"/>
+            <a:r>
+              <a:rPr lang="en-US" smtClean="0"/>
+              <a:t>Fifth level</a:t>
+            </a:r>
+            <a:endParaRPr lang="en-US" dirty="0"/>
+          </a:p>
+        </p:txBody>
+      </p:sp>
+      <p:sp>
+        <p:nvSpPr>
+          <p:cNvPr id="4" name="Content Placeholder 3"/>
+          <p:cNvSpPr>
+            <a:spLocks noGrp="1"/>
+          </p:cNvSpPr>
+          <p:nvPr>
+            <p:ph sz="half" idx="2"/>
+          </p:nvPr>
+        </p:nvSpPr>
+        <p:spPr>
+          <a:xfrm>
+            <a:off x="4629150" y="1825625"/>
+            <a:ext cx="3886200" cy="4351338"/>
+          </a:xfrm>
+        </p:spPr>
+        <p:txBody>
+          <a:bodyPr/>
+          <a:lstStyle/>
+          <a:p>
+            <a:pPr lvl="0"/>
+            <a:r>
+              <a:rPr lang="en-US" smtClean="0"/>
+              <a:t>Edit Master text styles</a:t>
+            </a:r>
+          </a:p>
+          <a:p>
+            <a:pPr lvl="1"/>
+            <a:r>
+              <a:rPr lang="en-US" smtClean="0"/>
+              <a:t>Second level</a:t>
+            </a:r>
+          </a:p>
+          <a:p>
+            <a:pPr lvl="2"/>
+            <a:r>
+              <a:rPr lang="en-US" smtClean="0"/>
+              <a:t>Third level</a:t>
+            </a:r>
+          </a:p>
+          <a:p>
+            <a:pPr lvl="3"/>
+            <a:r>
+              <a:rPr lang="en-US" smtClean="0"/>
+              <a:t>Fourth level</a:t>
+            </a:r>
+          </a:p>
+          <a:p>
+            <a:pPr lvl="4"/>
+            <a:r>
+              <a:rPr lang="en-US" smtClean="0"/>
+              <a:t>Fifth level</a:t>
+            </a:r>
+            <a:endParaRPr lang="en-US" dirty="0"/>
+          </a:p>
+        </p:txBody>
+      </p:sp>
+      <p:sp>
+        <p:nvSpPr>
+          <p:cNvPr id="7" name="Slide Number Placeholder 6"/>
+          <p:cNvSpPr>
+            <a:spLocks noGrp="1"/>
+          </p:cNvSpPr>
+          <p:nvPr>
+            <p:ph type="sldNum" sz="quarter" idx="12"/>
+          </p:nvPr>
+        </p:nvSpPr>
+        <p:spPr/>
+        <p:txBody>
+          <a:bodyPr/>
+          <a:lstStyle/>
+          <a:p>
+            <a:fld id="{D57F1E4F-1CFF-5643-939E-02111984F565}" type="slidenum">
+              <a:rPr lang="en-US" smtClean="0"/>
+              <a:t>‹#›</a:t>
+            </a:fld>
+            <a:endParaRPr lang="en-US" dirty="0"/>
+          </a:p>
+        </p:txBody>
+      </p:sp>
+      <p:pic>
+        <p:nvPicPr>
+          <p:cNvPr id="8" name="Picture 7"/>
+          <p:cNvPicPr>
+            <a:picLocks noChangeAspect="1"/>
+          </p:cNvPicPr>
+          <p:nvPr userDrawn="1"/>
+        </p:nvPicPr>
+        <p:blipFill>
+          <a:blip r:embed="rId2">
             <a:extLst>
-              <a:ext uri="{FF2B5EF4-FFF2-40B4-BE49-F238E27FC236}">
-                <a16:creationId xmlns:a16="http://schemas.microsoft.com/office/drawing/2014/main" id="{0369DCBC-B81E-4D9B-883F-633E97D2B6B9}"/>
+              <a:ext uri="{28A0092B-C50C-407E-A947-70E740481C1C}">
+                <a14:useLocalDpi xmlns:a14="http://schemas.microsoft.com/office/drawing/2010/main" val="0"/>
               </a:ext>
             </a:extLst>
-          </p:cNvPr>
-          <p:cNvSpPr>
-            <a:spLocks noGrp="1"/>
-          </p:cNvSpPr>
-          <p:nvPr>
-            <p:ph type="title"/>
-          </p:nvPr>
-        </p:nvSpPr>
-        <p:spPr/>
-        <p:txBody>
-          <a:bodyPr/>
-          <a:lstStyle/>
-          <a:p>
-            <a:r>
-              <a:rPr lang="en-US"/>
-              <a:t>Click to edit Master title style</a:t>
-            </a:r>
-            <a:endParaRPr lang="LID4096"/>
-          </a:p>
-        </p:txBody>
-      </p:sp>
-      <p:sp>
-        <p:nvSpPr>
-          <p:cNvPr id="3" name="Content Placeholder 2">
-            <a:extLst>
-              <a:ext uri="{FF2B5EF4-FFF2-40B4-BE49-F238E27FC236}">
-                <a16:creationId xmlns:a16="http://schemas.microsoft.com/office/drawing/2014/main" id="{4174AF58-1389-40EA-9B41-D15B1E560EA9}"/>
-              </a:ext>
-            </a:extLst>
-          </p:cNvPr>
-          <p:cNvSpPr>
-            <a:spLocks noGrp="1"/>
-          </p:cNvSpPr>
-          <p:nvPr>
-            <p:ph sz="half" idx="1"/>
-          </p:nvPr>
-        </p:nvSpPr>
+          </a:blip>
+          <a:stretch>
+            <a:fillRect/>
+          </a:stretch>
+        </p:blipFill>
         <p:spPr>
           <a:xfrm>
-            <a:off x="838200" y="1825625"/>
-            <a:ext cx="5181600" cy="4351338"/>
+            <a:off x="7701294" y="6223093"/>
+            <a:ext cx="871656" cy="487640"/>
           </a:xfrm>
+          <a:prstGeom prst="rect">
+            <a:avLst/>
+          </a:prstGeom>
         </p:spPr>
-        <p:txBody>
-          <a:bodyPr/>
-          <a:lstStyle/>
-          <a:p>
-            <a:pPr lvl="0"/>
-            <a:r>
-              <a:rPr lang="en-US"/>
-              <a:t>Edit Master text styles</a:t>
-            </a:r>
-          </a:p>
-          <a:p>
-            <a:pPr lvl="1"/>
-            <a:r>
-              <a:rPr lang="en-US"/>
-              <a:t>Second level</a:t>
-            </a:r>
-          </a:p>
-          <a:p>
-            <a:pPr lvl="2"/>
-            <a:r>
-              <a:rPr lang="en-US"/>
-              <a:t>Third level</a:t>
-            </a:r>
-          </a:p>
-          <a:p>
-            <a:pPr lvl="3"/>
-            <a:r>
-              <a:rPr lang="en-US"/>
-              <a:t>Fourth level</a:t>
-            </a:r>
-          </a:p>
-          <a:p>
-            <a:pPr lvl="4"/>
-            <a:r>
-              <a:rPr lang="en-US"/>
-              <a:t>Fifth level</a:t>
-            </a:r>
-            <a:endParaRPr lang="LID4096"/>
-          </a:p>
-        </p:txBody>
-      </p:sp>
-      <p:sp>
-        <p:nvSpPr>
-          <p:cNvPr id="4" name="Content Placeholder 3">
-            <a:extLst>
-              <a:ext uri="{FF2B5EF4-FFF2-40B4-BE49-F238E27FC236}">
-                <a16:creationId xmlns:a16="http://schemas.microsoft.com/office/drawing/2014/main" id="{31B51D55-EECE-4615-BBA2-F44D3FBB010E}"/>
-              </a:ext>
-            </a:extLst>
-          </p:cNvPr>
-          <p:cNvSpPr>
-            <a:spLocks noGrp="1"/>
-          </p:cNvSpPr>
-          <p:nvPr>
-            <p:ph sz="half" idx="2"/>
-          </p:nvPr>
-        </p:nvSpPr>
-        <p:spPr>
-          <a:xfrm>
-            <a:off x="6172200" y="1825625"/>
-            <a:ext cx="5181600" cy="4351338"/>
-          </a:xfrm>
-        </p:spPr>
-        <p:txBody>
-          <a:bodyPr/>
-          <a:lstStyle/>
-          <a:p>
-            <a:pPr lvl="0"/>
-            <a:r>
-              <a:rPr lang="en-US"/>
-              <a:t>Edit Master text styles</a:t>
-            </a:r>
-          </a:p>
-          <a:p>
-            <a:pPr lvl="1"/>
-            <a:r>
-              <a:rPr lang="en-US"/>
-              <a:t>Second level</a:t>
-            </a:r>
-          </a:p>
-          <a:p>
-            <a:pPr lvl="2"/>
-            <a:r>
-              <a:rPr lang="en-US"/>
-              <a:t>Third level</a:t>
-            </a:r>
-          </a:p>
-          <a:p>
-            <a:pPr lvl="3"/>
-            <a:r>
-              <a:rPr lang="en-US"/>
-              <a:t>Fourth level</a:t>
-            </a:r>
-          </a:p>
-          <a:p>
-            <a:pPr lvl="4"/>
-            <a:r>
-              <a:rPr lang="en-US"/>
-              <a:t>Fifth level</a:t>
-            </a:r>
-            <a:endParaRPr lang="LID4096"/>
-          </a:p>
-        </p:txBody>
-      </p:sp>
-      <p:sp>
-        <p:nvSpPr>
-          <p:cNvPr id="5" name="Date Placeholder 4">
-            <a:extLst>
-              <a:ext uri="{FF2B5EF4-FFF2-40B4-BE49-F238E27FC236}">
-                <a16:creationId xmlns:a16="http://schemas.microsoft.com/office/drawing/2014/main" id="{C8DCAC33-943E-46F4-AF18-0F067D250E6A}"/>
-              </a:ext>
-            </a:extLst>
-          </p:cNvPr>
-          <p:cNvSpPr>
-            <a:spLocks noGrp="1"/>
-          </p:cNvSpPr>
-          <p:nvPr>
-            <p:ph type="dt" sz="half" idx="10"/>
-          </p:nvPr>
-        </p:nvSpPr>
-        <p:spPr/>
-        <p:txBody>
-          <a:bodyPr/>
-          <a:lstStyle/>
-          <a:p>
-            <a:fld id="{924820B4-05FC-4AC0-A29B-D4DEC54FF1ED}" type="datetimeFigureOut">
-              <a:rPr lang="LID4096" smtClean="0"/>
-              <a:t>02/21/2018</a:t>
-            </a:fld>
-            <a:endParaRPr lang="LID4096"/>
-          </a:p>
-        </p:txBody>
-      </p:sp>
-      <p:sp>
-        <p:nvSpPr>
-          <p:cNvPr id="6" name="Footer Placeholder 5">
-            <a:extLst>
-              <a:ext uri="{FF2B5EF4-FFF2-40B4-BE49-F238E27FC236}">
-                <a16:creationId xmlns:a16="http://schemas.microsoft.com/office/drawing/2014/main" id="{179EAF82-BE5C-43A0-9C43-009A7B24938D}"/>
-              </a:ext>
-            </a:extLst>
-          </p:cNvPr>
-          <p:cNvSpPr>
-            <a:spLocks noGrp="1"/>
-          </p:cNvSpPr>
-          <p:nvPr>
-            <p:ph type="ftr" sz="quarter" idx="11"/>
-          </p:nvPr>
-        </p:nvSpPr>
-        <p:spPr/>
-        <p:txBody>
-          <a:bodyPr/>
-          <a:lstStyle/>
-          <a:p>
-            <a:endParaRPr lang="LID4096"/>
-          </a:p>
-        </p:txBody>
-      </p:sp>
-      <p:sp>
-        <p:nvSpPr>
-          <p:cNvPr id="7" name="Slide Number Placeholder 6">
-            <a:extLst>
-              <a:ext uri="{FF2B5EF4-FFF2-40B4-BE49-F238E27FC236}">
-                <a16:creationId xmlns:a16="http://schemas.microsoft.com/office/drawing/2014/main" id="{2F4B0E7C-D7FD-4C46-A0B2-F2A49F589A23}"/>
-              </a:ext>
-            </a:extLst>
-          </p:cNvPr>
-          <p:cNvSpPr>
-            <a:spLocks noGrp="1"/>
-          </p:cNvSpPr>
-          <p:nvPr>
-            <p:ph type="sldNum" sz="quarter" idx="12"/>
-          </p:nvPr>
-        </p:nvSpPr>
-        <p:spPr/>
-        <p:txBody>
-          <a:bodyPr/>
-          <a:lstStyle/>
-          <a:p>
-            <a:fld id="{6A2EC358-29CC-4CD5-8D01-DEA7E6B69FAF}" type="slidenum">
-              <a:rPr lang="LID4096" smtClean="0"/>
-              <a:t>‹#›</a:t>
-            </a:fld>
-            <a:endParaRPr lang="LID4096"/>
-          </a:p>
-        </p:txBody>
-      </p:sp>
+      </p:pic>
     </p:spTree>
     <p:extLst>
       <p:ext uri="{BB962C8B-B14F-4D97-AF65-F5344CB8AC3E}">
-        <p14:creationId xmlns:p14="http://schemas.microsoft.com/office/powerpoint/2010/main" val="1278764521"/>
+        <p14:creationId xmlns:p14="http://schemas.microsoft.com/office/powerpoint/2010/main" val="316243431"/>
       </p:ext>
     </p:extLst>
   </p:cSld>
@@ -1510,13 +1648,7 @@
       </p:grpSpPr>
       <p:sp>
         <p:nvSpPr>
-          <p:cNvPr id="2" name="Title 1">
-            <a:extLst>
-              <a:ext uri="{FF2B5EF4-FFF2-40B4-BE49-F238E27FC236}">
-                <a16:creationId xmlns:a16="http://schemas.microsoft.com/office/drawing/2014/main" id="{FCD64F2F-2B26-4FFA-82F9-8B6A6595661A}"/>
-              </a:ext>
-            </a:extLst>
-          </p:cNvPr>
+          <p:cNvPr id="2" name="Title 1"/>
           <p:cNvSpPr>
             <a:spLocks noGrp="1"/>
           </p:cNvSpPr>
@@ -1526,8 +1658,8 @@
         </p:nvSpPr>
         <p:spPr>
           <a:xfrm>
-            <a:off x="839788" y="365125"/>
-            <a:ext cx="10515600" cy="1325563"/>
+            <a:off x="629841" y="365126"/>
+            <a:ext cx="7886700" cy="1325563"/>
           </a:xfrm>
         </p:spPr>
         <p:txBody>
@@ -1535,22 +1667,16 @@
           <a:lstStyle/>
           <a:p>
             <a:r>
-              <a:rPr lang="en-US"/>
+              <a:rPr lang="en-US" smtClean="0"/>
               <a:t>Click to edit Master title style</a:t>
             </a:r>
-            <a:endParaRPr lang="LID4096"/>
-          </a:p>
-        </p:txBody>
-      </p:sp>
-      <p:sp>
-        <p:nvSpPr>
-          <p:cNvPr id="3" name="Text Placeholder 2">
-            <a:extLst>
-              <a:ext uri="{FF2B5EF4-FFF2-40B4-BE49-F238E27FC236}">
-                <a16:creationId xmlns:a16="http://schemas.microsoft.com/office/drawing/2014/main" id="{52017140-42F6-4917-AD8B-A7DC6D5CE684}"/>
-              </a:ext>
-            </a:extLst>
-          </p:cNvPr>
+            <a:endParaRPr lang="en-US" dirty="0"/>
+          </a:p>
+        </p:txBody>
+      </p:sp>
+      <p:sp>
+        <p:nvSpPr>
+          <p:cNvPr id="3" name="Text Placeholder 2"/>
           <p:cNvSpPr>
             <a:spLocks noGrp="1"/>
           </p:cNvSpPr>
@@ -1560,8 +1686,8 @@
         </p:nvSpPr>
         <p:spPr>
           <a:xfrm>
-            <a:off x="839788" y="1681163"/>
-            <a:ext cx="5157787" cy="823912"/>
+            <a:off x="629842" y="1681163"/>
+            <a:ext cx="3868340" cy="823912"/>
           </a:xfrm>
         </p:spPr>
         <p:txBody>
@@ -1607,7 +1733,7 @@
           <a:p>
             <a:pPr lvl="0"/>
             <a:r>
-              <a:rPr lang="en-US"/>
+              <a:rPr lang="en-US" smtClean="0"/>
               <a:t>Edit Master text styles</a:t>
             </a:r>
           </a:p>
@@ -1615,13 +1741,7 @@
       </p:sp>
       <p:sp>
         <p:nvSpPr>
-          <p:cNvPr id="4" name="Content Placeholder 3">
-            <a:extLst>
-              <a:ext uri="{FF2B5EF4-FFF2-40B4-BE49-F238E27FC236}">
-                <a16:creationId xmlns:a16="http://schemas.microsoft.com/office/drawing/2014/main" id="{1DA65656-9726-40D4-A226-33AA60D34303}"/>
-              </a:ext>
-            </a:extLst>
-          </p:cNvPr>
+          <p:cNvPr id="4" name="Content Placeholder 3"/>
           <p:cNvSpPr>
             <a:spLocks noGrp="1"/>
           </p:cNvSpPr>
@@ -1631,8 +1751,8 @@
         </p:nvSpPr>
         <p:spPr>
           <a:xfrm>
-            <a:off x="839788" y="2505075"/>
-            <a:ext cx="5157787" cy="3684588"/>
+            <a:off x="629842" y="2505075"/>
+            <a:ext cx="3868340" cy="3684588"/>
           </a:xfrm>
         </p:spPr>
         <p:txBody>
@@ -1641,50 +1761,44 @@
           <a:p>
             <a:pPr lvl="0"/>
             <a:r>
-              <a:rPr lang="en-US"/>
+              <a:rPr lang="en-US" smtClean="0"/>
               <a:t>Edit Master text styles</a:t>
             </a:r>
           </a:p>
           <a:p>
             <a:pPr lvl="1"/>
             <a:r>
-              <a:rPr lang="en-US"/>
+              <a:rPr lang="en-US" smtClean="0"/>
               <a:t>Second level</a:t>
             </a:r>
           </a:p>
           <a:p>
             <a:pPr lvl="2"/>
             <a:r>
-              <a:rPr lang="en-US"/>
+              <a:rPr lang="en-US" smtClean="0"/>
               <a:t>Third level</a:t>
             </a:r>
           </a:p>
           <a:p>
             <a:pPr lvl="3"/>
             <a:r>
-              <a:rPr lang="en-US"/>
+              <a:rPr lang="en-US" smtClean="0"/>
               <a:t>Fourth level</a:t>
             </a:r>
           </a:p>
           <a:p>
             <a:pPr lvl="4"/>
             <a:r>
-              <a:rPr lang="en-US"/>
+              <a:rPr lang="en-US" smtClean="0"/>
               <a:t>Fifth level</a:t>
             </a:r>
-            <a:endParaRPr lang="LID4096"/>
-          </a:p>
-        </p:txBody>
-      </p:sp>
-      <p:sp>
-        <p:nvSpPr>
-          <p:cNvPr id="5" name="Text Placeholder 4">
-            <a:extLst>
-              <a:ext uri="{FF2B5EF4-FFF2-40B4-BE49-F238E27FC236}">
-                <a16:creationId xmlns:a16="http://schemas.microsoft.com/office/drawing/2014/main" id="{6E919946-D0E5-4EC3-B3C3-C43EA78DE322}"/>
-              </a:ext>
-            </a:extLst>
-          </p:cNvPr>
+            <a:endParaRPr lang="en-US" dirty="0"/>
+          </a:p>
+        </p:txBody>
+      </p:sp>
+      <p:sp>
+        <p:nvSpPr>
+          <p:cNvPr id="5" name="Text Placeholder 4"/>
           <p:cNvSpPr>
             <a:spLocks noGrp="1"/>
           </p:cNvSpPr>
@@ -1694,8 +1808,8 @@
         </p:nvSpPr>
         <p:spPr>
           <a:xfrm>
-            <a:off x="6172200" y="1681163"/>
-            <a:ext cx="5183188" cy="823912"/>
+            <a:off x="4629150" y="1681163"/>
+            <a:ext cx="3887391" cy="823912"/>
           </a:xfrm>
         </p:spPr>
         <p:txBody>
@@ -1741,7 +1855,7 @@
           <a:p>
             <a:pPr lvl="0"/>
             <a:r>
-              <a:rPr lang="en-US"/>
+              <a:rPr lang="en-US" smtClean="0"/>
               <a:t>Edit Master text styles</a:t>
             </a:r>
           </a:p>
@@ -1749,154 +1863,118 @@
       </p:sp>
       <p:sp>
         <p:nvSpPr>
-          <p:cNvPr id="6" name="Content Placeholder 5">
+          <p:cNvPr id="6" name="Content Placeholder 5"/>
+          <p:cNvSpPr>
+            <a:spLocks noGrp="1"/>
+          </p:cNvSpPr>
+          <p:nvPr>
+            <p:ph sz="quarter" idx="4"/>
+          </p:nvPr>
+        </p:nvSpPr>
+        <p:spPr>
+          <a:xfrm>
+            <a:off x="4629150" y="2505075"/>
+            <a:ext cx="3887391" cy="3684588"/>
+          </a:xfrm>
+        </p:spPr>
+        <p:txBody>
+          <a:bodyPr/>
+          <a:lstStyle/>
+          <a:p>
+            <a:pPr lvl="0"/>
+            <a:r>
+              <a:rPr lang="en-US" smtClean="0"/>
+              <a:t>Edit Master text styles</a:t>
+            </a:r>
+          </a:p>
+          <a:p>
+            <a:pPr lvl="1"/>
+            <a:r>
+              <a:rPr lang="en-US" smtClean="0"/>
+              <a:t>Second level</a:t>
+            </a:r>
+          </a:p>
+          <a:p>
+            <a:pPr lvl="2"/>
+            <a:r>
+              <a:rPr lang="en-US" smtClean="0"/>
+              <a:t>Third level</a:t>
+            </a:r>
+          </a:p>
+          <a:p>
+            <a:pPr lvl="3"/>
+            <a:r>
+              <a:rPr lang="en-US" smtClean="0"/>
+              <a:t>Fourth level</a:t>
+            </a:r>
+          </a:p>
+          <a:p>
+            <a:pPr lvl="4"/>
+            <a:r>
+              <a:rPr lang="en-US" smtClean="0"/>
+              <a:t>Fifth level</a:t>
+            </a:r>
+            <a:endParaRPr lang="en-US" dirty="0"/>
+          </a:p>
+        </p:txBody>
+      </p:sp>
+      <p:sp>
+        <p:nvSpPr>
+          <p:cNvPr id="9" name="Slide Number Placeholder 8"/>
+          <p:cNvSpPr>
+            <a:spLocks noGrp="1"/>
+          </p:cNvSpPr>
+          <p:nvPr>
+            <p:ph type="sldNum" sz="quarter" idx="12"/>
+          </p:nvPr>
+        </p:nvSpPr>
+        <p:spPr/>
+        <p:txBody>
+          <a:bodyPr/>
+          <a:lstStyle/>
+          <a:p>
+            <a:fld id="{D57F1E4F-1CFF-5643-939E-02111984F565}" type="slidenum">
+              <a:rPr lang="en-US" smtClean="0"/>
+              <a:t>‹#›</a:t>
+            </a:fld>
+            <a:endParaRPr lang="en-US" dirty="0"/>
+          </a:p>
+        </p:txBody>
+      </p:sp>
+      <p:pic>
+        <p:nvPicPr>
+          <p:cNvPr id="10" name="Picture 9"/>
+          <p:cNvPicPr>
+            <a:picLocks noChangeAspect="1"/>
+          </p:cNvPicPr>
+          <p:nvPr userDrawn="1"/>
+        </p:nvPicPr>
+        <p:blipFill>
+          <a:blip r:embed="rId2">
             <a:extLst>
-              <a:ext uri="{FF2B5EF4-FFF2-40B4-BE49-F238E27FC236}">
-                <a16:creationId xmlns:a16="http://schemas.microsoft.com/office/drawing/2014/main" id="{9B62599E-2A98-4A51-8F31-F26B3F0E2394}"/>
+              <a:ext uri="{28A0092B-C50C-407E-A947-70E740481C1C}">
+                <a14:useLocalDpi xmlns:a14="http://schemas.microsoft.com/office/drawing/2010/main" val="0"/>
               </a:ext>
             </a:extLst>
-          </p:cNvPr>
-          <p:cNvSpPr>
-            <a:spLocks noGrp="1"/>
-          </p:cNvSpPr>
-          <p:nvPr>
-            <p:ph sz="quarter" idx="4"/>
-          </p:nvPr>
-        </p:nvSpPr>
+          </a:blip>
+          <a:stretch>
+            <a:fillRect/>
+          </a:stretch>
+        </p:blipFill>
         <p:spPr>
           <a:xfrm>
-            <a:off x="6172200" y="2505075"/>
-            <a:ext cx="5183188" cy="3684588"/>
+            <a:off x="7701294" y="6223093"/>
+            <a:ext cx="871656" cy="487640"/>
           </a:xfrm>
+          <a:prstGeom prst="rect">
+            <a:avLst/>
+          </a:prstGeom>
         </p:spPr>
-        <p:txBody>
-          <a:bodyPr/>
-          <a:lstStyle/>
-          <a:p>
-            <a:pPr lvl="0"/>
-            <a:r>
-              <a:rPr lang="en-US"/>
-              <a:t>Edit Master text styles</a:t>
-            </a:r>
-          </a:p>
-          <a:p>
-            <a:pPr lvl="1"/>
-            <a:r>
-              <a:rPr lang="en-US"/>
-              <a:t>Second level</a:t>
-            </a:r>
-          </a:p>
-          <a:p>
-            <a:pPr lvl="2"/>
-            <a:r>
-              <a:rPr lang="en-US"/>
-              <a:t>Third level</a:t>
-            </a:r>
-          </a:p>
-          <a:p>
-            <a:pPr lvl="3"/>
-            <a:r>
-              <a:rPr lang="en-US"/>
-              <a:t>Fourth level</a:t>
-            </a:r>
-          </a:p>
-          <a:p>
-            <a:pPr lvl="4"/>
-            <a:r>
-              <a:rPr lang="en-US"/>
-              <a:t>Fifth level</a:t>
-            </a:r>
-            <a:endParaRPr lang="LID4096"/>
-          </a:p>
-        </p:txBody>
-      </p:sp>
-      <p:sp>
-        <p:nvSpPr>
-          <p:cNvPr id="7" name="Date Placeholder 6">
-            <a:extLst>
-              <a:ext uri="{FF2B5EF4-FFF2-40B4-BE49-F238E27FC236}">
-                <a16:creationId xmlns:a16="http://schemas.microsoft.com/office/drawing/2014/main" id="{CEFC60BD-7742-4643-97B8-5C81C4C18CE3}"/>
-              </a:ext>
-            </a:extLst>
-          </p:cNvPr>
-          <p:cNvSpPr>
-            <a:spLocks noGrp="1"/>
-          </p:cNvSpPr>
-          <p:nvPr>
-            <p:ph type="dt" sz="half" idx="10"/>
-          </p:nvPr>
-        </p:nvSpPr>
-        <p:spPr/>
-        <p:txBody>
-          <a:bodyPr/>
-          <a:lstStyle/>
-          <a:p>
-            <a:fld id="{924820B4-05FC-4AC0-A29B-D4DEC54FF1ED}" type="datetimeFigureOut">
-              <a:rPr lang="LID4096" smtClean="0"/>
-              <a:t>02/21/2018</a:t>
-            </a:fld>
-            <a:endParaRPr lang="LID4096"/>
-          </a:p>
-        </p:txBody>
-      </p:sp>
-      <p:sp>
-        <p:nvSpPr>
-          <p:cNvPr id="8" name="Footer Placeholder 7">
-            <a:extLst>
-              <a:ext uri="{FF2B5EF4-FFF2-40B4-BE49-F238E27FC236}">
-                <a16:creationId xmlns:a16="http://schemas.microsoft.com/office/drawing/2014/main" id="{A3D07325-209C-4278-BB17-B71581CE27AF}"/>
-              </a:ext>
-            </a:extLst>
-          </p:cNvPr>
-          <p:cNvSpPr>
-            <a:spLocks noGrp="1"/>
-          </p:cNvSpPr>
-          <p:nvPr>
-            <p:ph type="ftr" sz="quarter" idx="11"/>
-          </p:nvPr>
-        </p:nvSpPr>
-        <p:spPr/>
-        <p:txBody>
-          <a:bodyPr/>
-          <a:lstStyle/>
-          <a:p>
-            <a:endParaRPr lang="LID4096"/>
-          </a:p>
-        </p:txBody>
-      </p:sp>
-      <p:sp>
-        <p:nvSpPr>
-          <p:cNvPr id="9" name="Slide Number Placeholder 8">
-            <a:extLst>
-              <a:ext uri="{FF2B5EF4-FFF2-40B4-BE49-F238E27FC236}">
-                <a16:creationId xmlns:a16="http://schemas.microsoft.com/office/drawing/2014/main" id="{B8D31CED-5C4F-483F-8E3F-96A93233BFCF}"/>
-              </a:ext>
-            </a:extLst>
-          </p:cNvPr>
-          <p:cNvSpPr>
-            <a:spLocks noGrp="1"/>
-          </p:cNvSpPr>
-          <p:nvPr>
-            <p:ph type="sldNum" sz="quarter" idx="12"/>
-          </p:nvPr>
-        </p:nvSpPr>
-        <p:spPr/>
-        <p:txBody>
-          <a:bodyPr/>
-          <a:lstStyle/>
-          <a:p>
-            <a:fld id="{6A2EC358-29CC-4CD5-8D01-DEA7E6B69FAF}" type="slidenum">
-              <a:rPr lang="LID4096" smtClean="0"/>
-              <a:t>‹#›</a:t>
-            </a:fld>
-            <a:endParaRPr lang="LID4096"/>
-          </a:p>
-        </p:txBody>
-      </p:sp>
+      </p:pic>
     </p:spTree>
     <p:extLst>
       <p:ext uri="{BB962C8B-B14F-4D97-AF65-F5344CB8AC3E}">
-        <p14:creationId xmlns:p14="http://schemas.microsoft.com/office/powerpoint/2010/main" val="3064325749"/>
+        <p14:creationId xmlns:p14="http://schemas.microsoft.com/office/powerpoint/2010/main" val="2889048029"/>
       </p:ext>
     </p:extLst>
   </p:cSld>
@@ -1925,120 +2003,84 @@
       </p:grpSpPr>
       <p:sp>
         <p:nvSpPr>
-          <p:cNvPr id="2" name="Title 1">
+          <p:cNvPr id="2" name="Title 1"/>
+          <p:cNvSpPr>
+            <a:spLocks noGrp="1"/>
+          </p:cNvSpPr>
+          <p:nvPr>
+            <p:ph type="title"/>
+          </p:nvPr>
+        </p:nvSpPr>
+        <p:spPr/>
+        <p:txBody>
+          <a:bodyPr/>
+          <a:lstStyle/>
+          <a:p>
+            <a:r>
+              <a:rPr lang="en-US" smtClean="0"/>
+              <a:t>Click to edit Master title style</a:t>
+            </a:r>
+            <a:endParaRPr lang="en-US" dirty="0"/>
+          </a:p>
+        </p:txBody>
+      </p:sp>
+      <p:sp>
+        <p:nvSpPr>
+          <p:cNvPr id="5" name="Slide Number Placeholder 4"/>
+          <p:cNvSpPr>
+            <a:spLocks noGrp="1"/>
+          </p:cNvSpPr>
+          <p:nvPr>
+            <p:ph type="sldNum" sz="quarter" idx="12"/>
+          </p:nvPr>
+        </p:nvSpPr>
+        <p:spPr/>
+        <p:txBody>
+          <a:bodyPr/>
+          <a:lstStyle/>
+          <a:p>
+            <a:fld id="{D57F1E4F-1CFF-5643-939E-02111984F565}" type="slidenum">
+              <a:rPr lang="en-US" smtClean="0"/>
+              <a:t>‹#›</a:t>
+            </a:fld>
+            <a:endParaRPr lang="en-US" dirty="0"/>
+          </a:p>
+        </p:txBody>
+      </p:sp>
+      <p:pic>
+        <p:nvPicPr>
+          <p:cNvPr id="6" name="Picture 5"/>
+          <p:cNvPicPr>
+            <a:picLocks noChangeAspect="1"/>
+          </p:cNvPicPr>
+          <p:nvPr userDrawn="1"/>
+        </p:nvPicPr>
+        <p:blipFill>
+          <a:blip r:embed="rId2">
             <a:extLst>
-              <a:ext uri="{FF2B5EF4-FFF2-40B4-BE49-F238E27FC236}">
-                <a16:creationId xmlns:a16="http://schemas.microsoft.com/office/drawing/2014/main" id="{0FFC69D1-C024-487F-A878-5792ED02E9EB}"/>
+              <a:ext uri="{28A0092B-C50C-407E-A947-70E740481C1C}">
+                <a14:useLocalDpi xmlns:a14="http://schemas.microsoft.com/office/drawing/2010/main" val="0"/>
               </a:ext>
             </a:extLst>
-          </p:cNvPr>
-          <p:cNvSpPr>
-            <a:spLocks noGrp="1"/>
-          </p:cNvSpPr>
-          <p:nvPr>
-            <p:ph type="title"/>
-          </p:nvPr>
-        </p:nvSpPr>
-        <p:spPr/>
-        <p:txBody>
-          <a:bodyPr/>
-          <a:lstStyle/>
-          <a:p>
-            <a:r>
-              <a:rPr lang="en-US"/>
-              <a:t>Click to edit Master title style</a:t>
-            </a:r>
-            <a:endParaRPr lang="LID4096"/>
-          </a:p>
-        </p:txBody>
-      </p:sp>
-      <p:sp>
-        <p:nvSpPr>
-          <p:cNvPr id="3" name="Date Placeholder 2">
-            <a:extLst>
-              <a:ext uri="{FF2B5EF4-FFF2-40B4-BE49-F238E27FC236}">
-                <a16:creationId xmlns:a16="http://schemas.microsoft.com/office/drawing/2014/main" id="{A19D2D70-1F5F-4295-8E68-74E43312180C}"/>
-              </a:ext>
-            </a:extLst>
-          </p:cNvPr>
-          <p:cNvSpPr>
-            <a:spLocks noGrp="1"/>
-          </p:cNvSpPr>
-          <p:nvPr>
-            <p:ph type="dt" sz="half" idx="10"/>
-          </p:nvPr>
-        </p:nvSpPr>
-        <p:spPr/>
-        <p:txBody>
-          <a:bodyPr/>
-          <a:lstStyle/>
-          <a:p>
-            <a:fld id="{924820B4-05FC-4AC0-A29B-D4DEC54FF1ED}" type="datetimeFigureOut">
-              <a:rPr lang="LID4096" smtClean="0"/>
-              <a:t>02/21/2018</a:t>
-            </a:fld>
-            <a:endParaRPr lang="LID4096"/>
-          </a:p>
-        </p:txBody>
-      </p:sp>
-      <p:sp>
-        <p:nvSpPr>
-          <p:cNvPr id="4" name="Footer Placeholder 3">
-            <a:extLst>
-              <a:ext uri="{FF2B5EF4-FFF2-40B4-BE49-F238E27FC236}">
-                <a16:creationId xmlns:a16="http://schemas.microsoft.com/office/drawing/2014/main" id="{EDF11F7A-9E18-4E8A-8859-45597582EBB4}"/>
-              </a:ext>
-            </a:extLst>
-          </p:cNvPr>
-          <p:cNvSpPr>
-            <a:spLocks noGrp="1"/>
-          </p:cNvSpPr>
-          <p:nvPr>
-            <p:ph type="ftr" sz="quarter" idx="11"/>
-          </p:nvPr>
-        </p:nvSpPr>
-        <p:spPr/>
-        <p:txBody>
-          <a:bodyPr/>
-          <a:lstStyle/>
-          <a:p>
-            <a:endParaRPr lang="LID4096"/>
-          </a:p>
-        </p:txBody>
-      </p:sp>
-      <p:sp>
-        <p:nvSpPr>
-          <p:cNvPr id="5" name="Slide Number Placeholder 4">
-            <a:extLst>
-              <a:ext uri="{FF2B5EF4-FFF2-40B4-BE49-F238E27FC236}">
-                <a16:creationId xmlns:a16="http://schemas.microsoft.com/office/drawing/2014/main" id="{00312C1D-F620-4221-BEF3-F67DA968B4BD}"/>
-              </a:ext>
-            </a:extLst>
-          </p:cNvPr>
-          <p:cNvSpPr>
-            <a:spLocks noGrp="1"/>
-          </p:cNvSpPr>
-          <p:nvPr>
-            <p:ph type="sldNum" sz="quarter" idx="12"/>
-          </p:nvPr>
-        </p:nvSpPr>
-        <p:spPr/>
-        <p:txBody>
-          <a:bodyPr/>
-          <a:lstStyle/>
-          <a:p>
-            <a:fld id="{6A2EC358-29CC-4CD5-8D01-DEA7E6B69FAF}" type="slidenum">
-              <a:rPr lang="LID4096" smtClean="0"/>
-              <a:t>‹#›</a:t>
-            </a:fld>
-            <a:endParaRPr lang="LID4096"/>
-          </a:p>
-        </p:txBody>
-      </p:sp>
+          </a:blip>
+          <a:stretch>
+            <a:fillRect/>
+          </a:stretch>
+        </p:blipFill>
+        <p:spPr>
+          <a:xfrm>
+            <a:off x="7701294" y="6223093"/>
+            <a:ext cx="871656" cy="487640"/>
+          </a:xfrm>
+          <a:prstGeom prst="rect">
+            <a:avLst/>
+          </a:prstGeom>
+        </p:spPr>
+      </p:pic>
     </p:spTree>
     <p:extLst>
       <p:ext uri="{BB962C8B-B14F-4D97-AF65-F5344CB8AC3E}">
-        <p14:creationId xmlns:p14="http://schemas.microsoft.com/office/powerpoint/2010/main" val="406630531"/>
+        <p14:creationId xmlns:p14="http://schemas.microsoft.com/office/powerpoint/2010/main" val="2469118930"/>
       </p:ext>
     </p:extLst>
   </p:cSld>
@@ -2067,91 +2109,61 @@
       </p:grpSpPr>
       <p:sp>
         <p:nvSpPr>
-          <p:cNvPr id="2" name="Date Placeholder 1">
+          <p:cNvPr id="4" name="Slide Number Placeholder 3"/>
+          <p:cNvSpPr>
+            <a:spLocks noGrp="1"/>
+          </p:cNvSpPr>
+          <p:nvPr>
+            <p:ph type="sldNum" sz="quarter" idx="12"/>
+          </p:nvPr>
+        </p:nvSpPr>
+        <p:spPr/>
+        <p:txBody>
+          <a:bodyPr/>
+          <a:lstStyle/>
+          <a:p>
+            <a:fld id="{D57F1E4F-1CFF-5643-939E-02111984F565}" type="slidenum">
+              <a:rPr lang="en-US" smtClean="0"/>
+              <a:t>‹#›</a:t>
+            </a:fld>
+            <a:endParaRPr lang="en-US" dirty="0"/>
+          </a:p>
+        </p:txBody>
+      </p:sp>
+      <p:pic>
+        <p:nvPicPr>
+          <p:cNvPr id="5" name="Picture 4"/>
+          <p:cNvPicPr>
+            <a:picLocks noChangeAspect="1"/>
+          </p:cNvPicPr>
+          <p:nvPr userDrawn="1"/>
+        </p:nvPicPr>
+        <p:blipFill>
+          <a:blip r:embed="rId2">
             <a:extLst>
-              <a:ext uri="{FF2B5EF4-FFF2-40B4-BE49-F238E27FC236}">
-                <a16:creationId xmlns:a16="http://schemas.microsoft.com/office/drawing/2014/main" id="{D9F3C73E-95D5-4B5D-A25B-16BC094F246E}"/>
+              <a:ext uri="{28A0092B-C50C-407E-A947-70E740481C1C}">
+                <a14:useLocalDpi xmlns:a14="http://schemas.microsoft.com/office/drawing/2010/main" val="0"/>
               </a:ext>
             </a:extLst>
-          </p:cNvPr>
-          <p:cNvSpPr>
-            <a:spLocks noGrp="1"/>
-          </p:cNvSpPr>
-          <p:nvPr>
-            <p:ph type="dt" sz="half" idx="10"/>
-          </p:nvPr>
-        </p:nvSpPr>
-        <p:spPr/>
-        <p:txBody>
-          <a:bodyPr/>
-          <a:lstStyle/>
-          <a:p>
-            <a:fld id="{924820B4-05FC-4AC0-A29B-D4DEC54FF1ED}" type="datetimeFigureOut">
-              <a:rPr lang="LID4096" smtClean="0"/>
-              <a:t>02/21/2018</a:t>
-            </a:fld>
-            <a:endParaRPr lang="LID4096"/>
-          </a:p>
-        </p:txBody>
-      </p:sp>
-      <p:sp>
-        <p:nvSpPr>
-          <p:cNvPr id="3" name="Footer Placeholder 2">
-            <a:extLst>
-              <a:ext uri="{FF2B5EF4-FFF2-40B4-BE49-F238E27FC236}">
-                <a16:creationId xmlns:a16="http://schemas.microsoft.com/office/drawing/2014/main" id="{9A24C0BC-2C15-44BE-B059-2A87D304B48B}"/>
-              </a:ext>
-            </a:extLst>
-          </p:cNvPr>
-          <p:cNvSpPr>
-            <a:spLocks noGrp="1"/>
-          </p:cNvSpPr>
-          <p:nvPr>
-            <p:ph type="ftr" sz="quarter" idx="11"/>
-          </p:nvPr>
-        </p:nvSpPr>
-        <p:spPr/>
-        <p:txBody>
-          <a:bodyPr/>
-          <a:lstStyle/>
-          <a:p>
-            <a:endParaRPr lang="LID4096"/>
-          </a:p>
-        </p:txBody>
-      </p:sp>
-      <p:sp>
-        <p:nvSpPr>
-          <p:cNvPr id="4" name="Slide Number Placeholder 3">
-            <a:extLst>
-              <a:ext uri="{FF2B5EF4-FFF2-40B4-BE49-F238E27FC236}">
-                <a16:creationId xmlns:a16="http://schemas.microsoft.com/office/drawing/2014/main" id="{AAFF4962-786D-4388-A38F-D15AE3D10610}"/>
-              </a:ext>
-            </a:extLst>
-          </p:cNvPr>
-          <p:cNvSpPr>
-            <a:spLocks noGrp="1"/>
-          </p:cNvSpPr>
-          <p:nvPr>
-            <p:ph type="sldNum" sz="quarter" idx="12"/>
-          </p:nvPr>
-        </p:nvSpPr>
-        <p:spPr/>
-        <p:txBody>
-          <a:bodyPr/>
-          <a:lstStyle/>
-          <a:p>
-            <a:fld id="{6A2EC358-29CC-4CD5-8D01-DEA7E6B69FAF}" type="slidenum">
-              <a:rPr lang="LID4096" smtClean="0"/>
-              <a:t>‹#›</a:t>
-            </a:fld>
-            <a:endParaRPr lang="LID4096"/>
-          </a:p>
-        </p:txBody>
-      </p:sp>
+          </a:blip>
+          <a:stretch>
+            <a:fillRect/>
+          </a:stretch>
+        </p:blipFill>
+        <p:spPr>
+          <a:xfrm>
+            <a:off x="7701294" y="6223093"/>
+            <a:ext cx="871656" cy="487640"/>
+          </a:xfrm>
+          <a:prstGeom prst="rect">
+            <a:avLst/>
+          </a:prstGeom>
+        </p:spPr>
+      </p:pic>
     </p:spTree>
     <p:extLst>
       <p:ext uri="{BB962C8B-B14F-4D97-AF65-F5344CB8AC3E}">
-        <p14:creationId xmlns:p14="http://schemas.microsoft.com/office/powerpoint/2010/main" val="4203927030"/>
+        <p14:creationId xmlns:p14="http://schemas.microsoft.com/office/powerpoint/2010/main" val="2591444656"/>
       </p:ext>
     </p:extLst>
   </p:cSld>
@@ -2180,13 +2192,7 @@
       </p:grpSpPr>
       <p:sp>
         <p:nvSpPr>
-          <p:cNvPr id="2" name="Title 1">
-            <a:extLst>
-              <a:ext uri="{FF2B5EF4-FFF2-40B4-BE49-F238E27FC236}">
-                <a16:creationId xmlns:a16="http://schemas.microsoft.com/office/drawing/2014/main" id="{D52F3CE1-0903-4780-B6FB-3D827458DB71}"/>
-              </a:ext>
-            </a:extLst>
-          </p:cNvPr>
+          <p:cNvPr id="2" name="Title 1"/>
           <p:cNvSpPr>
             <a:spLocks noGrp="1"/>
           </p:cNvSpPr>
@@ -2196,8 +2202,8 @@
         </p:nvSpPr>
         <p:spPr>
           <a:xfrm>
-            <a:off x="839788" y="457200"/>
-            <a:ext cx="3932237" cy="1600200"/>
+            <a:off x="629841" y="457200"/>
+            <a:ext cx="2949178" cy="1600200"/>
           </a:xfrm>
         </p:spPr>
         <p:txBody>
@@ -2209,22 +2215,16 @@
           </a:lstStyle>
           <a:p>
             <a:r>
-              <a:rPr lang="en-US"/>
+              <a:rPr lang="en-US" smtClean="0"/>
               <a:t>Click to edit Master title style</a:t>
             </a:r>
-            <a:endParaRPr lang="LID4096"/>
-          </a:p>
-        </p:txBody>
-      </p:sp>
-      <p:sp>
-        <p:nvSpPr>
-          <p:cNvPr id="3" name="Content Placeholder 2">
-            <a:extLst>
-              <a:ext uri="{FF2B5EF4-FFF2-40B4-BE49-F238E27FC236}">
-                <a16:creationId xmlns:a16="http://schemas.microsoft.com/office/drawing/2014/main" id="{402AB414-75B0-4F60-9CBC-E24A0D408853}"/>
-              </a:ext>
-            </a:extLst>
-          </p:cNvPr>
+            <a:endParaRPr lang="en-US" dirty="0"/>
+          </a:p>
+        </p:txBody>
+      </p:sp>
+      <p:sp>
+        <p:nvSpPr>
+          <p:cNvPr id="3" name="Content Placeholder 2"/>
           <p:cNvSpPr>
             <a:spLocks noGrp="1"/>
           </p:cNvSpPr>
@@ -2234,8 +2234,8 @@
         </p:nvSpPr>
         <p:spPr>
           <a:xfrm>
-            <a:off x="5183188" y="987425"/>
-            <a:ext cx="6172200" cy="4873625"/>
+            <a:off x="3887391" y="987426"/>
+            <a:ext cx="4629150" cy="4873625"/>
           </a:xfrm>
         </p:spPr>
         <p:txBody>
@@ -2272,50 +2272,44 @@
           <a:p>
             <a:pPr lvl="0"/>
             <a:r>
-              <a:rPr lang="en-US"/>
+              <a:rPr lang="en-US" smtClean="0"/>
               <a:t>Edit Master text styles</a:t>
             </a:r>
           </a:p>
           <a:p>
             <a:pPr lvl="1"/>
             <a:r>
-              <a:rPr lang="en-US"/>
+              <a:rPr lang="en-US" smtClean="0"/>
               <a:t>Second level</a:t>
             </a:r>
           </a:p>
           <a:p>
             <a:pPr lvl="2"/>
             <a:r>
-              <a:rPr lang="en-US"/>
+              <a:rPr lang="en-US" smtClean="0"/>
               <a:t>Third level</a:t>
             </a:r>
           </a:p>
           <a:p>
             <a:pPr lvl="3"/>
             <a:r>
-              <a:rPr lang="en-US"/>
+              <a:rPr lang="en-US" smtClean="0"/>
               <a:t>Fourth level</a:t>
             </a:r>
           </a:p>
           <a:p>
             <a:pPr lvl="4"/>
             <a:r>
-              <a:rPr lang="en-US"/>
+              <a:rPr lang="en-US" smtClean="0"/>
               <a:t>Fifth level</a:t>
             </a:r>
-            <a:endParaRPr lang="LID4096"/>
-          </a:p>
-        </p:txBody>
-      </p:sp>
-      <p:sp>
-        <p:nvSpPr>
-          <p:cNvPr id="4" name="Text Placeholder 3">
-            <a:extLst>
-              <a:ext uri="{FF2B5EF4-FFF2-40B4-BE49-F238E27FC236}">
-                <a16:creationId xmlns:a16="http://schemas.microsoft.com/office/drawing/2014/main" id="{B6370E5B-4843-4911-ACDA-CC60972CB1CE}"/>
-              </a:ext>
-            </a:extLst>
-          </p:cNvPr>
+            <a:endParaRPr lang="en-US" dirty="0"/>
+          </a:p>
+        </p:txBody>
+      </p:sp>
+      <p:sp>
+        <p:nvSpPr>
+          <p:cNvPr id="4" name="Text Placeholder 3"/>
           <p:cNvSpPr>
             <a:spLocks noGrp="1"/>
           </p:cNvSpPr>
@@ -2325,8 +2319,8 @@
         </p:nvSpPr>
         <p:spPr>
           <a:xfrm>
-            <a:off x="839788" y="2057400"/>
-            <a:ext cx="3932237" cy="3811588"/>
+            <a:off x="629841" y="2057400"/>
+            <a:ext cx="2949178" cy="3811588"/>
           </a:xfrm>
         </p:spPr>
         <p:txBody>
@@ -2372,7 +2366,7 @@
           <a:p>
             <a:pPr lvl="0"/>
             <a:r>
-              <a:rPr lang="en-US"/>
+              <a:rPr lang="en-US" smtClean="0"/>
               <a:t>Edit Master text styles</a:t>
             </a:r>
           </a:p>
@@ -2380,91 +2374,61 @@
       </p:sp>
       <p:sp>
         <p:nvSpPr>
-          <p:cNvPr id="5" name="Date Placeholder 4">
+          <p:cNvPr id="7" name="Slide Number Placeholder 6"/>
+          <p:cNvSpPr>
+            <a:spLocks noGrp="1"/>
+          </p:cNvSpPr>
+          <p:nvPr>
+            <p:ph type="sldNum" sz="quarter" idx="12"/>
+          </p:nvPr>
+        </p:nvSpPr>
+        <p:spPr/>
+        <p:txBody>
+          <a:bodyPr/>
+          <a:lstStyle/>
+          <a:p>
+            <a:fld id="{D57F1E4F-1CFF-5643-939E-02111984F565}" type="slidenum">
+              <a:rPr lang="en-US" smtClean="0"/>
+              <a:t>‹#›</a:t>
+            </a:fld>
+            <a:endParaRPr lang="en-US" dirty="0"/>
+          </a:p>
+        </p:txBody>
+      </p:sp>
+      <p:pic>
+        <p:nvPicPr>
+          <p:cNvPr id="8" name="Picture 7"/>
+          <p:cNvPicPr>
+            <a:picLocks noChangeAspect="1"/>
+          </p:cNvPicPr>
+          <p:nvPr userDrawn="1"/>
+        </p:nvPicPr>
+        <p:blipFill>
+          <a:blip r:embed="rId2">
             <a:extLst>
-              <a:ext uri="{FF2B5EF4-FFF2-40B4-BE49-F238E27FC236}">
-                <a16:creationId xmlns:a16="http://schemas.microsoft.com/office/drawing/2014/main" id="{53F197AD-8367-4B4D-9EA0-8581BFC7053F}"/>
+              <a:ext uri="{28A0092B-C50C-407E-A947-70E740481C1C}">
+                <a14:useLocalDpi xmlns:a14="http://schemas.microsoft.com/office/drawing/2010/main" val="0"/>
               </a:ext>
             </a:extLst>
-          </p:cNvPr>
-          <p:cNvSpPr>
-            <a:spLocks noGrp="1"/>
-          </p:cNvSpPr>
-          <p:nvPr>
-            <p:ph type="dt" sz="half" idx="10"/>
-          </p:nvPr>
-        </p:nvSpPr>
-        <p:spPr/>
-        <p:txBody>
-          <a:bodyPr/>
-          <a:lstStyle/>
-          <a:p>
-            <a:fld id="{924820B4-05FC-4AC0-A29B-D4DEC54FF1ED}" type="datetimeFigureOut">
-              <a:rPr lang="LID4096" smtClean="0"/>
-              <a:t>02/21/2018</a:t>
-            </a:fld>
-            <a:endParaRPr lang="LID4096"/>
-          </a:p>
-        </p:txBody>
-      </p:sp>
-      <p:sp>
-        <p:nvSpPr>
-          <p:cNvPr id="6" name="Footer Placeholder 5">
-            <a:extLst>
-              <a:ext uri="{FF2B5EF4-FFF2-40B4-BE49-F238E27FC236}">
-                <a16:creationId xmlns:a16="http://schemas.microsoft.com/office/drawing/2014/main" id="{6E0C18DA-CB8A-47B3-AEBF-EE8D3203C83D}"/>
-              </a:ext>
-            </a:extLst>
-          </p:cNvPr>
-          <p:cNvSpPr>
-            <a:spLocks noGrp="1"/>
-          </p:cNvSpPr>
-          <p:nvPr>
-            <p:ph type="ftr" sz="quarter" idx="11"/>
-          </p:nvPr>
-        </p:nvSpPr>
-        <p:spPr/>
-        <p:txBody>
-          <a:bodyPr/>
-          <a:lstStyle/>
-          <a:p>
-            <a:endParaRPr lang="LID4096"/>
-          </a:p>
-        </p:txBody>
-      </p:sp>
-      <p:sp>
-        <p:nvSpPr>
-          <p:cNvPr id="7" name="Slide Number Placeholder 6">
-            <a:extLst>
-              <a:ext uri="{FF2B5EF4-FFF2-40B4-BE49-F238E27FC236}">
-                <a16:creationId xmlns:a16="http://schemas.microsoft.com/office/drawing/2014/main" id="{E00BC49B-49F9-4A89-90A9-DF5335A01954}"/>
-              </a:ext>
-            </a:extLst>
-          </p:cNvPr>
-          <p:cNvSpPr>
-            <a:spLocks noGrp="1"/>
-          </p:cNvSpPr>
-          <p:nvPr>
-            <p:ph type="sldNum" sz="quarter" idx="12"/>
-          </p:nvPr>
-        </p:nvSpPr>
-        <p:spPr/>
-        <p:txBody>
-          <a:bodyPr/>
-          <a:lstStyle/>
-          <a:p>
-            <a:fld id="{6A2EC358-29CC-4CD5-8D01-DEA7E6B69FAF}" type="slidenum">
-              <a:rPr lang="LID4096" smtClean="0"/>
-              <a:t>‹#›</a:t>
-            </a:fld>
-            <a:endParaRPr lang="LID4096"/>
-          </a:p>
-        </p:txBody>
-      </p:sp>
+          </a:blip>
+          <a:stretch>
+            <a:fillRect/>
+          </a:stretch>
+        </p:blipFill>
+        <p:spPr>
+          <a:xfrm>
+            <a:off x="7701294" y="6223093"/>
+            <a:ext cx="871656" cy="487640"/>
+          </a:xfrm>
+          <a:prstGeom prst="rect">
+            <a:avLst/>
+          </a:prstGeom>
+        </p:spPr>
+      </p:pic>
     </p:spTree>
     <p:extLst>
       <p:ext uri="{BB962C8B-B14F-4D97-AF65-F5344CB8AC3E}">
-        <p14:creationId xmlns:p14="http://schemas.microsoft.com/office/powerpoint/2010/main" val="3690925146"/>
+        <p14:creationId xmlns:p14="http://schemas.microsoft.com/office/powerpoint/2010/main" val="1700707296"/>
       </p:ext>
     </p:extLst>
   </p:cSld>
@@ -2493,13 +2457,7 @@
       </p:grpSpPr>
       <p:sp>
         <p:nvSpPr>
-          <p:cNvPr id="2" name="Title 1">
-            <a:extLst>
-              <a:ext uri="{FF2B5EF4-FFF2-40B4-BE49-F238E27FC236}">
-                <a16:creationId xmlns:a16="http://schemas.microsoft.com/office/drawing/2014/main" id="{5B562E6F-4DF8-4B12-A423-F948EEA3D78E}"/>
-              </a:ext>
-            </a:extLst>
-          </p:cNvPr>
+          <p:cNvPr id="2" name="Title 1"/>
           <p:cNvSpPr>
             <a:spLocks noGrp="1"/>
           </p:cNvSpPr>
@@ -2509,8 +2467,8 @@
         </p:nvSpPr>
         <p:spPr>
           <a:xfrm>
-            <a:off x="839788" y="457200"/>
-            <a:ext cx="3932237" cy="1600200"/>
+            <a:off x="629841" y="457200"/>
+            <a:ext cx="2949178" cy="1600200"/>
           </a:xfrm>
         </p:spPr>
         <p:txBody>
@@ -2522,24 +2480,18 @@
           </a:lstStyle>
           <a:p>
             <a:r>
-              <a:rPr lang="en-US"/>
+              <a:rPr lang="en-US" smtClean="0"/>
               <a:t>Click to edit Master title style</a:t>
             </a:r>
-            <a:endParaRPr lang="LID4096"/>
-          </a:p>
-        </p:txBody>
-      </p:sp>
-      <p:sp>
-        <p:nvSpPr>
-          <p:cNvPr id="3" name="Picture Placeholder 2">
-            <a:extLst>
-              <a:ext uri="{FF2B5EF4-FFF2-40B4-BE49-F238E27FC236}">
-                <a16:creationId xmlns:a16="http://schemas.microsoft.com/office/drawing/2014/main" id="{D52F0E73-0F85-40FF-BD38-9DF8578DB38F}"/>
-              </a:ext>
-            </a:extLst>
-          </p:cNvPr>
-          <p:cNvSpPr>
-            <a:spLocks noGrp="1"/>
+            <a:endParaRPr lang="en-US" dirty="0"/>
+          </a:p>
+        </p:txBody>
+      </p:sp>
+      <p:sp>
+        <p:nvSpPr>
+          <p:cNvPr id="3" name="Picture Placeholder 2"/>
+          <p:cNvSpPr>
+            <a:spLocks noGrp="1" noChangeAspect="1"/>
           </p:cNvSpPr>
           <p:nvPr>
             <p:ph type="pic" idx="1"/>
@@ -2547,8 +2499,73 @@
         </p:nvSpPr>
         <p:spPr>
           <a:xfrm>
-            <a:off x="5183188" y="987425"/>
-            <a:ext cx="6172200" cy="4873625"/>
+            <a:off x="3887391" y="987426"/>
+            <a:ext cx="4629150" cy="4873625"/>
+          </a:xfrm>
+        </p:spPr>
+        <p:txBody>
+          <a:bodyPr anchor="t"/>
+          <a:lstStyle>
+            <a:lvl1pPr marL="0" indent="0">
+              <a:buNone/>
+              <a:defRPr sz="3200"/>
+            </a:lvl1pPr>
+            <a:lvl2pPr marL="457200" indent="0">
+              <a:buNone/>
+              <a:defRPr sz="2800"/>
+            </a:lvl2pPr>
+            <a:lvl3pPr marL="914400" indent="0">
+              <a:buNone/>
+              <a:defRPr sz="2400"/>
+            </a:lvl3pPr>
+            <a:lvl4pPr marL="1371600" indent="0">
+              <a:buNone/>
+              <a:defRPr sz="2000"/>
+            </a:lvl4pPr>
+            <a:lvl5pPr marL="1828800" indent="0">
+              <a:buNone/>
+              <a:defRPr sz="2000"/>
+            </a:lvl5pPr>
+            <a:lvl6pPr marL="2286000" indent="0">
+              <a:buNone/>
+              <a:defRPr sz="2000"/>
+            </a:lvl6pPr>
+            <a:lvl7pPr marL="2743200" indent="0">
+              <a:buNone/>
+              <a:defRPr sz="2000"/>
+            </a:lvl7pPr>
+            <a:lvl8pPr marL="3200400" indent="0">
+              <a:buNone/>
+              <a:defRPr sz="2000"/>
+            </a:lvl8pPr>
+            <a:lvl9pPr marL="3657600" indent="0">
+              <a:buNone/>
+              <a:defRPr sz="2000"/>
+            </a:lvl9pPr>
+          </a:lstStyle>
+          <a:p>
+            <a:r>
+              <a:rPr lang="en-US" smtClean="0"/>
+              <a:t>Click icon to add picture</a:t>
+            </a:r>
+            <a:endParaRPr lang="en-US" dirty="0"/>
+          </a:p>
+        </p:txBody>
+      </p:sp>
+      <p:sp>
+        <p:nvSpPr>
+          <p:cNvPr id="4" name="Text Placeholder 3"/>
+          <p:cNvSpPr>
+            <a:spLocks noGrp="1"/>
+          </p:cNvSpPr>
+          <p:nvPr>
+            <p:ph type="body" sz="half" idx="2"/>
+          </p:nvPr>
+        </p:nvSpPr>
+        <p:spPr>
+          <a:xfrm>
+            <a:off x="629841" y="2057400"/>
+            <a:ext cx="2949178" cy="3811588"/>
           </a:xfrm>
         </p:spPr>
         <p:txBody>
@@ -2556,73 +2573,6 @@
           <a:lstStyle>
             <a:lvl1pPr marL="0" indent="0">
               <a:buNone/>
-              <a:defRPr sz="3200"/>
-            </a:lvl1pPr>
-            <a:lvl2pPr marL="457200" indent="0">
-              <a:buNone/>
-              <a:defRPr sz="2800"/>
-            </a:lvl2pPr>
-            <a:lvl3pPr marL="914400" indent="0">
-              <a:buNone/>
-              <a:defRPr sz="2400"/>
-            </a:lvl3pPr>
-            <a:lvl4pPr marL="1371600" indent="0">
-              <a:buNone/>
-              <a:defRPr sz="2000"/>
-            </a:lvl4pPr>
-            <a:lvl5pPr marL="1828800" indent="0">
-              <a:buNone/>
-              <a:defRPr sz="2000"/>
-            </a:lvl5pPr>
-            <a:lvl6pPr marL="2286000" indent="0">
-              <a:buNone/>
-              <a:defRPr sz="2000"/>
-            </a:lvl6pPr>
-            <a:lvl7pPr marL="2743200" indent="0">
-              <a:buNone/>
-              <a:defRPr sz="2000"/>
-            </a:lvl7pPr>
-            <a:lvl8pPr marL="3200400" indent="0">
-              <a:buNone/>
-              <a:defRPr sz="2000"/>
-            </a:lvl8pPr>
-            <a:lvl9pPr marL="3657600" indent="0">
-              <a:buNone/>
-              <a:defRPr sz="2000"/>
-            </a:lvl9pPr>
-          </a:lstStyle>
-          <a:p>
-            <a:endParaRPr lang="LID4096"/>
-          </a:p>
-        </p:txBody>
-      </p:sp>
-      <p:sp>
-        <p:nvSpPr>
-          <p:cNvPr id="4" name="Text Placeholder 3">
-            <a:extLst>
-              <a:ext uri="{FF2B5EF4-FFF2-40B4-BE49-F238E27FC236}">
-                <a16:creationId xmlns:a16="http://schemas.microsoft.com/office/drawing/2014/main" id="{71BF3F84-1C4D-48A6-B7B7-88DA1D25367B}"/>
-              </a:ext>
-            </a:extLst>
-          </p:cNvPr>
-          <p:cNvSpPr>
-            <a:spLocks noGrp="1"/>
-          </p:cNvSpPr>
-          <p:nvPr>
-            <p:ph type="body" sz="half" idx="2"/>
-          </p:nvPr>
-        </p:nvSpPr>
-        <p:spPr>
-          <a:xfrm>
-            <a:off x="839788" y="2057400"/>
-            <a:ext cx="3932237" cy="3811588"/>
-          </a:xfrm>
-        </p:spPr>
-        <p:txBody>
-          <a:bodyPr/>
-          <a:lstStyle>
-            <a:lvl1pPr marL="0" indent="0">
-              <a:buNone/>
               <a:defRPr sz="1600"/>
             </a:lvl1pPr>
             <a:lvl2pPr marL="457200" indent="0">
@@ -2661,7 +2611,7 @@
           <a:p>
             <a:pPr lvl="0"/>
             <a:r>
-              <a:rPr lang="en-US"/>
+              <a:rPr lang="en-US" smtClean="0"/>
               <a:t>Edit Master text styles</a:t>
             </a:r>
           </a:p>
@@ -2669,91 +2619,61 @@
       </p:sp>
       <p:sp>
         <p:nvSpPr>
-          <p:cNvPr id="5" name="Date Placeholder 4">
+          <p:cNvPr id="7" name="Slide Number Placeholder 6"/>
+          <p:cNvSpPr>
+            <a:spLocks noGrp="1"/>
+          </p:cNvSpPr>
+          <p:nvPr>
+            <p:ph type="sldNum" sz="quarter" idx="12"/>
+          </p:nvPr>
+        </p:nvSpPr>
+        <p:spPr/>
+        <p:txBody>
+          <a:bodyPr/>
+          <a:lstStyle/>
+          <a:p>
+            <a:fld id="{D57F1E4F-1CFF-5643-939E-02111984F565}" type="slidenum">
+              <a:rPr lang="en-US" smtClean="0"/>
+              <a:t>‹#›</a:t>
+            </a:fld>
+            <a:endParaRPr lang="en-US" dirty="0"/>
+          </a:p>
+        </p:txBody>
+      </p:sp>
+      <p:pic>
+        <p:nvPicPr>
+          <p:cNvPr id="8" name="Picture 7"/>
+          <p:cNvPicPr>
+            <a:picLocks noChangeAspect="1"/>
+          </p:cNvPicPr>
+          <p:nvPr userDrawn="1"/>
+        </p:nvPicPr>
+        <p:blipFill>
+          <a:blip r:embed="rId2">
             <a:extLst>
-              <a:ext uri="{FF2B5EF4-FFF2-40B4-BE49-F238E27FC236}">
-                <a16:creationId xmlns:a16="http://schemas.microsoft.com/office/drawing/2014/main" id="{C5642B35-0AB4-46E8-AE3E-0AA75437992E}"/>
+              <a:ext uri="{28A0092B-C50C-407E-A947-70E740481C1C}">
+                <a14:useLocalDpi xmlns:a14="http://schemas.microsoft.com/office/drawing/2010/main" val="0"/>
               </a:ext>
             </a:extLst>
-          </p:cNvPr>
-          <p:cNvSpPr>
-            <a:spLocks noGrp="1"/>
-          </p:cNvSpPr>
-          <p:nvPr>
-            <p:ph type="dt" sz="half" idx="10"/>
-          </p:nvPr>
-        </p:nvSpPr>
-        <p:spPr/>
-        <p:txBody>
-          <a:bodyPr/>
-          <a:lstStyle/>
-          <a:p>
-            <a:fld id="{924820B4-05FC-4AC0-A29B-D4DEC54FF1ED}" type="datetimeFigureOut">
-              <a:rPr lang="LID4096" smtClean="0"/>
-              <a:t>02/21/2018</a:t>
-            </a:fld>
-            <a:endParaRPr lang="LID4096"/>
-          </a:p>
-        </p:txBody>
-      </p:sp>
-      <p:sp>
-        <p:nvSpPr>
-          <p:cNvPr id="6" name="Footer Placeholder 5">
-            <a:extLst>
-              <a:ext uri="{FF2B5EF4-FFF2-40B4-BE49-F238E27FC236}">
-                <a16:creationId xmlns:a16="http://schemas.microsoft.com/office/drawing/2014/main" id="{DEE5463A-98A6-4DDE-8CD5-1BD550F4DF30}"/>
-              </a:ext>
-            </a:extLst>
-          </p:cNvPr>
-          <p:cNvSpPr>
-            <a:spLocks noGrp="1"/>
-          </p:cNvSpPr>
-          <p:nvPr>
-            <p:ph type="ftr" sz="quarter" idx="11"/>
-          </p:nvPr>
-        </p:nvSpPr>
-        <p:spPr/>
-        <p:txBody>
-          <a:bodyPr/>
-          <a:lstStyle/>
-          <a:p>
-            <a:endParaRPr lang="LID4096"/>
-          </a:p>
-        </p:txBody>
-      </p:sp>
-      <p:sp>
-        <p:nvSpPr>
-          <p:cNvPr id="7" name="Slide Number Placeholder 6">
-            <a:extLst>
-              <a:ext uri="{FF2B5EF4-FFF2-40B4-BE49-F238E27FC236}">
-                <a16:creationId xmlns:a16="http://schemas.microsoft.com/office/drawing/2014/main" id="{93B937F5-96D6-4601-A353-14BFBE973F41}"/>
-              </a:ext>
-            </a:extLst>
-          </p:cNvPr>
-          <p:cNvSpPr>
-            <a:spLocks noGrp="1"/>
-          </p:cNvSpPr>
-          <p:nvPr>
-            <p:ph type="sldNum" sz="quarter" idx="12"/>
-          </p:nvPr>
-        </p:nvSpPr>
-        <p:spPr/>
-        <p:txBody>
-          <a:bodyPr/>
-          <a:lstStyle/>
-          <a:p>
-            <a:fld id="{6A2EC358-29CC-4CD5-8D01-DEA7E6B69FAF}" type="slidenum">
-              <a:rPr lang="LID4096" smtClean="0"/>
-              <a:t>‹#›</a:t>
-            </a:fld>
-            <a:endParaRPr lang="LID4096"/>
-          </a:p>
-        </p:txBody>
-      </p:sp>
+          </a:blip>
+          <a:stretch>
+            <a:fillRect/>
+          </a:stretch>
+        </p:blipFill>
+        <p:spPr>
+          <a:xfrm>
+            <a:off x="7701294" y="6223093"/>
+            <a:ext cx="871656" cy="487640"/>
+          </a:xfrm>
+          <a:prstGeom prst="rect">
+            <a:avLst/>
+          </a:prstGeom>
+        </p:spPr>
+      </p:pic>
     </p:spTree>
     <p:extLst>
       <p:ext uri="{BB962C8B-B14F-4D97-AF65-F5344CB8AC3E}">
-        <p14:creationId xmlns:p14="http://schemas.microsoft.com/office/powerpoint/2010/main" val="2746984788"/>
+        <p14:creationId xmlns:p14="http://schemas.microsoft.com/office/powerpoint/2010/main" val="2956386098"/>
       </p:ext>
     </p:extLst>
   </p:cSld>
@@ -2787,13 +2707,7 @@
       </p:grpSpPr>
       <p:sp>
         <p:nvSpPr>
-          <p:cNvPr id="2" name="Title Placeholder 1">
-            <a:extLst>
-              <a:ext uri="{FF2B5EF4-FFF2-40B4-BE49-F238E27FC236}">
-                <a16:creationId xmlns:a16="http://schemas.microsoft.com/office/drawing/2014/main" id="{80ED41C9-060D-4F2A-A159-A07FC2885E4F}"/>
-              </a:ext>
-            </a:extLst>
-          </p:cNvPr>
+          <p:cNvPr id="2" name="Title Placeholder 1"/>
           <p:cNvSpPr>
             <a:spLocks noGrp="1"/>
           </p:cNvSpPr>
@@ -2803,8 +2717,8 @@
         </p:nvSpPr>
         <p:spPr>
           <a:xfrm>
-            <a:off x="838200" y="365125"/>
-            <a:ext cx="10515600" cy="1325563"/>
+            <a:off x="628650" y="365126"/>
+            <a:ext cx="7886700" cy="1325563"/>
           </a:xfrm>
           <a:prstGeom prst="rect">
             <a:avLst/>
@@ -2817,22 +2731,16 @@
           <a:lstStyle/>
           <a:p>
             <a:r>
-              <a:rPr lang="en-US"/>
+              <a:rPr lang="en-US" smtClean="0"/>
               <a:t>Click to edit Master title style</a:t>
             </a:r>
-            <a:endParaRPr lang="LID4096"/>
-          </a:p>
-        </p:txBody>
-      </p:sp>
-      <p:sp>
-        <p:nvSpPr>
-          <p:cNvPr id="3" name="Text Placeholder 2">
-            <a:extLst>
-              <a:ext uri="{FF2B5EF4-FFF2-40B4-BE49-F238E27FC236}">
-                <a16:creationId xmlns:a16="http://schemas.microsoft.com/office/drawing/2014/main" id="{EC587B05-5CEC-4DC5-A151-60A4EB81988D}"/>
-              </a:ext>
-            </a:extLst>
-          </p:cNvPr>
+            <a:endParaRPr lang="en-US" dirty="0"/>
+          </a:p>
+        </p:txBody>
+      </p:sp>
+      <p:sp>
+        <p:nvSpPr>
+          <p:cNvPr id="3" name="Text Placeholder 2"/>
           <p:cNvSpPr>
             <a:spLocks noGrp="1"/>
           </p:cNvSpPr>
@@ -2842,8 +2750,8 @@
         </p:nvSpPr>
         <p:spPr>
           <a:xfrm>
-            <a:off x="838200" y="1825625"/>
-            <a:ext cx="10515600" cy="4351338"/>
+            <a:off x="628650" y="1825625"/>
+            <a:ext cx="7886700" cy="4351338"/>
           </a:xfrm>
           <a:prstGeom prst="rect">
             <a:avLst/>
@@ -2857,61 +2765,55 @@
           <a:p>
             <a:pPr lvl="0"/>
             <a:r>
-              <a:rPr lang="en-US"/>
+              <a:rPr lang="en-US" smtClean="0"/>
               <a:t>Edit Master text styles</a:t>
             </a:r>
           </a:p>
           <a:p>
             <a:pPr lvl="1"/>
             <a:r>
-              <a:rPr lang="en-US"/>
+              <a:rPr lang="en-US" smtClean="0"/>
               <a:t>Second level</a:t>
             </a:r>
           </a:p>
           <a:p>
             <a:pPr lvl="2"/>
             <a:r>
-              <a:rPr lang="en-US"/>
+              <a:rPr lang="en-US" smtClean="0"/>
               <a:t>Third level</a:t>
             </a:r>
           </a:p>
           <a:p>
             <a:pPr lvl="3"/>
             <a:r>
-              <a:rPr lang="en-US"/>
+              <a:rPr lang="en-US" smtClean="0"/>
               <a:t>Fourth level</a:t>
             </a:r>
           </a:p>
           <a:p>
             <a:pPr lvl="4"/>
             <a:r>
-              <a:rPr lang="en-US"/>
+              <a:rPr lang="en-US" smtClean="0"/>
               <a:t>Fifth level</a:t>
             </a:r>
-            <a:endParaRPr lang="LID4096"/>
-          </a:p>
-        </p:txBody>
-      </p:sp>
-      <p:sp>
-        <p:nvSpPr>
-          <p:cNvPr id="4" name="Date Placeholder 3">
-            <a:extLst>
-              <a:ext uri="{FF2B5EF4-FFF2-40B4-BE49-F238E27FC236}">
-                <a16:creationId xmlns:a16="http://schemas.microsoft.com/office/drawing/2014/main" id="{6B95B05B-11D6-4BF4-A581-C4570CAEBA23}"/>
-              </a:ext>
-            </a:extLst>
-          </p:cNvPr>
-          <p:cNvSpPr>
-            <a:spLocks noGrp="1"/>
-          </p:cNvSpPr>
-          <p:nvPr>
-            <p:ph type="dt" sz="half" idx="2"/>
+            <a:endParaRPr lang="en-US" dirty="0"/>
+          </a:p>
+        </p:txBody>
+      </p:sp>
+      <p:sp>
+        <p:nvSpPr>
+          <p:cNvPr id="6" name="Slide Number Placeholder 5"/>
+          <p:cNvSpPr>
+            <a:spLocks noGrp="1"/>
+          </p:cNvSpPr>
+          <p:nvPr>
+            <p:ph type="sldNum" sz="quarter" idx="4"/>
           </p:nvPr>
         </p:nvSpPr>
         <p:spPr>
           <a:xfrm>
-            <a:off x="838200" y="6356350"/>
-            <a:ext cx="2743200" cy="365125"/>
+            <a:off x="628650" y="6356351"/>
+            <a:ext cx="2057400" cy="365125"/>
           </a:xfrm>
           <a:prstGeom prst="rect">
             <a:avLst/>
@@ -2931,125 +2833,37 @@
             </a:lvl1pPr>
           </a:lstStyle>
           <a:p>
-            <a:fld id="{924820B4-05FC-4AC0-A29B-D4DEC54FF1ED}" type="datetimeFigureOut">
-              <a:rPr lang="LID4096" smtClean="0"/>
-              <a:t>02/21/2018</a:t>
-            </a:fld>
-            <a:endParaRPr lang="LID4096"/>
-          </a:p>
-        </p:txBody>
-      </p:sp>
-      <p:sp>
-        <p:nvSpPr>
-          <p:cNvPr id="5" name="Footer Placeholder 4">
-            <a:extLst>
-              <a:ext uri="{FF2B5EF4-FFF2-40B4-BE49-F238E27FC236}">
-                <a16:creationId xmlns:a16="http://schemas.microsoft.com/office/drawing/2014/main" id="{EA731E34-D548-48CA-B1AB-4CEA0D84680E}"/>
-              </a:ext>
-            </a:extLst>
-          </p:cNvPr>
-          <p:cNvSpPr>
-            <a:spLocks noGrp="1"/>
-          </p:cNvSpPr>
-          <p:nvPr>
-            <p:ph type="ftr" sz="quarter" idx="3"/>
-          </p:nvPr>
-        </p:nvSpPr>
-        <p:spPr>
-          <a:xfrm>
-            <a:off x="4038600" y="6356350"/>
-            <a:ext cx="4114800" cy="365125"/>
-          </a:xfrm>
-          <a:prstGeom prst="rect">
-            <a:avLst/>
-          </a:prstGeom>
-        </p:spPr>
-        <p:txBody>
-          <a:bodyPr vert="horz" lIns="91440" tIns="45720" rIns="91440" bIns="45720" rtlCol="0" anchor="ctr"/>
-          <a:lstStyle>
-            <a:lvl1pPr algn="ctr">
-              <a:defRPr sz="1200">
-                <a:solidFill>
-                  <a:schemeClr val="tx1">
-                    <a:tint val="75000"/>
-                  </a:schemeClr>
-                </a:solidFill>
-              </a:defRPr>
-            </a:lvl1pPr>
-          </a:lstStyle>
-          <a:p>
-            <a:endParaRPr lang="LID4096"/>
-          </a:p>
-        </p:txBody>
-      </p:sp>
-      <p:sp>
-        <p:nvSpPr>
-          <p:cNvPr id="6" name="Slide Number Placeholder 5">
-            <a:extLst>
-              <a:ext uri="{FF2B5EF4-FFF2-40B4-BE49-F238E27FC236}">
-                <a16:creationId xmlns:a16="http://schemas.microsoft.com/office/drawing/2014/main" id="{2F4D2537-274B-488E-B1AE-D4F55E67478B}"/>
-              </a:ext>
-            </a:extLst>
-          </p:cNvPr>
-          <p:cNvSpPr>
-            <a:spLocks noGrp="1"/>
-          </p:cNvSpPr>
-          <p:nvPr>
-            <p:ph type="sldNum" sz="quarter" idx="4"/>
-          </p:nvPr>
-        </p:nvSpPr>
-        <p:spPr>
-          <a:xfrm>
-            <a:off x="8610600" y="6356350"/>
-            <a:ext cx="2743200" cy="365125"/>
-          </a:xfrm>
-          <a:prstGeom prst="rect">
-            <a:avLst/>
-          </a:prstGeom>
-        </p:spPr>
-        <p:txBody>
-          <a:bodyPr vert="horz" lIns="91440" tIns="45720" rIns="91440" bIns="45720" rtlCol="0" anchor="ctr"/>
-          <a:lstStyle>
-            <a:lvl1pPr algn="r">
-              <a:defRPr sz="1200">
-                <a:solidFill>
-                  <a:schemeClr val="tx1">
-                    <a:tint val="75000"/>
-                  </a:schemeClr>
-                </a:solidFill>
-              </a:defRPr>
-            </a:lvl1pPr>
-          </a:lstStyle>
-          <a:p>
-            <a:fld id="{6A2EC358-29CC-4CD5-8D01-DEA7E6B69FAF}" type="slidenum">
-              <a:rPr lang="LID4096" smtClean="0"/>
+            <a:fld id="{D57F1E4F-1CFF-5643-939E-02111984F565}" type="slidenum">
+              <a:rPr lang="en-US" smtClean="0"/>
+              <a:pPr/>
               <a:t>‹#›</a:t>
             </a:fld>
-            <a:endParaRPr lang="LID4096"/>
+            <a:endParaRPr lang="en-US" dirty="0"/>
           </a:p>
         </p:txBody>
       </p:sp>
     </p:spTree>
     <p:extLst>
       <p:ext uri="{BB962C8B-B14F-4D97-AF65-F5344CB8AC3E}">
-        <p14:creationId xmlns:p14="http://schemas.microsoft.com/office/powerpoint/2010/main" val="2907275198"/>
+        <p14:creationId xmlns:p14="http://schemas.microsoft.com/office/powerpoint/2010/main" val="3236813869"/>
       </p:ext>
     </p:extLst>
   </p:cSld>
   <p:clrMap bg1="lt1" tx1="dk1" bg2="lt2" tx2="dk2" accent1="accent1" accent2="accent2" accent3="accent3" accent4="accent4" accent5="accent5" accent6="accent6" hlink="hlink" folHlink="folHlink"/>
   <p:sldLayoutIdLst>
-    <p:sldLayoutId id="2147483649" r:id="rId1"/>
-    <p:sldLayoutId id="2147483650" r:id="rId2"/>
-    <p:sldLayoutId id="2147483651" r:id="rId3"/>
-    <p:sldLayoutId id="2147483652" r:id="rId4"/>
-    <p:sldLayoutId id="2147483653" r:id="rId5"/>
-    <p:sldLayoutId id="2147483654" r:id="rId6"/>
-    <p:sldLayoutId id="2147483655" r:id="rId7"/>
-    <p:sldLayoutId id="2147483656" r:id="rId8"/>
-    <p:sldLayoutId id="2147483657" r:id="rId9"/>
-    <p:sldLayoutId id="2147483658" r:id="rId10"/>
-    <p:sldLayoutId id="2147483659" r:id="rId11"/>
+    <p:sldLayoutId id="2147483684" r:id="rId1"/>
+    <p:sldLayoutId id="2147483685" r:id="rId2"/>
+    <p:sldLayoutId id="2147483686" r:id="rId3"/>
+    <p:sldLayoutId id="2147483687" r:id="rId4"/>
+    <p:sldLayoutId id="2147483688" r:id="rId5"/>
+    <p:sldLayoutId id="2147483689" r:id="rId6"/>
+    <p:sldLayoutId id="2147483690" r:id="rId7"/>
+    <p:sldLayoutId id="2147483691" r:id="rId8"/>
+    <p:sldLayoutId id="2147483692" r:id="rId9"/>
+    <p:sldLayoutId id="2147483693" r:id="rId10"/>
+    <p:sldLayoutId id="2147483694" r:id="rId11"/>
   </p:sldLayoutIdLst>
+  <p:hf hdr="0" ftr="0" dt="0"/>
   <p:txStyles>
     <p:titleStyle>
       <a:lvl1pPr algn="l" defTabSz="914400" rtl="0" eaLnBrk="1" latinLnBrk="0" hangingPunct="1">
@@ -3060,9 +2874,9 @@
           <a:spcPct val="0"/>
         </a:spcBef>
         <a:buNone/>
-        <a:defRPr sz="4400" kern="1200">
+        <a:defRPr sz="3200" b="1" kern="1200">
           <a:solidFill>
-            <a:schemeClr val="tx1"/>
+            <a:srgbClr val="315E70"/>
           </a:solidFill>
           <a:latin typeface="+mj-lt"/>
           <a:ea typeface="+mj-ea"/>
@@ -3071,7 +2885,7 @@
       </a:lvl1pPr>
     </p:titleStyle>
     <p:bodyStyle>
-      <a:lvl1pPr marL="228600" indent="-228600" algn="l" defTabSz="914400" rtl="0" eaLnBrk="1" latinLnBrk="0" hangingPunct="1">
+      <a:lvl1pPr marL="233363" indent="-233363" algn="l" defTabSz="914400" rtl="0" eaLnBrk="1" latinLnBrk="0" hangingPunct="1">
         <a:lnSpc>
           <a:spcPct val="90000"/>
         </a:lnSpc>
@@ -3080,34 +2894,16 @@
         </a:spcBef>
         <a:buFont typeface="Arial" panose="020B0604020202020204" pitchFamily="34" charset="0"/>
         <a:buChar char="•"/>
-        <a:defRPr sz="2800" kern="1200">
+        <a:defRPr sz="2400" kern="1200">
           <a:solidFill>
-            <a:schemeClr val="tx1"/>
+            <a:srgbClr val="474847"/>
           </a:solidFill>
           <a:latin typeface="+mn-lt"/>
           <a:ea typeface="+mn-ea"/>
           <a:cs typeface="+mn-cs"/>
         </a:defRPr>
       </a:lvl1pPr>
-      <a:lvl2pPr marL="685800" indent="-228600" algn="l" defTabSz="914400" rtl="0" eaLnBrk="1" latinLnBrk="0" hangingPunct="1">
-        <a:lnSpc>
-          <a:spcPct val="90000"/>
-        </a:lnSpc>
-        <a:spcBef>
-          <a:spcPts val="500"/>
-        </a:spcBef>
-        <a:buFont typeface="Arial" panose="020B0604020202020204" pitchFamily="34" charset="0"/>
-        <a:buChar char="•"/>
-        <a:defRPr sz="2400" kern="1200">
-          <a:solidFill>
-            <a:schemeClr val="tx1"/>
-          </a:solidFill>
-          <a:latin typeface="+mn-lt"/>
-          <a:ea typeface="+mn-ea"/>
-          <a:cs typeface="+mn-cs"/>
-        </a:defRPr>
-      </a:lvl2pPr>
-      <a:lvl3pPr marL="1143000" indent="-228600" algn="l" defTabSz="914400" rtl="0" eaLnBrk="1" latinLnBrk="0" hangingPunct="1">
+      <a:lvl2pPr marL="511175" indent="-280988" algn="l" defTabSz="914400" rtl="0" eaLnBrk="1" latinLnBrk="0" hangingPunct="1">
         <a:lnSpc>
           <a:spcPct val="90000"/>
         </a:lnSpc>
@@ -3118,14 +2914,14 @@
         <a:buChar char="•"/>
         <a:defRPr sz="2000" kern="1200">
           <a:solidFill>
-            <a:schemeClr val="tx1"/>
+            <a:srgbClr val="474847"/>
           </a:solidFill>
           <a:latin typeface="+mn-lt"/>
           <a:ea typeface="+mn-ea"/>
           <a:cs typeface="+mn-cs"/>
         </a:defRPr>
-      </a:lvl3pPr>
-      <a:lvl4pPr marL="1600200" indent="-228600" algn="l" defTabSz="914400" rtl="0" eaLnBrk="1" latinLnBrk="0" hangingPunct="1">
+      </a:lvl2pPr>
+      <a:lvl3pPr marL="741363" indent="-230188" algn="l" defTabSz="914400" rtl="0" eaLnBrk="1" latinLnBrk="0" hangingPunct="1">
         <a:lnSpc>
           <a:spcPct val="90000"/>
         </a:lnSpc>
@@ -3136,14 +2932,14 @@
         <a:buChar char="•"/>
         <a:defRPr sz="1800" kern="1200">
           <a:solidFill>
-            <a:schemeClr val="tx1"/>
+            <a:srgbClr val="474847"/>
           </a:solidFill>
           <a:latin typeface="+mn-lt"/>
           <a:ea typeface="+mn-ea"/>
           <a:cs typeface="+mn-cs"/>
         </a:defRPr>
-      </a:lvl4pPr>
-      <a:lvl5pPr marL="2057400" indent="-228600" algn="l" defTabSz="914400" rtl="0" eaLnBrk="1" latinLnBrk="0" hangingPunct="1">
+      </a:lvl3pPr>
+      <a:lvl4pPr marL="914400" indent="-173038" algn="l" defTabSz="914400" rtl="0" eaLnBrk="1" latinLnBrk="0" hangingPunct="1">
         <a:lnSpc>
           <a:spcPct val="90000"/>
         </a:lnSpc>
@@ -3152,9 +2948,27 @@
         </a:spcBef>
         <a:buFont typeface="Arial" panose="020B0604020202020204" pitchFamily="34" charset="0"/>
         <a:buChar char="•"/>
-        <a:defRPr sz="1800" kern="1200">
+        <a:defRPr sz="1600" kern="1200">
           <a:solidFill>
-            <a:schemeClr val="tx1"/>
+            <a:srgbClr val="474847"/>
+          </a:solidFill>
+          <a:latin typeface="+mn-lt"/>
+          <a:ea typeface="+mn-ea"/>
+          <a:cs typeface="+mn-cs"/>
+        </a:defRPr>
+      </a:lvl4pPr>
+      <a:lvl5pPr marL="1087438" indent="-173038" algn="l" defTabSz="914400" rtl="0" eaLnBrk="1" latinLnBrk="0" hangingPunct="1">
+        <a:lnSpc>
+          <a:spcPct val="90000"/>
+        </a:lnSpc>
+        <a:spcBef>
+          <a:spcPts val="500"/>
+        </a:spcBef>
+        <a:buFont typeface="Arial" panose="020B0604020202020204" pitchFamily="34" charset="0"/>
+        <a:buChar char="•"/>
+        <a:defRPr sz="1600" kern="1200">
+          <a:solidFill>
+            <a:srgbClr val="474847"/>
           </a:solidFill>
           <a:latin typeface="+mn-lt"/>
           <a:ea typeface="+mn-ea"/>
@@ -3414,16 +3228,80 @@
           <a:p>
             <a:r>
               <a:rPr lang="sl-SI" dirty="0"/>
-              <a:t>					GEN-i Akademija; Tomaž Kaštrun</a:t>
+              <a:t>				</a:t>
+            </a:r>
+            <a:r>
+              <a:rPr lang="sl-SI" dirty="0" err="1" smtClean="0"/>
+              <a:t>GEN-i</a:t>
+            </a:r>
+            <a:r>
+              <a:rPr lang="sl-SI" dirty="0" smtClean="0"/>
+              <a:t> </a:t>
+            </a:r>
+            <a:r>
+              <a:rPr lang="sl-SI" dirty="0"/>
+              <a:t>Akademija; Tomaž Kaštrun</a:t>
             </a:r>
             <a:endParaRPr lang="LID4096" dirty="0"/>
+          </a:p>
+        </p:txBody>
+      </p:sp>
+      <p:sp>
+        <p:nvSpPr>
+          <p:cNvPr id="4" name="Date Placeholder 3"/>
+          <p:cNvSpPr>
+            <a:spLocks noGrp="1"/>
+          </p:cNvSpPr>
+          <p:nvPr>
+            <p:ph type="dt" sz="half" idx="10"/>
+          </p:nvPr>
+        </p:nvSpPr>
+        <p:spPr>
+          <a:xfrm>
+            <a:off x="6409524" y="6279571"/>
+            <a:ext cx="2057400" cy="365125"/>
+          </a:xfrm>
+        </p:spPr>
+        <p:txBody>
+          <a:bodyPr/>
+          <a:lstStyle/>
+          <a:p>
+            <a:r>
+              <a:rPr lang="en-US" dirty="0" smtClean="0"/>
+              <a:t>Ljubljana, </a:t>
+            </a:r>
+            <a:r>
+              <a:rPr lang="en-US" dirty="0" smtClean="0"/>
+              <a:t>2</a:t>
+            </a:r>
+            <a:r>
+              <a:rPr lang="sl-SI" dirty="0" smtClean="0"/>
+              <a:t>2</a:t>
+            </a:r>
+            <a:r>
+              <a:rPr lang="en-US" dirty="0" smtClean="0"/>
+              <a:t>.</a:t>
+            </a:r>
+            <a:r>
+              <a:rPr lang="sl-SI" dirty="0" smtClean="0"/>
+              <a:t>2</a:t>
+            </a:r>
+            <a:r>
+              <a:rPr lang="en-US" dirty="0" smtClean="0"/>
+              <a:t>.201</a:t>
+            </a:r>
+            <a:r>
+              <a:rPr lang="sl-SI" dirty="0" smtClean="0"/>
+              <a:t>8</a:t>
+            </a:r>
+            <a:endParaRPr lang="en-US" dirty="0"/>
           </a:p>
         </p:txBody>
       </p:sp>
     </p:spTree>
     <p:extLst>
       <p:ext uri="{BB962C8B-B14F-4D97-AF65-F5344CB8AC3E}">
-        <p14:creationId xmlns:p14="http://schemas.microsoft.com/office/powerpoint/2010/main" val="3353728500"/>
+        <p14:creationId xmlns:p14="http://schemas.microsoft.com/office/powerpoint/2010/main" val="1910390519"/>
       </p:ext>
     </p:extLst>
   </p:cSld>
@@ -3531,7 +3409,7 @@
     </p:spTree>
     <p:extLst>
       <p:ext uri="{BB962C8B-B14F-4D97-AF65-F5344CB8AC3E}">
-        <p14:creationId xmlns:p14="http://schemas.microsoft.com/office/powerpoint/2010/main" val="1895145350"/>
+        <p14:creationId xmlns:p14="http://schemas.microsoft.com/office/powerpoint/2010/main" val="880857754"/>
       </p:ext>
     </p:extLst>
   </p:cSld>
@@ -3637,7 +3515,7 @@
     </p:spTree>
     <p:extLst>
       <p:ext uri="{BB962C8B-B14F-4D97-AF65-F5344CB8AC3E}">
-        <p14:creationId xmlns:p14="http://schemas.microsoft.com/office/powerpoint/2010/main" val="689841651"/>
+        <p14:creationId xmlns:p14="http://schemas.microsoft.com/office/powerpoint/2010/main" val="2619169267"/>
       </p:ext>
     </p:extLst>
   </p:cSld>
@@ -3752,7 +3630,7 @@
     </p:spTree>
     <p:extLst>
       <p:ext uri="{BB962C8B-B14F-4D97-AF65-F5344CB8AC3E}">
-        <p14:creationId xmlns:p14="http://schemas.microsoft.com/office/powerpoint/2010/main" val="1724269396"/>
+        <p14:creationId xmlns:p14="http://schemas.microsoft.com/office/powerpoint/2010/main" val="177292729"/>
       </p:ext>
     </p:extLst>
   </p:cSld>
@@ -3874,7 +3752,7 @@
     </p:spTree>
     <p:extLst>
       <p:ext uri="{BB962C8B-B14F-4D97-AF65-F5344CB8AC3E}">
-        <p14:creationId xmlns:p14="http://schemas.microsoft.com/office/powerpoint/2010/main" val="1427368597"/>
+        <p14:creationId xmlns:p14="http://schemas.microsoft.com/office/powerpoint/2010/main" val="153826571"/>
       </p:ext>
     </p:extLst>
   </p:cSld>
@@ -3996,8 +3874,8 @@
         </p:nvSpPr>
         <p:spPr>
           <a:xfrm>
-            <a:off x="7312638" y="5253633"/>
-            <a:ext cx="2720618" cy="923330"/>
+            <a:off x="5485682" y="4797475"/>
+            <a:ext cx="2038058" cy="692497"/>
           </a:xfrm>
           <a:prstGeom prst="rect">
             <a:avLst/>
@@ -4005,18 +3883,15 @@
           <a:noFill/>
         </p:spPr>
         <p:txBody>
-          <a:bodyPr wrap="none" lIns="91440" tIns="45720" rIns="91440" bIns="45720">
+          <a:bodyPr wrap="none" lIns="68580" tIns="34290" rIns="68580" bIns="34290">
             <a:spAutoFit/>
           </a:bodyPr>
           <a:lstStyle/>
           <a:p>
             <a:pPr algn="ctr"/>
             <a:r>
-              <a:rPr lang="sl-SI" sz="5400" b="0" cap="none" spc="0" dirty="0">
+              <a:rPr lang="sl-SI" sz="4050" dirty="0">
                 <a:ln w="0"/>
-                <a:solidFill>
-                  <a:schemeClr val="tx1"/>
-                </a:solidFill>
                 <a:effectLst>
                   <a:outerShdw blurRad="38100" dist="19050" dir="2700000" algn="tl" rotWithShape="0">
                     <a:schemeClr val="dk1">
@@ -4027,11 +3902,8 @@
               </a:rPr>
               <a:t>&gt;&gt; Demo</a:t>
             </a:r>
-            <a:endParaRPr lang="en-US" sz="5400" b="0" cap="none" spc="0" dirty="0">
+            <a:endParaRPr lang="en-US" sz="4050" dirty="0">
               <a:ln w="0"/>
-              <a:solidFill>
-                <a:schemeClr val="tx1"/>
-              </a:solidFill>
               <a:effectLst>
                 <a:outerShdw blurRad="38100" dist="19050" dir="2700000" algn="tl" rotWithShape="0">
                   <a:schemeClr val="dk1">
@@ -4046,7 +3918,7 @@
     </p:spTree>
     <p:extLst>
       <p:ext uri="{BB962C8B-B14F-4D97-AF65-F5344CB8AC3E}">
-        <p14:creationId xmlns:p14="http://schemas.microsoft.com/office/powerpoint/2010/main" val="3654822493"/>
+        <p14:creationId xmlns:p14="http://schemas.microsoft.com/office/powerpoint/2010/main" val="1685150831"/>
       </p:ext>
     </p:extLst>
   </p:cSld>
@@ -4174,8 +4046,8 @@
         </p:nvSpPr>
         <p:spPr>
           <a:xfrm>
-            <a:off x="7312638" y="5253633"/>
-            <a:ext cx="2720618" cy="923330"/>
+            <a:off x="5485682" y="4797475"/>
+            <a:ext cx="2038058" cy="692497"/>
           </a:xfrm>
           <a:prstGeom prst="rect">
             <a:avLst/>
@@ -4183,18 +4055,15 @@
           <a:noFill/>
         </p:spPr>
         <p:txBody>
-          <a:bodyPr wrap="none" lIns="91440" tIns="45720" rIns="91440" bIns="45720">
+          <a:bodyPr wrap="none" lIns="68580" tIns="34290" rIns="68580" bIns="34290">
             <a:spAutoFit/>
           </a:bodyPr>
           <a:lstStyle/>
           <a:p>
             <a:pPr algn="ctr"/>
             <a:r>
-              <a:rPr lang="sl-SI" sz="5400" b="0" cap="none" spc="0" dirty="0">
+              <a:rPr lang="sl-SI" sz="4050" dirty="0">
                 <a:ln w="0"/>
-                <a:solidFill>
-                  <a:schemeClr val="tx1"/>
-                </a:solidFill>
                 <a:effectLst>
                   <a:outerShdw blurRad="38100" dist="19050" dir="2700000" algn="tl" rotWithShape="0">
                     <a:schemeClr val="dk1">
@@ -4205,11 +4074,8 @@
               </a:rPr>
               <a:t>&gt;&gt; Demo</a:t>
             </a:r>
-            <a:endParaRPr lang="en-US" sz="5400" b="0" cap="none" spc="0" dirty="0">
+            <a:endParaRPr lang="en-US" sz="4050" dirty="0">
               <a:ln w="0"/>
-              <a:solidFill>
-                <a:schemeClr val="tx1"/>
-              </a:solidFill>
               <a:effectLst>
                 <a:outerShdw blurRad="38100" dist="19050" dir="2700000" algn="tl" rotWithShape="0">
                   <a:schemeClr val="dk1">
@@ -4224,7 +4090,7 @@
     </p:spTree>
     <p:extLst>
       <p:ext uri="{BB962C8B-B14F-4D97-AF65-F5344CB8AC3E}">
-        <p14:creationId xmlns:p14="http://schemas.microsoft.com/office/powerpoint/2010/main" val="2455235581"/>
+        <p14:creationId xmlns:p14="http://schemas.microsoft.com/office/powerpoint/2010/main" val="3725122968"/>
       </p:ext>
     </p:extLst>
   </p:cSld>
@@ -4341,7 +4207,7 @@
             </a:r>
           </a:p>
           <a:p>
-            <a:pPr marL="457200" lvl="1" indent="0">
+            <a:pPr marL="342900" lvl="1" indent="0">
               <a:buNone/>
             </a:pPr>
             <a:endParaRPr lang="sl-SI" dirty="0"/>
@@ -4365,8 +4231,8 @@
         </p:nvSpPr>
         <p:spPr>
           <a:xfrm>
-            <a:off x="7312638" y="5253633"/>
-            <a:ext cx="2720618" cy="923330"/>
+            <a:off x="5485682" y="4797475"/>
+            <a:ext cx="2038058" cy="692497"/>
           </a:xfrm>
           <a:prstGeom prst="rect">
             <a:avLst/>
@@ -4374,18 +4240,15 @@
           <a:noFill/>
         </p:spPr>
         <p:txBody>
-          <a:bodyPr wrap="none" lIns="91440" tIns="45720" rIns="91440" bIns="45720">
+          <a:bodyPr wrap="none" lIns="68580" tIns="34290" rIns="68580" bIns="34290">
             <a:spAutoFit/>
           </a:bodyPr>
           <a:lstStyle/>
           <a:p>
             <a:pPr algn="ctr"/>
             <a:r>
-              <a:rPr lang="sl-SI" sz="5400" b="0" cap="none" spc="0" dirty="0">
+              <a:rPr lang="sl-SI" sz="4050" dirty="0">
                 <a:ln w="0"/>
-                <a:solidFill>
-                  <a:schemeClr val="tx1"/>
-                </a:solidFill>
                 <a:effectLst>
                   <a:outerShdw blurRad="38100" dist="19050" dir="2700000" algn="tl" rotWithShape="0">
                     <a:schemeClr val="dk1">
@@ -4396,11 +4259,8 @@
               </a:rPr>
               <a:t>&gt;&gt; Demo</a:t>
             </a:r>
-            <a:endParaRPr lang="en-US" sz="5400" b="0" cap="none" spc="0" dirty="0">
+            <a:endParaRPr lang="en-US" sz="4050" dirty="0">
               <a:ln w="0"/>
-              <a:solidFill>
-                <a:schemeClr val="tx1"/>
-              </a:solidFill>
               <a:effectLst>
                 <a:outerShdw blurRad="38100" dist="19050" dir="2700000" algn="tl" rotWithShape="0">
                   <a:schemeClr val="dk1">
@@ -4415,7 +4275,7 @@
     </p:spTree>
     <p:extLst>
       <p:ext uri="{BB962C8B-B14F-4D97-AF65-F5344CB8AC3E}">
-        <p14:creationId xmlns:p14="http://schemas.microsoft.com/office/powerpoint/2010/main" val="3119440490"/>
+        <p14:creationId xmlns:p14="http://schemas.microsoft.com/office/powerpoint/2010/main" val="2009591770"/>
       </p:ext>
     </p:extLst>
   </p:cSld>
@@ -4537,7 +4397,7 @@
             </a:r>
           </a:p>
           <a:p>
-            <a:pPr marL="457200" lvl="1" indent="0">
+            <a:pPr marL="342900" lvl="1" indent="0">
               <a:buNone/>
             </a:pPr>
             <a:endParaRPr lang="sl-SI" dirty="0"/>
@@ -4561,8 +4421,8 @@
         </p:nvSpPr>
         <p:spPr>
           <a:xfrm>
-            <a:off x="7312638" y="5253633"/>
-            <a:ext cx="2720618" cy="923330"/>
+            <a:off x="5485682" y="4797475"/>
+            <a:ext cx="2038058" cy="692497"/>
           </a:xfrm>
           <a:prstGeom prst="rect">
             <a:avLst/>
@@ -4570,18 +4430,15 @@
           <a:noFill/>
         </p:spPr>
         <p:txBody>
-          <a:bodyPr wrap="none" lIns="91440" tIns="45720" rIns="91440" bIns="45720">
+          <a:bodyPr wrap="none" lIns="68580" tIns="34290" rIns="68580" bIns="34290">
             <a:spAutoFit/>
           </a:bodyPr>
           <a:lstStyle/>
           <a:p>
             <a:pPr algn="ctr"/>
             <a:r>
-              <a:rPr lang="sl-SI" sz="5400" b="0" cap="none" spc="0" dirty="0">
+              <a:rPr lang="sl-SI" sz="4050" dirty="0">
                 <a:ln w="0"/>
-                <a:solidFill>
-                  <a:schemeClr val="tx1"/>
-                </a:solidFill>
                 <a:effectLst>
                   <a:outerShdw blurRad="38100" dist="19050" dir="2700000" algn="tl" rotWithShape="0">
                     <a:schemeClr val="dk1">
@@ -4592,11 +4449,8 @@
               </a:rPr>
               <a:t>&gt;&gt; Demo</a:t>
             </a:r>
-            <a:endParaRPr lang="en-US" sz="5400" b="0" cap="none" spc="0" dirty="0">
+            <a:endParaRPr lang="en-US" sz="4050" dirty="0">
               <a:ln w="0"/>
-              <a:solidFill>
-                <a:schemeClr val="tx1"/>
-              </a:solidFill>
               <a:effectLst>
                 <a:outerShdw blurRad="38100" dist="19050" dir="2700000" algn="tl" rotWithShape="0">
                   <a:schemeClr val="dk1">
@@ -4611,7 +4465,7 @@
     </p:spTree>
     <p:extLst>
       <p:ext uri="{BB962C8B-B14F-4D97-AF65-F5344CB8AC3E}">
-        <p14:creationId xmlns:p14="http://schemas.microsoft.com/office/powerpoint/2010/main" val="1435416753"/>
+        <p14:creationId xmlns:p14="http://schemas.microsoft.com/office/powerpoint/2010/main" val="3079524956"/>
       </p:ext>
     </p:extLst>
   </p:cSld>
@@ -4622,6 +4476,207 @@
 </file>
 
 <file path=ppt/theme/theme1.xml><?xml version="1.0" encoding="utf-8"?>
+<a:theme xmlns:a="http://schemas.openxmlformats.org/drawingml/2006/main" name="Office Theme">
+  <a:themeElements>
+    <a:clrScheme name="Gen-i">
+      <a:dk1>
+        <a:srgbClr val="002936"/>
+      </a:dk1>
+      <a:lt1>
+        <a:sysClr val="window" lastClr="FFFFFF"/>
+      </a:lt1>
+      <a:dk2>
+        <a:srgbClr val="315E70"/>
+      </a:dk2>
+      <a:lt2>
+        <a:srgbClr val="FFFFFF"/>
+      </a:lt2>
+      <a:accent1>
+        <a:srgbClr val="315E70"/>
+      </a:accent1>
+      <a:accent2>
+        <a:srgbClr val="474847"/>
+      </a:accent2>
+      <a:accent3>
+        <a:srgbClr val="407B92"/>
+      </a:accent3>
+      <a:accent4>
+        <a:srgbClr val="5C9EB8"/>
+      </a:accent4>
+      <a:accent5>
+        <a:srgbClr val="4BACC6"/>
+      </a:accent5>
+      <a:accent6>
+        <a:srgbClr val="82B4C8"/>
+      </a:accent6>
+      <a:hlink>
+        <a:srgbClr val="474847"/>
+      </a:hlink>
+      <a:folHlink>
+        <a:srgbClr val="002936"/>
+      </a:folHlink>
+    </a:clrScheme>
+    <a:fontScheme name="Gen-i">
+      <a:majorFont>
+        <a:latin typeface="Calibri"/>
+        <a:ea typeface=""/>
+        <a:cs typeface=""/>
+      </a:majorFont>
+      <a:minorFont>
+        <a:latin typeface="Calibri"/>
+        <a:ea typeface=""/>
+        <a:cs typeface=""/>
+      </a:minorFont>
+    </a:fontScheme>
+    <a:fmtScheme name="Office Theme">
+      <a:fillStyleLst>
+        <a:solidFill>
+          <a:schemeClr val="phClr"/>
+        </a:solidFill>
+        <a:gradFill rotWithShape="1">
+          <a:gsLst>
+            <a:gs pos="0">
+              <a:schemeClr val="phClr">
+                <a:lumMod val="110000"/>
+                <a:satMod val="105000"/>
+                <a:tint val="67000"/>
+              </a:schemeClr>
+            </a:gs>
+            <a:gs pos="50000">
+              <a:schemeClr val="phClr">
+                <a:lumMod val="105000"/>
+                <a:satMod val="103000"/>
+                <a:tint val="73000"/>
+              </a:schemeClr>
+            </a:gs>
+            <a:gs pos="100000">
+              <a:schemeClr val="phClr">
+                <a:lumMod val="105000"/>
+                <a:satMod val="109000"/>
+                <a:tint val="81000"/>
+              </a:schemeClr>
+            </a:gs>
+          </a:gsLst>
+          <a:lin ang="5400000" scaled="0"/>
+        </a:gradFill>
+        <a:gradFill rotWithShape="1">
+          <a:gsLst>
+            <a:gs pos="0">
+              <a:schemeClr val="phClr">
+                <a:satMod val="103000"/>
+                <a:lumMod val="102000"/>
+                <a:tint val="94000"/>
+              </a:schemeClr>
+            </a:gs>
+            <a:gs pos="50000">
+              <a:schemeClr val="phClr">
+                <a:satMod val="110000"/>
+                <a:lumMod val="100000"/>
+                <a:shade val="100000"/>
+              </a:schemeClr>
+            </a:gs>
+            <a:gs pos="100000">
+              <a:schemeClr val="phClr">
+                <a:lumMod val="99000"/>
+                <a:satMod val="120000"/>
+                <a:shade val="78000"/>
+              </a:schemeClr>
+            </a:gs>
+          </a:gsLst>
+          <a:lin ang="5400000" scaled="0"/>
+        </a:gradFill>
+      </a:fillStyleLst>
+      <a:lnStyleLst>
+        <a:ln w="6350" cap="flat" cmpd="sng" algn="ctr">
+          <a:solidFill>
+            <a:schemeClr val="phClr"/>
+          </a:solidFill>
+          <a:prstDash val="solid"/>
+          <a:miter lim="800000"/>
+        </a:ln>
+        <a:ln w="12700" cap="flat" cmpd="sng" algn="ctr">
+          <a:solidFill>
+            <a:schemeClr val="phClr"/>
+          </a:solidFill>
+          <a:prstDash val="solid"/>
+          <a:miter lim="800000"/>
+        </a:ln>
+        <a:ln w="19050" cap="flat" cmpd="sng" algn="ctr">
+          <a:solidFill>
+            <a:schemeClr val="phClr"/>
+          </a:solidFill>
+          <a:prstDash val="solid"/>
+          <a:miter lim="800000"/>
+        </a:ln>
+      </a:lnStyleLst>
+      <a:effectStyleLst>
+        <a:effectStyle>
+          <a:effectLst/>
+        </a:effectStyle>
+        <a:effectStyle>
+          <a:effectLst/>
+        </a:effectStyle>
+        <a:effectStyle>
+          <a:effectLst>
+            <a:outerShdw blurRad="57150" dist="19050" dir="5400000" algn="ctr" rotWithShape="0">
+              <a:srgbClr val="000000">
+                <a:alpha val="63000"/>
+              </a:srgbClr>
+            </a:outerShdw>
+          </a:effectLst>
+        </a:effectStyle>
+      </a:effectStyleLst>
+      <a:bgFillStyleLst>
+        <a:solidFill>
+          <a:schemeClr val="phClr"/>
+        </a:solidFill>
+        <a:solidFill>
+          <a:schemeClr val="phClr">
+            <a:tint val="95000"/>
+            <a:satMod val="170000"/>
+          </a:schemeClr>
+        </a:solidFill>
+        <a:gradFill rotWithShape="1">
+          <a:gsLst>
+            <a:gs pos="0">
+              <a:schemeClr val="phClr">
+                <a:tint val="93000"/>
+                <a:satMod val="150000"/>
+                <a:shade val="98000"/>
+                <a:lumMod val="102000"/>
+              </a:schemeClr>
+            </a:gs>
+            <a:gs pos="50000">
+              <a:schemeClr val="phClr">
+                <a:tint val="98000"/>
+                <a:satMod val="130000"/>
+                <a:shade val="90000"/>
+                <a:lumMod val="103000"/>
+              </a:schemeClr>
+            </a:gs>
+            <a:gs pos="100000">
+              <a:schemeClr val="phClr">
+                <a:shade val="63000"/>
+                <a:satMod val="120000"/>
+              </a:schemeClr>
+            </a:gs>
+          </a:gsLst>
+          <a:lin ang="5400000" scaled="0"/>
+        </a:gradFill>
+      </a:bgFillStyleLst>
+    </a:fmtScheme>
+  </a:themeElements>
+  <a:objectDefaults/>
+  <a:extraClrSchemeLst/>
+  <a:extLst>
+    <a:ext uri="{05A4C25C-085E-4340-85A3-A5531E510DB2}">
+      <thm15:themeFamily xmlns:thm15="http://schemas.microsoft.com/office/thememl/2012/main" name="Presentation1" id="{A8704407-FCBD-4E10-9D93-517A0CC3CF71}" vid="{0735960F-B046-4EEA-A2F3-D1B39B682D73}"/>
+    </a:ext>
+  </a:extLst>
+</a:theme>
+</file>
+
+<file path=ppt/theme/theme2.xml><?xml version="1.0" encoding="utf-8"?>
 <a:theme xmlns:a="http://schemas.openxmlformats.org/drawingml/2006/main" name="Office Theme">
   <a:themeElements>
     <a:clrScheme name="Office">
@@ -4638,7 +4693,7 @@
         <a:srgbClr val="E7E6E6"/>
       </a:lt2>
       <a:accent1>
-        <a:srgbClr val="4472C4"/>
+        <a:srgbClr val="5B9BD5"/>
       </a:accent1>
       <a:accent2>
         <a:srgbClr val="ED7D31"/>
@@ -4650,7 +4705,7 @@
         <a:srgbClr val="FFC000"/>
       </a:accent4>
       <a:accent5>
-        <a:srgbClr val="5B9BD5"/>
+        <a:srgbClr val="4472C4"/>
       </a:accent5>
       <a:accent6>
         <a:srgbClr val="70AD47"/>
@@ -4667,9 +4722,9 @@
         <a:latin typeface="Calibri Light" panose="020F0302020204030204"/>
         <a:ea typeface=""/>
         <a:cs typeface=""/>
-        <a:font script="Jpan" typeface="游ゴシック Light"/>
+        <a:font script="Jpan" typeface="ＭＳ Ｐゴシック"/>
         <a:font script="Hang" typeface="맑은 고딕"/>
-        <a:font script="Hans" typeface="等线 Light"/>
+        <a:font script="Hans" typeface="宋体"/>
         <a:font script="Hant" typeface="新細明體"/>
         <a:font script="Arab" typeface="Times New Roman"/>
         <a:font script="Hebr" typeface="Times New Roman"/>
@@ -4697,31 +4752,14 @@
         <a:font script="Viet" typeface="Times New Roman"/>
         <a:font script="Uigh" typeface="Microsoft Uighur"/>
         <a:font script="Geor" typeface="Sylfaen"/>
-        <a:font script="Armn" typeface="Arial"/>
-        <a:font script="Bugi" typeface="Leelawadee UI"/>
-        <a:font script="Bopo" typeface="Microsoft JhengHei"/>
-        <a:font script="Java" typeface="Javanese Text"/>
-        <a:font script="Lisu" typeface="Segoe UI"/>
-        <a:font script="Mymr" typeface="Myanmar Text"/>
-        <a:font script="Nkoo" typeface="Ebrima"/>
-        <a:font script="Olck" typeface="Nirmala UI"/>
-        <a:font script="Osma" typeface="Ebrima"/>
-        <a:font script="Phag" typeface="Phagspa"/>
-        <a:font script="Syrn" typeface="Estrangelo Edessa"/>
-        <a:font script="Syrj" typeface="Estrangelo Edessa"/>
-        <a:font script="Syre" typeface="Estrangelo Edessa"/>
-        <a:font script="Sora" typeface="Nirmala UI"/>
-        <a:font script="Tale" typeface="Microsoft Tai Le"/>
-        <a:font script="Talu" typeface="Microsoft New Tai Lue"/>
-        <a:font script="Tfng" typeface="Ebrima"/>
       </a:majorFont>
       <a:minorFont>
         <a:latin typeface="Calibri" panose="020F0502020204030204"/>
         <a:ea typeface=""/>
         <a:cs typeface=""/>
-        <a:font script="Jpan" typeface="游ゴシック"/>
+        <a:font script="Jpan" typeface="ＭＳ Ｐゴシック"/>
         <a:font script="Hang" typeface="맑은 고딕"/>
-        <a:font script="Hans" typeface="等线"/>
+        <a:font script="Hans" typeface="宋体"/>
         <a:font script="Hant" typeface="新細明體"/>
         <a:font script="Arab" typeface="Arial"/>
         <a:font script="Hebr" typeface="Arial"/>
@@ -4749,23 +4787,6 @@
         <a:font script="Viet" typeface="Arial"/>
         <a:font script="Uigh" typeface="Microsoft Uighur"/>
         <a:font script="Geor" typeface="Sylfaen"/>
-        <a:font script="Armn" typeface="Arial"/>
-        <a:font script="Bugi" typeface="Leelawadee UI"/>
-        <a:font script="Bopo" typeface="Microsoft JhengHei"/>
-        <a:font script="Java" typeface="Javanese Text"/>
-        <a:font script="Lisu" typeface="Segoe UI"/>
-        <a:font script="Mymr" typeface="Myanmar Text"/>
-        <a:font script="Nkoo" typeface="Ebrima"/>
-        <a:font script="Olck" typeface="Nirmala UI"/>
-        <a:font script="Osma" typeface="Ebrima"/>
-        <a:font script="Phag" typeface="Phagspa"/>
-        <a:font script="Syrn" typeface="Estrangelo Edessa"/>
-        <a:font script="Syrj" typeface="Estrangelo Edessa"/>
-        <a:font script="Syre" typeface="Estrangelo Edessa"/>
-        <a:font script="Sora" typeface="Nirmala UI"/>
-        <a:font script="Tale" typeface="Microsoft Tai Le"/>
-        <a:font script="Talu" typeface="Microsoft New Tai Lue"/>
-        <a:font script="Tfng" typeface="Ebrima"/>
       </a:minorFont>
     </a:fontScheme>
     <a:fmtScheme name="Office">

--- a/T-SQL good practices.pptx
+++ b/T-SQL good practices.pptx
@@ -5,7 +5,7 @@
     <p:sldMasterId id="2147483683" r:id="rId1"/>
   </p:sldMasterIdLst>
   <p:notesMasterIdLst>
-    <p:notesMasterId r:id="rId11"/>
+    <p:notesMasterId r:id="rId12"/>
   </p:notesMasterIdLst>
   <p:sldIdLst>
     <p:sldId id="258" r:id="rId2"/>
@@ -17,6 +17,7 @@
     <p:sldId id="264" r:id="rId8"/>
     <p:sldId id="265" r:id="rId9"/>
     <p:sldId id="266" r:id="rId10"/>
+    <p:sldId id="267" r:id="rId11"/>
   </p:sldIdLst>
   <p:sldSz cx="9144000" cy="6858000" type="screen4x3"/>
   <p:notesSz cx="6858000" cy="9144000"/>
@@ -3268,11 +3269,7 @@
           <a:p>
             <a:r>
               <a:rPr lang="en-US" dirty="0" smtClean="0"/>
-              <a:t>Ljubljana, </a:t>
-            </a:r>
-            <a:r>
-              <a:rPr lang="en-US" dirty="0" smtClean="0"/>
-              <a:t>2</a:t>
+              <a:t>Ljubljana, 2</a:t>
             </a:r>
             <a:r>
               <a:rPr lang="sl-SI" dirty="0" smtClean="0"/>
@@ -3302,6 +3299,342 @@
     <p:extLst>
       <p:ext uri="{BB962C8B-B14F-4D97-AF65-F5344CB8AC3E}">
         <p14:creationId xmlns:p14="http://schemas.microsoft.com/office/powerpoint/2010/main" val="1910390519"/>
+      </p:ext>
+    </p:extLst>
+  </p:cSld>
+  <p:clrMapOvr>
+    <a:masterClrMapping/>
+  </p:clrMapOvr>
+</p:sld>
+</file>
+
+<file path=ppt/slides/slide10.xml><?xml version="1.0" encoding="utf-8"?>
+<p:sld xmlns:a="http://schemas.openxmlformats.org/drawingml/2006/main" xmlns:r="http://schemas.openxmlformats.org/officeDocument/2006/relationships" xmlns:p="http://schemas.openxmlformats.org/presentationml/2006/main">
+  <p:cSld>
+    <p:spTree>
+      <p:nvGrpSpPr>
+        <p:cNvPr id="1" name=""/>
+        <p:cNvGrpSpPr/>
+        <p:nvPr/>
+      </p:nvGrpSpPr>
+      <p:grpSpPr>
+        <a:xfrm>
+          <a:off x="0" y="0"/>
+          <a:ext cx="0" cy="0"/>
+          <a:chOff x="0" y="0"/>
+          <a:chExt cx="0" cy="0"/>
+        </a:xfrm>
+      </p:grpSpPr>
+      <p:sp>
+        <p:nvSpPr>
+          <p:cNvPr id="2" name="Title 1">
+            <a:extLst>
+              <a:ext uri="{FF2B5EF4-FFF2-40B4-BE49-F238E27FC236}">
+                <a16:creationId xmlns:a16="http://schemas.microsoft.com/office/drawing/2014/main" id="{41C4104F-2EAE-451C-8A4D-37A79430A29B}"/>
+              </a:ext>
+            </a:extLst>
+          </p:cNvPr>
+          <p:cNvSpPr>
+            <a:spLocks noGrp="1"/>
+          </p:cNvSpPr>
+          <p:nvPr>
+            <p:ph type="title"/>
+          </p:nvPr>
+        </p:nvSpPr>
+        <p:spPr/>
+        <p:txBody>
+          <a:bodyPr/>
+          <a:lstStyle/>
+          <a:p>
+            <a:r>
+              <a:rPr lang="sl-SI" dirty="0" err="1" smtClean="0"/>
+              <a:t>Give</a:t>
+            </a:r>
+            <a:r>
+              <a:rPr lang="sl-SI" dirty="0" smtClean="0"/>
+              <a:t> </a:t>
+            </a:r>
+            <a:r>
+              <a:rPr lang="sl-SI" dirty="0" err="1" smtClean="0"/>
+              <a:t>us</a:t>
+            </a:r>
+            <a:r>
+              <a:rPr lang="sl-SI" dirty="0" smtClean="0"/>
+              <a:t> </a:t>
+            </a:r>
+            <a:r>
+              <a:rPr lang="sl-SI" dirty="0" err="1" smtClean="0"/>
+              <a:t>your</a:t>
+            </a:r>
+            <a:r>
+              <a:rPr lang="sl-SI" dirty="0" smtClean="0"/>
+              <a:t> </a:t>
+            </a:r>
+            <a:r>
+              <a:rPr lang="sl-SI" dirty="0" err="1" smtClean="0"/>
+              <a:t>feedback</a:t>
+            </a:r>
+            <a:endParaRPr lang="LID4096" dirty="0"/>
+          </a:p>
+        </p:txBody>
+      </p:sp>
+      <p:sp>
+        <p:nvSpPr>
+          <p:cNvPr id="3" name="Content Placeholder 2">
+            <a:extLst>
+              <a:ext uri="{FF2B5EF4-FFF2-40B4-BE49-F238E27FC236}">
+                <a16:creationId xmlns:a16="http://schemas.microsoft.com/office/drawing/2014/main" id="{BA63B557-217E-4415-9B56-994EE26BBAE4}"/>
+              </a:ext>
+            </a:extLst>
+          </p:cNvPr>
+          <p:cNvSpPr>
+            <a:spLocks noGrp="1"/>
+          </p:cNvSpPr>
+          <p:nvPr>
+            <p:ph idx="1"/>
+          </p:nvPr>
+        </p:nvSpPr>
+        <p:spPr/>
+        <p:txBody>
+          <a:bodyPr>
+            <a:normAutofit/>
+          </a:bodyPr>
+          <a:lstStyle/>
+          <a:p>
+            <a:r>
+              <a:rPr lang="sl-SI" dirty="0" err="1" smtClean="0"/>
+              <a:t>Give</a:t>
+            </a:r>
+            <a:r>
+              <a:rPr lang="sl-SI" dirty="0" smtClean="0"/>
+              <a:t> </a:t>
+            </a:r>
+            <a:r>
+              <a:rPr lang="sl-SI" dirty="0" err="1" smtClean="0"/>
+              <a:t>us</a:t>
+            </a:r>
+            <a:r>
+              <a:rPr lang="sl-SI" dirty="0" smtClean="0"/>
+              <a:t> </a:t>
+            </a:r>
+            <a:r>
+              <a:rPr lang="sl-SI" dirty="0" err="1" smtClean="0"/>
+              <a:t>your</a:t>
+            </a:r>
+            <a:r>
+              <a:rPr lang="sl-SI" dirty="0" smtClean="0"/>
+              <a:t> </a:t>
+            </a:r>
+            <a:r>
+              <a:rPr lang="sl-SI" dirty="0" err="1" smtClean="0"/>
+              <a:t>feedback</a:t>
+            </a:r>
+            <a:endParaRPr lang="sl-SI" dirty="0" smtClean="0"/>
+          </a:p>
+          <a:p>
+            <a:r>
+              <a:rPr lang="sl-SI" dirty="0" smtClean="0"/>
+              <a:t>How </a:t>
+            </a:r>
+            <a:r>
+              <a:rPr lang="sl-SI" dirty="0" err="1" smtClean="0"/>
+              <a:t>usefull</a:t>
+            </a:r>
+            <a:r>
+              <a:rPr lang="sl-SI" dirty="0" smtClean="0"/>
+              <a:t> / </a:t>
+            </a:r>
+            <a:r>
+              <a:rPr lang="sl-SI" dirty="0" err="1" smtClean="0"/>
+              <a:t>useless</a:t>
+            </a:r>
+            <a:r>
+              <a:rPr lang="sl-SI" dirty="0" smtClean="0"/>
+              <a:t> </a:t>
+            </a:r>
+            <a:r>
+              <a:rPr lang="sl-SI" dirty="0" err="1" smtClean="0"/>
+              <a:t>did</a:t>
+            </a:r>
+            <a:r>
+              <a:rPr lang="sl-SI" dirty="0" smtClean="0"/>
+              <a:t> </a:t>
+            </a:r>
+            <a:r>
+              <a:rPr lang="sl-SI" dirty="0" err="1" smtClean="0"/>
+              <a:t>you</a:t>
+            </a:r>
+            <a:r>
+              <a:rPr lang="sl-SI" dirty="0" smtClean="0"/>
+              <a:t> </a:t>
+            </a:r>
+            <a:r>
+              <a:rPr lang="sl-SI" dirty="0" err="1" smtClean="0"/>
+              <a:t>find</a:t>
+            </a:r>
+            <a:r>
+              <a:rPr lang="sl-SI" dirty="0" smtClean="0"/>
+              <a:t> </a:t>
+            </a:r>
+            <a:r>
+              <a:rPr lang="sl-SI" dirty="0" err="1" smtClean="0"/>
+              <a:t>this</a:t>
+            </a:r>
+            <a:r>
+              <a:rPr lang="sl-SI" dirty="0" smtClean="0"/>
+              <a:t> </a:t>
+            </a:r>
+            <a:r>
+              <a:rPr lang="sl-SI" dirty="0" err="1" smtClean="0"/>
+              <a:t>workshop</a:t>
+            </a:r>
+            <a:r>
+              <a:rPr lang="sl-SI" dirty="0" smtClean="0"/>
+              <a:t>?</a:t>
+            </a:r>
+          </a:p>
+          <a:p>
+            <a:r>
+              <a:rPr lang="sl-SI" dirty="0" err="1" smtClean="0"/>
+              <a:t>What</a:t>
+            </a:r>
+            <a:r>
+              <a:rPr lang="sl-SI" dirty="0" smtClean="0"/>
+              <a:t> </a:t>
+            </a:r>
+            <a:r>
+              <a:rPr lang="sl-SI" dirty="0" err="1" smtClean="0"/>
+              <a:t>would</a:t>
+            </a:r>
+            <a:r>
+              <a:rPr lang="sl-SI" dirty="0" smtClean="0"/>
+              <a:t> make it </a:t>
+            </a:r>
+            <a:r>
+              <a:rPr lang="sl-SI" dirty="0" err="1" smtClean="0"/>
+              <a:t>better</a:t>
+            </a:r>
+            <a:r>
+              <a:rPr lang="sl-SI" dirty="0" smtClean="0"/>
+              <a:t>?</a:t>
+            </a:r>
+            <a:endParaRPr lang="sl-SI" dirty="0"/>
+          </a:p>
+          <a:p>
+            <a:r>
+              <a:rPr lang="sl-SI" dirty="0" err="1" smtClean="0"/>
+              <a:t>Was</a:t>
+            </a:r>
+            <a:r>
+              <a:rPr lang="sl-SI" dirty="0" smtClean="0"/>
+              <a:t> a </a:t>
+            </a:r>
+            <a:r>
+              <a:rPr lang="sl-SI" dirty="0" err="1" smtClean="0"/>
+              <a:t>particular</a:t>
+            </a:r>
+            <a:r>
+              <a:rPr lang="sl-SI" dirty="0" smtClean="0"/>
+              <a:t> </a:t>
+            </a:r>
+            <a:r>
+              <a:rPr lang="sl-SI" dirty="0" err="1" smtClean="0"/>
+              <a:t>topic</a:t>
+            </a:r>
+            <a:r>
+              <a:rPr lang="sl-SI" dirty="0" smtClean="0"/>
+              <a:t> </a:t>
+            </a:r>
+            <a:r>
+              <a:rPr lang="sl-SI" dirty="0" err="1" smtClean="0"/>
+              <a:t>left</a:t>
+            </a:r>
+            <a:r>
+              <a:rPr lang="sl-SI" dirty="0" smtClean="0"/>
+              <a:t> out?</a:t>
+            </a:r>
+          </a:p>
+          <a:p>
+            <a:r>
+              <a:rPr lang="sl-SI" dirty="0" err="1" smtClean="0"/>
+              <a:t>Would</a:t>
+            </a:r>
+            <a:r>
+              <a:rPr lang="sl-SI" dirty="0" smtClean="0"/>
+              <a:t> </a:t>
+            </a:r>
+            <a:r>
+              <a:rPr lang="sl-SI" dirty="0" err="1" smtClean="0"/>
+              <a:t>you</a:t>
+            </a:r>
+            <a:r>
+              <a:rPr lang="sl-SI" dirty="0" smtClean="0"/>
+              <a:t> </a:t>
+            </a:r>
+            <a:r>
+              <a:rPr lang="sl-SI" dirty="0" err="1" smtClean="0"/>
+              <a:t>recommend</a:t>
+            </a:r>
+            <a:r>
+              <a:rPr lang="sl-SI" dirty="0" smtClean="0"/>
+              <a:t> </a:t>
+            </a:r>
+            <a:r>
+              <a:rPr lang="sl-SI" dirty="0" err="1" smtClean="0"/>
+              <a:t>this</a:t>
+            </a:r>
+            <a:r>
+              <a:rPr lang="sl-SI" dirty="0" smtClean="0"/>
+              <a:t> </a:t>
+            </a:r>
+            <a:r>
+              <a:rPr lang="sl-SI" dirty="0" err="1" smtClean="0"/>
+              <a:t>workshop</a:t>
+            </a:r>
+            <a:r>
+              <a:rPr lang="sl-SI" dirty="0" smtClean="0"/>
+              <a:t> to </a:t>
+            </a:r>
+            <a:r>
+              <a:rPr lang="sl-SI" dirty="0" err="1" smtClean="0"/>
+              <a:t>your</a:t>
+            </a:r>
+            <a:r>
+              <a:rPr lang="sl-SI" dirty="0" smtClean="0"/>
+              <a:t> </a:t>
+            </a:r>
+            <a:r>
+              <a:rPr lang="sl-SI" dirty="0" err="1" smtClean="0"/>
+              <a:t>collegue</a:t>
+            </a:r>
+            <a:r>
+              <a:rPr lang="sl-SI" dirty="0" smtClean="0"/>
+              <a:t>?</a:t>
+            </a:r>
+          </a:p>
+          <a:p>
+            <a:endParaRPr lang="sl-SI" dirty="0"/>
+          </a:p>
+          <a:p>
+            <a:endParaRPr lang="sl-SI" dirty="0" smtClean="0"/>
+          </a:p>
+          <a:p>
+            <a:r>
+              <a:rPr lang="sl-SI" dirty="0" err="1" smtClean="0"/>
+              <a:t>Email</a:t>
+            </a:r>
+            <a:r>
+              <a:rPr lang="sl-SI" smtClean="0"/>
+              <a:t> to: </a:t>
+            </a:r>
+            <a:endParaRPr lang="sl-SI" dirty="0"/>
+          </a:p>
+        </p:txBody>
+      </p:sp>
+    </p:spTree>
+    <p:extLst>
+      <p:ext uri="{BB962C8B-B14F-4D97-AF65-F5344CB8AC3E}">
+        <p14:creationId xmlns:p14="http://schemas.microsoft.com/office/powerpoint/2010/main" val="4265848957"/>
       </p:ext>
     </p:extLst>
   </p:cSld>
@@ -3493,15 +3826,61 @@
           </a:p>
           <a:p>
             <a:r>
+              <a:rPr lang="sl-SI" i="1" dirty="0" smtClean="0"/>
+              <a:t>„</a:t>
+            </a:r>
+            <a:r>
+              <a:rPr lang="en-US" i="1" dirty="0" smtClean="0"/>
+              <a:t>Always </a:t>
+            </a:r>
+            <a:r>
+              <a:rPr lang="en-US" i="1" dirty="0"/>
+              <a:t>code as if the guy who ends up maintaining your code will be a violent psychopath who knows where you live</a:t>
+            </a:r>
+            <a:r>
+              <a:rPr lang="en-US" i="1" dirty="0" smtClean="0"/>
+              <a:t>.</a:t>
+            </a:r>
+            <a:r>
+              <a:rPr lang="sl-SI" i="1" smtClean="0"/>
+              <a:t>“</a:t>
+            </a:r>
+            <a:endParaRPr lang="sl-SI" i="1" dirty="0" smtClean="0"/>
+          </a:p>
+          <a:p>
+            <a:r>
+              <a:rPr lang="sl-SI" dirty="0" err="1" smtClean="0"/>
+              <a:t>You</a:t>
+            </a:r>
+            <a:r>
+              <a:rPr lang="sl-SI" dirty="0" smtClean="0"/>
+              <a:t> </a:t>
+            </a:r>
+            <a:r>
               <a:rPr lang="sl-SI" dirty="0"/>
-              <a:t>Always code as if the person reading your code is a psychopath who knows where you live!</a:t>
-            </a:r>
-          </a:p>
-          <a:p>
+              <a:t>should learn at least </a:t>
+            </a:r>
+            <a:r>
+              <a:rPr lang="sl-SI" b="1" u="sng" dirty="0"/>
+              <a:t>three new </a:t>
+            </a:r>
+            <a:r>
+              <a:rPr lang="sl-SI" b="1" u="sng" dirty="0" err="1"/>
+              <a:t>things</a:t>
+            </a:r>
+            <a:r>
+              <a:rPr lang="sl-SI" b="1" u="sng" dirty="0"/>
+              <a:t> </a:t>
+            </a:r>
+            <a:r>
+              <a:rPr lang="sl-SI" dirty="0" err="1" smtClean="0"/>
+              <a:t>today</a:t>
+            </a:r>
             <a:r>
               <a:rPr lang="sl-SI" dirty="0"/>
-              <a:t>You should learn at least three new things today</a:t>
-            </a:r>
+              <a:t>!</a:t>
+            </a:r>
+            <a:endParaRPr lang="sl-SI" dirty="0"/>
           </a:p>
           <a:p>
             <a:r>
